--- a/Fig/坐标系.pptx
+++ b/Fig/坐标系.pptx
@@ -9,6 +9,8 @@
     <p:sldId id="257" r:id="rId4"/>
     <p:sldId id="258" r:id="rId5"/>
     <p:sldId id="259" r:id="rId6"/>
+    <p:sldId id="260" r:id="rId7"/>
+    <p:sldId id="261" r:id="rId8"/>
   </p:sldIdLst>
   <p:sldSz cx="2519680" cy="2519680"/>
   <p:notesSz cx="6858000" cy="9144000"/>
@@ -110,12 +112,12 @@
   <p:extLst>
     <p:ext uri="{EFAFB233-063F-42B5-8137-9DF3F51BA10A}">
       <p15:sldGuideLst xmlns:p15="http://schemas.microsoft.com/office/powerpoint/2012/main">
-        <p15:guide id="1" orient="horz" pos="472" userDrawn="1">
+        <p15:guide id="1" orient="horz" pos="515" userDrawn="1">
           <p15:clr>
             <a:srgbClr val="A4A3A4"/>
           </p15:clr>
         </p15:guide>
-        <p15:guide id="2" pos="808" userDrawn="1">
+        <p15:guide id="2" pos="802" userDrawn="1">
           <p15:clr>
             <a:srgbClr val="A4A3A4"/>
           </p15:clr>
@@ -6807,45 +6809,3363 @@
         <p:nvPr/>
       </p:nvGrpSpPr>
       <p:grpSpPr/>
+      <p:pic>
+        <p:nvPicPr>
+          <p:cNvPr id="13" name="图片 12"/>
+          <p:cNvPicPr>
+            <a:picLocks noChangeAspect="1"/>
+          </p:cNvPicPr>
+          <p:nvPr/>
+        </p:nvPicPr>
+        <p:blipFill>
+          <a:blip r:embed="rId1"/>
+          <a:stretch>
+            <a:fillRect/>
+          </a:stretch>
+        </p:blipFill>
+        <p:spPr>
+          <a:xfrm>
+            <a:off x="75565" y="26670"/>
+            <a:ext cx="1593850" cy="1877060"/>
+          </a:xfrm>
+          <a:prstGeom prst="rect">
+            <a:avLst/>
+          </a:prstGeom>
+        </p:spPr>
+      </p:pic>
+      <p:cxnSp>
+        <p:nvCxnSpPr>
+          <p:cNvPr id="58" name="直接箭头连接符 57"/>
+          <p:cNvCxnSpPr/>
+          <p:nvPr/>
+        </p:nvCxnSpPr>
+        <p:spPr>
+          <a:xfrm flipH="1" flipV="1">
+            <a:off x="873125" y="857484"/>
+            <a:ext cx="722630" cy="1110615"/>
+          </a:xfrm>
+          <a:prstGeom prst="straightConnector1">
+            <a:avLst/>
+          </a:prstGeom>
+          <a:ln w="12700">
+            <a:solidFill>
+              <a:srgbClr val="00FF00"/>
+            </a:solidFill>
+            <a:tailEnd type="triangle"/>
+          </a:ln>
+        </p:spPr>
+        <p:style>
+          <a:lnRef idx="2">
+            <a:schemeClr val="accent1"/>
+          </a:lnRef>
+          <a:fillRef idx="0">
+            <a:srgbClr val="FFFFFF"/>
+          </a:fillRef>
+          <a:effectRef idx="0">
+            <a:srgbClr val="FFFFFF"/>
+          </a:effectRef>
+          <a:fontRef idx="minor">
+            <a:schemeClr val="tx1"/>
+          </a:fontRef>
+        </p:style>
+      </p:cxnSp>
+      <p:cxnSp>
+        <p:nvCxnSpPr>
+          <p:cNvPr id="4" name="直接箭头连接符 3"/>
+          <p:cNvCxnSpPr/>
+          <p:nvPr/>
+        </p:nvCxnSpPr>
+        <p:spPr>
+          <a:xfrm flipH="1">
+            <a:off x="1176020" y="1960880"/>
+            <a:ext cx="421640" cy="490220"/>
+          </a:xfrm>
+          <a:prstGeom prst="straightConnector1">
+            <a:avLst/>
+          </a:prstGeom>
+          <a:ln w="12700">
+            <a:solidFill>
+              <a:srgbClr val="007EFF"/>
+            </a:solidFill>
+            <a:tailEnd type="triangle"/>
+          </a:ln>
+        </p:spPr>
+        <p:style>
+          <a:lnRef idx="2">
+            <a:schemeClr val="accent1"/>
+          </a:lnRef>
+          <a:fillRef idx="0">
+            <a:srgbClr val="FFFFFF"/>
+          </a:fillRef>
+          <a:effectRef idx="0">
+            <a:srgbClr val="FFFFFF"/>
+          </a:effectRef>
+          <a:fontRef idx="minor">
+            <a:schemeClr val="tx1"/>
+          </a:fontRef>
+        </p:style>
+      </p:cxnSp>
+      <p:cxnSp>
+        <p:nvCxnSpPr>
+          <p:cNvPr id="6" name="直接箭头连接符 5"/>
+          <p:cNvCxnSpPr/>
+          <p:nvPr/>
+        </p:nvCxnSpPr>
+        <p:spPr>
+          <a:xfrm>
+            <a:off x="1594485" y="1962150"/>
+            <a:ext cx="721995" cy="1270"/>
+          </a:xfrm>
+          <a:prstGeom prst="straightConnector1">
+            <a:avLst/>
+          </a:prstGeom>
+          <a:ln w="12700">
+            <a:solidFill>
+              <a:srgbClr val="007EFF"/>
+            </a:solidFill>
+            <a:tailEnd type="triangle"/>
+          </a:ln>
+        </p:spPr>
+        <p:style>
+          <a:lnRef idx="2">
+            <a:schemeClr val="accent1"/>
+          </a:lnRef>
+          <a:fillRef idx="0">
+            <a:srgbClr val="FFFFFF"/>
+          </a:fillRef>
+          <a:effectRef idx="0">
+            <a:srgbClr val="FFFFFF"/>
+          </a:effectRef>
+          <a:fontRef idx="minor">
+            <a:schemeClr val="tx1"/>
+          </a:fontRef>
+        </p:style>
+      </p:cxnSp>
+      <p:cxnSp>
+        <p:nvCxnSpPr>
+          <p:cNvPr id="8" name="直接箭头连接符 7"/>
+          <p:cNvCxnSpPr/>
+          <p:nvPr/>
+        </p:nvCxnSpPr>
+        <p:spPr>
+          <a:xfrm>
+            <a:off x="1593850" y="1965325"/>
+            <a:ext cx="6985" cy="541655"/>
+          </a:xfrm>
+          <a:prstGeom prst="straightConnector1">
+            <a:avLst/>
+          </a:prstGeom>
+          <a:ln w="12700">
+            <a:solidFill>
+              <a:srgbClr val="007EFF"/>
+            </a:solidFill>
+            <a:tailEnd type="triangle"/>
+          </a:ln>
+        </p:spPr>
+        <p:style>
+          <a:lnRef idx="2">
+            <a:schemeClr val="accent1"/>
+          </a:lnRef>
+          <a:fillRef idx="0">
+            <a:srgbClr val="FFFFFF"/>
+          </a:fillRef>
+          <a:effectRef idx="0">
+            <a:srgbClr val="FFFFFF"/>
+          </a:effectRef>
+          <a:fontRef idx="minor">
+            <a:schemeClr val="tx1"/>
+          </a:fontRef>
+        </p:style>
+      </p:cxnSp>
+      <p:cxnSp>
+        <p:nvCxnSpPr>
+          <p:cNvPr id="7" name="直接箭头连接符 6"/>
+          <p:cNvCxnSpPr/>
+          <p:nvPr/>
+        </p:nvCxnSpPr>
+        <p:spPr>
+          <a:xfrm flipH="1">
+            <a:off x="383540" y="856615"/>
+            <a:ext cx="488315" cy="241300"/>
+          </a:xfrm>
+          <a:prstGeom prst="straightConnector1">
+            <a:avLst/>
+          </a:prstGeom>
+          <a:ln w="12700">
+            <a:solidFill>
+              <a:srgbClr val="FF0000"/>
+            </a:solidFill>
+            <a:tailEnd type="triangle"/>
+          </a:ln>
+        </p:spPr>
+        <p:style>
+          <a:lnRef idx="2">
+            <a:schemeClr val="accent1"/>
+          </a:lnRef>
+          <a:fillRef idx="0">
+            <a:srgbClr val="FFFFFF"/>
+          </a:fillRef>
+          <a:effectRef idx="0">
+            <a:srgbClr val="FFFFFF"/>
+          </a:effectRef>
+          <a:fontRef idx="minor">
+            <a:schemeClr val="tx1"/>
+          </a:fontRef>
+        </p:style>
+      </p:cxnSp>
+      <p:cxnSp>
+        <p:nvCxnSpPr>
+          <p:cNvPr id="10" name="直接箭头连接符 9"/>
+          <p:cNvCxnSpPr/>
+          <p:nvPr/>
+        </p:nvCxnSpPr>
+        <p:spPr>
+          <a:xfrm>
+            <a:off x="870585" y="858520"/>
+            <a:ext cx="920750" cy="48895"/>
+          </a:xfrm>
+          <a:prstGeom prst="straightConnector1">
+            <a:avLst/>
+          </a:prstGeom>
+          <a:ln w="12700">
+            <a:solidFill>
+              <a:srgbClr val="FF0000"/>
+            </a:solidFill>
+            <a:tailEnd type="triangle"/>
+          </a:ln>
+        </p:spPr>
+        <p:style>
+          <a:lnRef idx="2">
+            <a:schemeClr val="accent1"/>
+          </a:lnRef>
+          <a:fillRef idx="0">
+            <a:srgbClr val="FFFFFF"/>
+          </a:fillRef>
+          <a:effectRef idx="0">
+            <a:srgbClr val="FFFFFF"/>
+          </a:effectRef>
+          <a:fontRef idx="minor">
+            <a:schemeClr val="tx1"/>
+          </a:fontRef>
+        </p:style>
+      </p:cxnSp>
+      <p:cxnSp>
+        <p:nvCxnSpPr>
+          <p:cNvPr id="11" name="直接箭头连接符 10"/>
+          <p:cNvCxnSpPr/>
+          <p:nvPr/>
+        </p:nvCxnSpPr>
+        <p:spPr>
+          <a:xfrm flipH="1">
+            <a:off x="843280" y="859790"/>
+            <a:ext cx="26035" cy="828675"/>
+          </a:xfrm>
+          <a:prstGeom prst="straightConnector1">
+            <a:avLst/>
+          </a:prstGeom>
+          <a:ln w="12700">
+            <a:solidFill>
+              <a:srgbClr val="FF0000"/>
+            </a:solidFill>
+            <a:tailEnd type="triangle"/>
+          </a:ln>
+        </p:spPr>
+        <p:style>
+          <a:lnRef idx="2">
+            <a:schemeClr val="accent1"/>
+          </a:lnRef>
+          <a:fillRef idx="0">
+            <a:srgbClr val="FFFFFF"/>
+          </a:fillRef>
+          <a:effectRef idx="0">
+            <a:srgbClr val="FFFFFF"/>
+          </a:effectRef>
+          <a:fontRef idx="minor">
+            <a:schemeClr val="tx1"/>
+          </a:fontRef>
+        </p:style>
+      </p:cxnSp>
+      <p:graphicFrame>
+        <p:nvGraphicFramePr>
+          <p:cNvPr id="12" name="对象 -2147482496"/>
+          <p:cNvGraphicFramePr>
+            <a:graphicFrameLocks noChangeAspect="1"/>
+          </p:cNvGraphicFramePr>
+          <p:nvPr/>
+        </p:nvGraphicFramePr>
+        <p:xfrm>
+          <a:off x="704850" y="666115"/>
+          <a:ext cx="177165" cy="190500"/>
+        </p:xfrm>
+        <a:graphic>
+          <a:graphicData uri="http://schemas.openxmlformats.org/presentationml/2006/ole">
+            <mc:AlternateContent xmlns:mc="http://schemas.openxmlformats.org/markup-compatibility/2006">
+              <mc:Choice xmlns:v="urn:schemas-microsoft-com:vml" Requires="v">
+                <p:oleObj spid="_x0000_s3076" name="" r:id="rId2" imgW="177165" imgH="190500" progId="DSEquations">
+                  <p:embed/>
+                </p:oleObj>
+              </mc:Choice>
+              <mc:Fallback>
+                <p:oleObj name="" r:id="rId2" imgW="177165" imgH="190500" progId="DSEquations">
+                  <p:embed/>
+                  <p:pic>
+                    <p:nvPicPr>
+                      <p:cNvPr id="0" name="图片 3075"/>
+                      <p:cNvPicPr/>
+                      <p:nvPr/>
+                    </p:nvPicPr>
+                    <p:blipFill>
+                      <a:blip r:embed="rId3"/>
+                      <a:stretch>
+                        <a:fillRect/>
+                      </a:stretch>
+                    </p:blipFill>
+                    <p:spPr>
+                      <a:xfrm>
+                        <a:off x="704850" y="666115"/>
+                        <a:ext cx="177165" cy="190500"/>
+                      </a:xfrm>
+                      <a:prstGeom prst="rect">
+                        <a:avLst/>
+                      </a:prstGeom>
+                      <a:noFill/>
+                      <a:ln w="38100">
+                        <a:noFill/>
+                        <a:miter/>
+                      </a:ln>
+                    </p:spPr>
+                  </p:pic>
+                </p:oleObj>
+              </mc:Fallback>
+            </mc:AlternateContent>
+          </a:graphicData>
+        </a:graphic>
+      </p:graphicFrame>
+      <p:graphicFrame>
+        <p:nvGraphicFramePr>
+          <p:cNvPr id="33" name="对象 -2147482496"/>
+          <p:cNvGraphicFramePr>
+            <a:graphicFrameLocks noChangeAspect="1"/>
+          </p:cNvGraphicFramePr>
+          <p:nvPr/>
+        </p:nvGraphicFramePr>
+        <p:xfrm>
+          <a:off x="1817370" y="835660"/>
+          <a:ext cx="203200" cy="190500"/>
+        </p:xfrm>
+        <a:graphic>
+          <a:graphicData uri="http://schemas.openxmlformats.org/presentationml/2006/ole">
+            <mc:AlternateContent xmlns:mc="http://schemas.openxmlformats.org/markup-compatibility/2006">
+              <mc:Choice xmlns:v="urn:schemas-microsoft-com:vml" Requires="v">
+                <p:oleObj spid="_x0000_s34" name="" r:id="rId4" imgW="203200" imgH="190500" progId="DSEquations">
+                  <p:embed/>
+                </p:oleObj>
+              </mc:Choice>
+              <mc:Fallback>
+                <p:oleObj name="" r:id="rId4" imgW="203200" imgH="190500" progId="DSEquations">
+                  <p:embed/>
+                  <p:pic>
+                    <p:nvPicPr>
+                      <p:cNvPr id="0" name="图片 3075"/>
+                      <p:cNvPicPr/>
+                      <p:nvPr/>
+                    </p:nvPicPr>
+                    <p:blipFill>
+                      <a:blip r:embed="rId5"/>
+                      <a:stretch>
+                        <a:fillRect/>
+                      </a:stretch>
+                    </p:blipFill>
+                    <p:spPr>
+                      <a:xfrm>
+                        <a:off x="1817370" y="835660"/>
+                        <a:ext cx="203200" cy="190500"/>
+                      </a:xfrm>
+                      <a:prstGeom prst="rect">
+                        <a:avLst/>
+                      </a:prstGeom>
+                      <a:noFill/>
+                      <a:ln w="38100">
+                        <a:noFill/>
+                        <a:miter/>
+                      </a:ln>
+                    </p:spPr>
+                  </p:pic>
+                </p:oleObj>
+              </mc:Fallback>
+            </mc:AlternateContent>
+          </a:graphicData>
+        </a:graphic>
+      </p:graphicFrame>
+      <p:graphicFrame>
+        <p:nvGraphicFramePr>
+          <p:cNvPr id="35" name="对象 -2147482496"/>
+          <p:cNvGraphicFramePr>
+            <a:graphicFrameLocks noChangeAspect="1"/>
+          </p:cNvGraphicFramePr>
+          <p:nvPr/>
+        </p:nvGraphicFramePr>
+        <p:xfrm>
+          <a:off x="228600" y="1003935"/>
+          <a:ext cx="152400" cy="190500"/>
+        </p:xfrm>
+        <a:graphic>
+          <a:graphicData uri="http://schemas.openxmlformats.org/presentationml/2006/ole">
+            <mc:AlternateContent xmlns:mc="http://schemas.openxmlformats.org/markup-compatibility/2006">
+              <mc:Choice xmlns:v="urn:schemas-microsoft-com:vml" Requires="v">
+                <p:oleObj spid="_x0000_s36" name="" r:id="rId6" imgW="152400" imgH="190500" progId="DSEquations">
+                  <p:embed/>
+                </p:oleObj>
+              </mc:Choice>
+              <mc:Fallback>
+                <p:oleObj name="" r:id="rId6" imgW="152400" imgH="190500" progId="DSEquations">
+                  <p:embed/>
+                  <p:pic>
+                    <p:nvPicPr>
+                      <p:cNvPr id="0" name="图片 3075"/>
+                      <p:cNvPicPr/>
+                      <p:nvPr/>
+                    </p:nvPicPr>
+                    <p:blipFill>
+                      <a:blip r:embed="rId7"/>
+                      <a:stretch>
+                        <a:fillRect/>
+                      </a:stretch>
+                    </p:blipFill>
+                    <p:spPr>
+                      <a:xfrm>
+                        <a:off x="228600" y="1003935"/>
+                        <a:ext cx="152400" cy="190500"/>
+                      </a:xfrm>
+                      <a:prstGeom prst="rect">
+                        <a:avLst/>
+                      </a:prstGeom>
+                      <a:noFill/>
+                      <a:ln w="38100">
+                        <a:noFill/>
+                        <a:miter/>
+                      </a:ln>
+                    </p:spPr>
+                  </p:pic>
+                </p:oleObj>
+              </mc:Fallback>
+            </mc:AlternateContent>
+          </a:graphicData>
+        </a:graphic>
+      </p:graphicFrame>
+      <p:graphicFrame>
+        <p:nvGraphicFramePr>
+          <p:cNvPr id="37" name="对象 -2147482496"/>
+          <p:cNvGraphicFramePr>
+            <a:graphicFrameLocks noChangeAspect="1"/>
+          </p:cNvGraphicFramePr>
+          <p:nvPr/>
+        </p:nvGraphicFramePr>
+        <p:xfrm>
+          <a:off x="651510" y="1740535"/>
+          <a:ext cx="177165" cy="190500"/>
+        </p:xfrm>
+        <a:graphic>
+          <a:graphicData uri="http://schemas.openxmlformats.org/presentationml/2006/ole">
+            <mc:AlternateContent xmlns:mc="http://schemas.openxmlformats.org/markup-compatibility/2006">
+              <mc:Choice xmlns:v="urn:schemas-microsoft-com:vml" Requires="v">
+                <p:oleObj spid="_x0000_s38" name="" r:id="rId8" imgW="177165" imgH="190500" progId="DSEquations">
+                  <p:embed/>
+                </p:oleObj>
+              </mc:Choice>
+              <mc:Fallback>
+                <p:oleObj name="" r:id="rId8" imgW="177165" imgH="190500" progId="DSEquations">
+                  <p:embed/>
+                  <p:pic>
+                    <p:nvPicPr>
+                      <p:cNvPr id="0" name="图片 3075"/>
+                      <p:cNvPicPr/>
+                      <p:nvPr/>
+                    </p:nvPicPr>
+                    <p:blipFill>
+                      <a:blip r:embed="rId9"/>
+                      <a:stretch>
+                        <a:fillRect/>
+                      </a:stretch>
+                    </p:blipFill>
+                    <p:spPr>
+                      <a:xfrm>
+                        <a:off x="651510" y="1740535"/>
+                        <a:ext cx="177165" cy="190500"/>
+                      </a:xfrm>
+                      <a:prstGeom prst="rect">
+                        <a:avLst/>
+                      </a:prstGeom>
+                      <a:noFill/>
+                      <a:ln w="38100">
+                        <a:noFill/>
+                        <a:miter/>
+                      </a:ln>
+                    </p:spPr>
+                  </p:pic>
+                </p:oleObj>
+              </mc:Fallback>
+            </mc:AlternateContent>
+          </a:graphicData>
+        </a:graphic>
+      </p:graphicFrame>
+      <p:graphicFrame>
+        <p:nvGraphicFramePr>
+          <p:cNvPr id="39" name="对象 -2147482496"/>
+          <p:cNvGraphicFramePr>
+            <a:graphicFrameLocks noChangeAspect="1"/>
+          </p:cNvGraphicFramePr>
+          <p:nvPr/>
+        </p:nvGraphicFramePr>
+        <p:xfrm>
+          <a:off x="2069807" y="1740733"/>
+          <a:ext cx="407670" cy="190500"/>
+        </p:xfrm>
+        <a:graphic>
+          <a:graphicData uri="http://schemas.openxmlformats.org/presentationml/2006/ole">
+            <mc:AlternateContent xmlns:mc="http://schemas.openxmlformats.org/markup-compatibility/2006">
+              <mc:Choice xmlns:v="urn:schemas-microsoft-com:vml" Requires="v">
+                <p:oleObj spid="_x0000_s40" name="" r:id="rId10" imgW="405765" imgH="190500" progId="DSEquations">
+                  <p:embed/>
+                </p:oleObj>
+              </mc:Choice>
+              <mc:Fallback>
+                <p:oleObj name="" r:id="rId10" imgW="405765" imgH="190500" progId="DSEquations">
+                  <p:embed/>
+                  <p:pic>
+                    <p:nvPicPr>
+                      <p:cNvPr id="0" name="图片 3075"/>
+                      <p:cNvPicPr/>
+                      <p:nvPr/>
+                    </p:nvPicPr>
+                    <p:blipFill>
+                      <a:blip r:embed="rId11"/>
+                      <a:stretch>
+                        <a:fillRect/>
+                      </a:stretch>
+                    </p:blipFill>
+                    <p:spPr>
+                      <a:xfrm>
+                        <a:off x="2069807" y="1740733"/>
+                        <a:ext cx="407670" cy="190500"/>
+                      </a:xfrm>
+                      <a:prstGeom prst="rect">
+                        <a:avLst/>
+                      </a:prstGeom>
+                      <a:noFill/>
+                      <a:ln w="38100">
+                        <a:noFill/>
+                        <a:miter/>
+                      </a:ln>
+                    </p:spPr>
+                  </p:pic>
+                </p:oleObj>
+              </mc:Fallback>
+            </mc:AlternateContent>
+          </a:graphicData>
+        </a:graphic>
+      </p:graphicFrame>
+      <p:graphicFrame>
+        <p:nvGraphicFramePr>
+          <p:cNvPr id="43" name="对象 -2147482496"/>
+          <p:cNvGraphicFramePr>
+            <a:graphicFrameLocks noChangeAspect="1"/>
+          </p:cNvGraphicFramePr>
+          <p:nvPr/>
+        </p:nvGraphicFramePr>
+        <p:xfrm>
+          <a:off x="831212" y="2284175"/>
+          <a:ext cx="344805" cy="190500"/>
+        </p:xfrm>
+        <a:graphic>
+          <a:graphicData uri="http://schemas.openxmlformats.org/presentationml/2006/ole">
+            <mc:AlternateContent xmlns:mc="http://schemas.openxmlformats.org/markup-compatibility/2006">
+              <mc:Choice xmlns:v="urn:schemas-microsoft-com:vml" Requires="v">
+                <p:oleObj spid="_x0000_s44" name="" r:id="rId12" imgW="342900" imgH="190500" progId="DSEquations">
+                  <p:embed/>
+                </p:oleObj>
+              </mc:Choice>
+              <mc:Fallback>
+                <p:oleObj name="" r:id="rId12" imgW="342900" imgH="190500" progId="DSEquations">
+                  <p:embed/>
+                  <p:pic>
+                    <p:nvPicPr>
+                      <p:cNvPr id="0" name="图片 3075"/>
+                      <p:cNvPicPr/>
+                      <p:nvPr/>
+                    </p:nvPicPr>
+                    <p:blipFill>
+                      <a:blip r:embed="rId13"/>
+                      <a:stretch>
+                        <a:fillRect/>
+                      </a:stretch>
+                    </p:blipFill>
+                    <p:spPr>
+                      <a:xfrm>
+                        <a:off x="831212" y="2284175"/>
+                        <a:ext cx="344805" cy="190500"/>
+                      </a:xfrm>
+                      <a:prstGeom prst="rect">
+                        <a:avLst/>
+                      </a:prstGeom>
+                      <a:noFill/>
+                      <a:ln w="38100">
+                        <a:noFill/>
+                        <a:miter/>
+                      </a:ln>
+                    </p:spPr>
+                  </p:pic>
+                </p:oleObj>
+              </mc:Fallback>
+            </mc:AlternateContent>
+          </a:graphicData>
+        </a:graphic>
+      </p:graphicFrame>
+      <p:graphicFrame>
+        <p:nvGraphicFramePr>
+          <p:cNvPr id="45" name="对象 -2147482496"/>
+          <p:cNvGraphicFramePr>
+            <a:graphicFrameLocks noChangeAspect="1"/>
+          </p:cNvGraphicFramePr>
+          <p:nvPr/>
+        </p:nvGraphicFramePr>
+        <p:xfrm>
+          <a:off x="1623566" y="2316728"/>
+          <a:ext cx="381000" cy="190500"/>
+        </p:xfrm>
+        <a:graphic>
+          <a:graphicData uri="http://schemas.openxmlformats.org/presentationml/2006/ole">
+            <mc:AlternateContent xmlns:mc="http://schemas.openxmlformats.org/markup-compatibility/2006">
+              <mc:Choice xmlns:v="urn:schemas-microsoft-com:vml" Requires="v">
+                <p:oleObj spid="_x0000_s46" name="" r:id="rId14" imgW="381000" imgH="190500" progId="DSEquations">
+                  <p:embed/>
+                </p:oleObj>
+              </mc:Choice>
+              <mc:Fallback>
+                <p:oleObj name="" r:id="rId14" imgW="381000" imgH="190500" progId="DSEquations">
+                  <p:embed/>
+                  <p:pic>
+                    <p:nvPicPr>
+                      <p:cNvPr id="0" name="图片 3075"/>
+                      <p:cNvPicPr/>
+                      <p:nvPr/>
+                    </p:nvPicPr>
+                    <p:blipFill>
+                      <a:blip r:embed="rId15"/>
+                      <a:stretch>
+                        <a:fillRect/>
+                      </a:stretch>
+                    </p:blipFill>
+                    <p:spPr>
+                      <a:xfrm>
+                        <a:off x="1623566" y="2316728"/>
+                        <a:ext cx="381000" cy="190500"/>
+                      </a:xfrm>
+                      <a:prstGeom prst="rect">
+                        <a:avLst/>
+                      </a:prstGeom>
+                      <a:noFill/>
+                      <a:ln w="38100">
+                        <a:noFill/>
+                        <a:miter/>
+                      </a:ln>
+                    </p:spPr>
+                  </p:pic>
+                </p:oleObj>
+              </mc:Fallback>
+            </mc:AlternateContent>
+          </a:graphicData>
+        </a:graphic>
+      </p:graphicFrame>
+      <p:graphicFrame>
+        <p:nvGraphicFramePr>
+          <p:cNvPr id="47" name="对象 -2147482496"/>
+          <p:cNvGraphicFramePr>
+            <a:graphicFrameLocks noChangeAspect="1"/>
+          </p:cNvGraphicFramePr>
+          <p:nvPr/>
+        </p:nvGraphicFramePr>
+        <p:xfrm>
+          <a:off x="1640425" y="1776158"/>
+          <a:ext cx="177165" cy="190500"/>
+        </p:xfrm>
+        <a:graphic>
+          <a:graphicData uri="http://schemas.openxmlformats.org/presentationml/2006/ole">
+            <mc:AlternateContent xmlns:mc="http://schemas.openxmlformats.org/markup-compatibility/2006">
+              <mc:Choice xmlns:v="urn:schemas-microsoft-com:vml" Requires="v">
+                <p:oleObj spid="_x0000_s48" name="" r:id="rId16" imgW="177165" imgH="190500" progId="DSEquations">
+                  <p:embed/>
+                </p:oleObj>
+              </mc:Choice>
+              <mc:Fallback>
+                <p:oleObj name="" r:id="rId16" imgW="177165" imgH="190500" progId="DSEquations">
+                  <p:embed/>
+                  <p:pic>
+                    <p:nvPicPr>
+                      <p:cNvPr id="0" name="图片 3075"/>
+                      <p:cNvPicPr/>
+                      <p:nvPr/>
+                    </p:nvPicPr>
+                    <p:blipFill>
+                      <a:blip r:embed="rId17"/>
+                      <a:stretch>
+                        <a:fillRect/>
+                      </a:stretch>
+                    </p:blipFill>
+                    <p:spPr>
+                      <a:xfrm>
+                        <a:off x="1640425" y="1776158"/>
+                        <a:ext cx="177165" cy="190500"/>
+                      </a:xfrm>
+                      <a:prstGeom prst="rect">
+                        <a:avLst/>
+                      </a:prstGeom>
+                      <a:noFill/>
+                      <a:ln w="38100">
+                        <a:noFill/>
+                        <a:miter/>
+                      </a:ln>
+                    </p:spPr>
+                  </p:pic>
+                </p:oleObj>
+              </mc:Fallback>
+            </mc:AlternateContent>
+          </a:graphicData>
+        </a:graphic>
+      </p:graphicFrame>
+      <p:graphicFrame>
+        <p:nvGraphicFramePr>
+          <p:cNvPr id="59" name="对象 -2147482496"/>
+          <p:cNvGraphicFramePr>
+            <a:graphicFrameLocks noChangeAspect="1"/>
+          </p:cNvGraphicFramePr>
+          <p:nvPr/>
+        </p:nvGraphicFramePr>
+        <p:xfrm>
+          <a:off x="1139093" y="1174178"/>
+          <a:ext cx="190500" cy="215900"/>
+        </p:xfrm>
+        <a:graphic>
+          <a:graphicData uri="http://schemas.openxmlformats.org/presentationml/2006/ole">
+            <mc:AlternateContent xmlns:mc="http://schemas.openxmlformats.org/markup-compatibility/2006">
+              <mc:Choice xmlns:v="urn:schemas-microsoft-com:vml" Requires="v">
+                <p:oleObj spid="_x0000_s60" name="" r:id="rId18" imgW="190500" imgH="215900" progId="DSEquations">
+                  <p:embed/>
+                </p:oleObj>
+              </mc:Choice>
+              <mc:Fallback>
+                <p:oleObj name="" r:id="rId18" imgW="190500" imgH="215900" progId="DSEquations">
+                  <p:embed/>
+                  <p:pic>
+                    <p:nvPicPr>
+                      <p:cNvPr id="0" name="图片 3075"/>
+                      <p:cNvPicPr/>
+                      <p:nvPr/>
+                    </p:nvPicPr>
+                    <p:blipFill>
+                      <a:blip r:embed="rId19"/>
+                      <a:stretch>
+                        <a:fillRect/>
+                      </a:stretch>
+                    </p:blipFill>
+                    <p:spPr>
+                      <a:xfrm>
+                        <a:off x="1139093" y="1174178"/>
+                        <a:ext cx="190500" cy="215900"/>
+                      </a:xfrm>
+                      <a:prstGeom prst="rect">
+                        <a:avLst/>
+                      </a:prstGeom>
+                      <a:noFill/>
+                      <a:ln w="38100">
+                        <a:noFill/>
+                        <a:miter/>
+                      </a:ln>
+                    </p:spPr>
+                  </p:pic>
+                </p:oleObj>
+              </mc:Fallback>
+            </mc:AlternateContent>
+          </a:graphicData>
+        </a:graphic>
+      </p:graphicFrame>
+    </p:spTree>
+    <p:custDataLst>
+      <p:tags r:id="rId20"/>
+    </p:custDataLst>
+  </p:cSld>
+  <p:clrMapOvr>
+    <a:masterClrMapping/>
+  </p:clrMapOvr>
+</p:sld>
+</file>
+
+<file path=ppt/slides/slide5.xml><?xml version="1.0" encoding="utf-8"?>
+<p:sld xmlns:a="http://schemas.openxmlformats.org/drawingml/2006/main" xmlns:r="http://schemas.openxmlformats.org/officeDocument/2006/relationships" xmlns:p="http://schemas.openxmlformats.org/presentationml/2006/main">
+  <p:cSld>
+    <p:spTree>
+      <p:nvGrpSpPr>
+        <p:cNvPr id="1" name=""/>
+        <p:cNvGrpSpPr/>
+        <p:nvPr/>
+      </p:nvGrpSpPr>
+      <p:grpSpPr/>
+      <p:pic>
+        <p:nvPicPr>
+          <p:cNvPr id="10" name="图片 9"/>
+          <p:cNvPicPr>
+            <a:picLocks noChangeAspect="1"/>
+          </p:cNvPicPr>
+          <p:nvPr/>
+        </p:nvPicPr>
+        <p:blipFill>
+          <a:blip r:embed="rId1"/>
+          <a:stretch>
+            <a:fillRect/>
+          </a:stretch>
+        </p:blipFill>
+        <p:spPr>
+          <a:xfrm rot="480000">
+            <a:off x="266700" y="267970"/>
+            <a:ext cx="1556385" cy="2021840"/>
+          </a:xfrm>
+          <a:prstGeom prst="rect">
+            <a:avLst/>
+          </a:prstGeom>
+        </p:spPr>
+      </p:pic>
       <p:sp>
         <p:nvSpPr>
-          <p:cNvPr id="2" name="标题 1"/>
-          <p:cNvSpPr>
-            <a:spLocks noGrp="1"/>
-          </p:cNvSpPr>
-          <p:nvPr>
-            <p:ph type="title"/>
-          </p:nvPr>
+          <p:cNvPr id="2" name="椭圆 1"/>
+          <p:cNvSpPr/>
+          <p:nvPr/>
         </p:nvSpPr>
-        <p:spPr/>
+        <p:spPr>
+          <a:xfrm>
+            <a:off x="206375" y="763270"/>
+            <a:ext cx="2225040" cy="683895"/>
+          </a:xfrm>
+          <a:prstGeom prst="ellipse">
+            <a:avLst/>
+          </a:prstGeom>
+          <a:ln w="3175" cmpd="sng">
+            <a:solidFill>
+              <a:schemeClr val="tx1"/>
+            </a:solidFill>
+            <a:prstDash val="dash"/>
+          </a:ln>
+        </p:spPr>
+        <p:style>
+          <a:lnRef idx="2">
+            <a:schemeClr val="accent1"/>
+          </a:lnRef>
+          <a:fillRef idx="0">
+            <a:srgbClr val="FFFFFF"/>
+          </a:fillRef>
+          <a:effectRef idx="0">
+            <a:srgbClr val="FFFFFF"/>
+          </a:effectRef>
+          <a:fontRef idx="minor">
+            <a:schemeClr val="tx1"/>
+          </a:fontRef>
+        </p:style>
         <p:txBody>
-          <a:bodyPr/>
-          <a:p>
+          <a:bodyPr rtlCol="0" anchor="ctr"/>
+          <a:p>
+            <a:pPr algn="ctr"/>
             <a:endParaRPr lang="zh-CN" altLang="en-US"/>
           </a:p>
         </p:txBody>
       </p:sp>
       <p:sp>
         <p:nvSpPr>
-          <p:cNvPr id="3" name="内容占位符 2"/>
-          <p:cNvSpPr>
-            <a:spLocks noGrp="1"/>
-          </p:cNvSpPr>
-          <p:nvPr>
-            <p:ph idx="1"/>
-          </p:nvPr>
+          <p:cNvPr id="3" name="椭圆 2"/>
+          <p:cNvSpPr/>
+          <p:nvPr/>
         </p:nvSpPr>
-        <p:spPr/>
+        <p:spPr>
+          <a:xfrm rot="16200000">
+            <a:off x="196215" y="744855"/>
+            <a:ext cx="2324100" cy="868045"/>
+          </a:xfrm>
+          <a:prstGeom prst="ellipse">
+            <a:avLst/>
+          </a:prstGeom>
+          <a:ln w="3175" cmpd="sng">
+            <a:solidFill>
+              <a:schemeClr val="tx1"/>
+            </a:solidFill>
+            <a:prstDash val="dash"/>
+          </a:ln>
+        </p:spPr>
+        <p:style>
+          <a:lnRef idx="2">
+            <a:schemeClr val="accent1"/>
+          </a:lnRef>
+          <a:fillRef idx="0">
+            <a:srgbClr val="FFFFFF"/>
+          </a:fillRef>
+          <a:effectRef idx="0">
+            <a:srgbClr val="FFFFFF"/>
+          </a:effectRef>
+          <a:fontRef idx="minor">
+            <a:schemeClr val="tx1"/>
+          </a:fontRef>
+        </p:style>
         <p:txBody>
-          <a:bodyPr/>
-          <a:p>
+          <a:bodyPr rtlCol="0" anchor="ctr"/>
+          <a:p>
+            <a:pPr algn="ctr"/>
             <a:endParaRPr lang="zh-CN" altLang="en-US"/>
           </a:p>
         </p:txBody>
       </p:sp>
+      <p:sp>
+        <p:nvSpPr>
+          <p:cNvPr id="4" name="椭圆 3"/>
+          <p:cNvSpPr/>
+          <p:nvPr/>
+        </p:nvSpPr>
+        <p:spPr>
+          <a:xfrm rot="16200000">
+            <a:off x="224155" y="169545"/>
+            <a:ext cx="2188845" cy="2019300"/>
+          </a:xfrm>
+          <a:prstGeom prst="ellipse">
+            <a:avLst/>
+          </a:prstGeom>
+          <a:ln w="3175" cmpd="sng">
+            <a:solidFill>
+              <a:schemeClr val="tx1"/>
+            </a:solidFill>
+            <a:prstDash val="dash"/>
+          </a:ln>
+        </p:spPr>
+        <p:style>
+          <a:lnRef idx="2">
+            <a:schemeClr val="accent1"/>
+          </a:lnRef>
+          <a:fillRef idx="0">
+            <a:srgbClr val="FFFFFF"/>
+          </a:fillRef>
+          <a:effectRef idx="0">
+            <a:srgbClr val="FFFFFF"/>
+          </a:effectRef>
+          <a:fontRef idx="minor">
+            <a:schemeClr val="tx1"/>
+          </a:fontRef>
+        </p:style>
+        <p:txBody>
+          <a:bodyPr rtlCol="0" anchor="ctr"/>
+          <a:p>
+            <a:pPr algn="ctr"/>
+            <a:endParaRPr lang="zh-CN" altLang="en-US"/>
+          </a:p>
+        </p:txBody>
+      </p:sp>
+      <p:cxnSp>
+        <p:nvCxnSpPr>
+          <p:cNvPr id="12" name="直接箭头连接符 11"/>
+          <p:cNvCxnSpPr/>
+          <p:nvPr/>
+        </p:nvCxnSpPr>
+        <p:spPr>
+          <a:xfrm flipH="1">
+            <a:off x="716915" y="1181735"/>
+            <a:ext cx="641350" cy="205105"/>
+          </a:xfrm>
+          <a:prstGeom prst="straightConnector1">
+            <a:avLst/>
+          </a:prstGeom>
+          <a:ln w="12700">
+            <a:solidFill>
+              <a:srgbClr val="007EFF"/>
+            </a:solidFill>
+            <a:tailEnd type="triangle"/>
+          </a:ln>
+        </p:spPr>
+        <p:style>
+          <a:lnRef idx="2">
+            <a:schemeClr val="accent1"/>
+          </a:lnRef>
+          <a:fillRef idx="0">
+            <a:srgbClr val="FFFFFF"/>
+          </a:fillRef>
+          <a:effectRef idx="0">
+            <a:srgbClr val="FFFFFF"/>
+          </a:effectRef>
+          <a:fontRef idx="minor">
+            <a:schemeClr val="tx1"/>
+          </a:fontRef>
+        </p:style>
+      </p:cxnSp>
+      <p:cxnSp>
+        <p:nvCxnSpPr>
+          <p:cNvPr id="13" name="直接箭头连接符 12"/>
+          <p:cNvCxnSpPr/>
+          <p:nvPr/>
+        </p:nvCxnSpPr>
+        <p:spPr>
+          <a:xfrm>
+            <a:off x="1355090" y="1183005"/>
+            <a:ext cx="643890" cy="194945"/>
+          </a:xfrm>
+          <a:prstGeom prst="straightConnector1">
+            <a:avLst/>
+          </a:prstGeom>
+          <a:ln w="12700">
+            <a:solidFill>
+              <a:srgbClr val="007EFF"/>
+            </a:solidFill>
+            <a:tailEnd type="triangle"/>
+          </a:ln>
+        </p:spPr>
+        <p:style>
+          <a:lnRef idx="2">
+            <a:schemeClr val="accent1"/>
+          </a:lnRef>
+          <a:fillRef idx="0">
+            <a:srgbClr val="FFFFFF"/>
+          </a:fillRef>
+          <a:effectRef idx="0">
+            <a:srgbClr val="FFFFFF"/>
+          </a:effectRef>
+          <a:fontRef idx="minor">
+            <a:schemeClr val="tx1"/>
+          </a:fontRef>
+        </p:style>
+      </p:cxnSp>
+      <p:cxnSp>
+        <p:nvCxnSpPr>
+          <p:cNvPr id="14" name="直接箭头连接符 13"/>
+          <p:cNvCxnSpPr>
+            <a:endCxn id="3" idx="2"/>
+          </p:cNvCxnSpPr>
+          <p:nvPr/>
+        </p:nvCxnSpPr>
+        <p:spPr>
+          <a:xfrm>
+            <a:off x="1355090" y="1178560"/>
+            <a:ext cx="3175" cy="1162685"/>
+          </a:xfrm>
+          <a:prstGeom prst="straightConnector1">
+            <a:avLst/>
+          </a:prstGeom>
+          <a:ln w="12700">
+            <a:solidFill>
+              <a:srgbClr val="007EFF"/>
+            </a:solidFill>
+            <a:tailEnd type="triangle"/>
+          </a:ln>
+        </p:spPr>
+        <p:style>
+          <a:lnRef idx="2">
+            <a:schemeClr val="accent1"/>
+          </a:lnRef>
+          <a:fillRef idx="0">
+            <a:srgbClr val="FFFFFF"/>
+          </a:fillRef>
+          <a:effectRef idx="0">
+            <a:srgbClr val="FFFFFF"/>
+          </a:effectRef>
+          <a:fontRef idx="minor">
+            <a:schemeClr val="tx1"/>
+          </a:fontRef>
+        </p:style>
+      </p:cxnSp>
+      <p:cxnSp>
+        <p:nvCxnSpPr>
+          <p:cNvPr id="15" name="直接箭头连接符 14"/>
+          <p:cNvCxnSpPr/>
+          <p:nvPr/>
+        </p:nvCxnSpPr>
+        <p:spPr>
+          <a:xfrm flipH="1" flipV="1">
+            <a:off x="337185" y="948690"/>
+            <a:ext cx="1014730" cy="231140"/>
+          </a:xfrm>
+          <a:prstGeom prst="straightConnector1">
+            <a:avLst/>
+          </a:prstGeom>
+          <a:ln w="12700">
+            <a:solidFill>
+              <a:srgbClr val="FF0000"/>
+            </a:solidFill>
+            <a:tailEnd type="triangle"/>
+          </a:ln>
+        </p:spPr>
+        <p:style>
+          <a:lnRef idx="2">
+            <a:schemeClr val="accent1"/>
+          </a:lnRef>
+          <a:fillRef idx="0">
+            <a:srgbClr val="FFFFFF"/>
+          </a:fillRef>
+          <a:effectRef idx="0">
+            <a:srgbClr val="FFFFFF"/>
+          </a:effectRef>
+          <a:fontRef idx="minor">
+            <a:schemeClr val="tx1"/>
+          </a:fontRef>
+        </p:style>
+      </p:cxnSp>
+      <p:cxnSp>
+        <p:nvCxnSpPr>
+          <p:cNvPr id="16" name="直接箭头连接符 15"/>
+          <p:cNvCxnSpPr/>
+          <p:nvPr/>
+        </p:nvCxnSpPr>
+        <p:spPr>
+          <a:xfrm>
+            <a:off x="1350010" y="1181100"/>
+            <a:ext cx="403860" cy="431165"/>
+          </a:xfrm>
+          <a:prstGeom prst="straightConnector1">
+            <a:avLst/>
+          </a:prstGeom>
+          <a:ln w="12700">
+            <a:solidFill>
+              <a:srgbClr val="FF0000"/>
+            </a:solidFill>
+            <a:tailEnd type="triangle"/>
+          </a:ln>
+        </p:spPr>
+        <p:style>
+          <a:lnRef idx="2">
+            <a:schemeClr val="accent1"/>
+          </a:lnRef>
+          <a:fillRef idx="0">
+            <a:srgbClr val="FFFFFF"/>
+          </a:fillRef>
+          <a:effectRef idx="0">
+            <a:srgbClr val="FFFFFF"/>
+          </a:effectRef>
+          <a:fontRef idx="minor">
+            <a:schemeClr val="tx1"/>
+          </a:fontRef>
+        </p:style>
+      </p:cxnSp>
+      <p:cxnSp>
+        <p:nvCxnSpPr>
+          <p:cNvPr id="17" name="直接箭头连接符 16"/>
+          <p:cNvCxnSpPr/>
+          <p:nvPr/>
+        </p:nvCxnSpPr>
+        <p:spPr>
+          <a:xfrm flipH="1">
+            <a:off x="835025" y="1174750"/>
+            <a:ext cx="517525" cy="965200"/>
+          </a:xfrm>
+          <a:prstGeom prst="straightConnector1">
+            <a:avLst/>
+          </a:prstGeom>
+          <a:ln w="12700">
+            <a:solidFill>
+              <a:srgbClr val="FF0000"/>
+            </a:solidFill>
+            <a:tailEnd type="triangle"/>
+          </a:ln>
+        </p:spPr>
+        <p:style>
+          <a:lnRef idx="2">
+            <a:schemeClr val="accent1"/>
+          </a:lnRef>
+          <a:fillRef idx="0">
+            <a:srgbClr val="FFFFFF"/>
+          </a:fillRef>
+          <a:effectRef idx="0">
+            <a:srgbClr val="FFFFFF"/>
+          </a:effectRef>
+          <a:fontRef idx="minor">
+            <a:schemeClr val="tx1"/>
+          </a:fontRef>
+        </p:style>
+      </p:cxnSp>
+      <p:graphicFrame>
+        <p:nvGraphicFramePr>
+          <p:cNvPr id="18" name="对象 -2147482496"/>
+          <p:cNvGraphicFramePr>
+            <a:graphicFrameLocks noChangeAspect="1"/>
+          </p:cNvGraphicFramePr>
+          <p:nvPr/>
+        </p:nvGraphicFramePr>
+        <p:xfrm>
+          <a:off x="1367790" y="1018540"/>
+          <a:ext cx="370840" cy="190500"/>
+        </p:xfrm>
+        <a:graphic>
+          <a:graphicData uri="http://schemas.openxmlformats.org/presentationml/2006/ole">
+            <mc:AlternateContent xmlns:mc="http://schemas.openxmlformats.org/markup-compatibility/2006">
+              <mc:Choice xmlns:v="urn:schemas-microsoft-com:vml" Requires="v">
+                <p:oleObj spid="_x0000_s3076" name="" r:id="rId2" imgW="368300" imgH="190500" progId="DSEquations">
+                  <p:embed/>
+                </p:oleObj>
+              </mc:Choice>
+              <mc:Fallback>
+                <p:oleObj name="" r:id="rId2" imgW="368300" imgH="190500" progId="DSEquations">
+                  <p:embed/>
+                  <p:pic>
+                    <p:nvPicPr>
+                      <p:cNvPr id="0" name="图片 3075"/>
+                      <p:cNvPicPr/>
+                      <p:nvPr/>
+                    </p:nvPicPr>
+                    <p:blipFill>
+                      <a:blip r:embed="rId3"/>
+                      <a:stretch>
+                        <a:fillRect/>
+                      </a:stretch>
+                    </p:blipFill>
+                    <p:spPr>
+                      <a:xfrm>
+                        <a:off x="1367790" y="1018540"/>
+                        <a:ext cx="370840" cy="190500"/>
+                      </a:xfrm>
+                      <a:prstGeom prst="rect">
+                        <a:avLst/>
+                      </a:prstGeom>
+                      <a:noFill/>
+                      <a:ln w="38100">
+                        <a:noFill/>
+                        <a:miter/>
+                      </a:ln>
+                    </p:spPr>
+                  </p:pic>
+                </p:oleObj>
+              </mc:Fallback>
+            </mc:AlternateContent>
+          </a:graphicData>
+        </a:graphic>
+      </p:graphicFrame>
+      <p:graphicFrame>
+        <p:nvGraphicFramePr>
+          <p:cNvPr id="33" name="对象 -2147482496"/>
+          <p:cNvGraphicFramePr>
+            <a:graphicFrameLocks noChangeAspect="1"/>
+          </p:cNvGraphicFramePr>
+          <p:nvPr/>
+        </p:nvGraphicFramePr>
+        <p:xfrm>
+          <a:off x="1691640" y="1613535"/>
+          <a:ext cx="203835" cy="190500"/>
+        </p:xfrm>
+        <a:graphic>
+          <a:graphicData uri="http://schemas.openxmlformats.org/presentationml/2006/ole">
+            <mc:AlternateContent xmlns:mc="http://schemas.openxmlformats.org/markup-compatibility/2006">
+              <mc:Choice xmlns:v="urn:schemas-microsoft-com:vml" Requires="v">
+                <p:oleObj spid="_x0000_s34" name="" r:id="rId4" imgW="203200" imgH="190500" progId="DSEquations">
+                  <p:embed/>
+                </p:oleObj>
+              </mc:Choice>
+              <mc:Fallback>
+                <p:oleObj name="" r:id="rId4" imgW="203200" imgH="190500" progId="DSEquations">
+                  <p:embed/>
+                  <p:pic>
+                    <p:nvPicPr>
+                      <p:cNvPr id="0" name="图片 3075"/>
+                      <p:cNvPicPr/>
+                      <p:nvPr/>
+                    </p:nvPicPr>
+                    <p:blipFill>
+                      <a:blip r:embed="rId5"/>
+                      <a:stretch>
+                        <a:fillRect/>
+                      </a:stretch>
+                    </p:blipFill>
+                    <p:spPr>
+                      <a:xfrm>
+                        <a:off x="1691640" y="1613535"/>
+                        <a:ext cx="203835" cy="190500"/>
+                      </a:xfrm>
+                      <a:prstGeom prst="rect">
+                        <a:avLst/>
+                      </a:prstGeom>
+                      <a:noFill/>
+                      <a:ln w="38100">
+                        <a:noFill/>
+                        <a:miter/>
+                      </a:ln>
+                    </p:spPr>
+                  </p:pic>
+                </p:oleObj>
+              </mc:Fallback>
+            </mc:AlternateContent>
+          </a:graphicData>
+        </a:graphic>
+      </p:graphicFrame>
+      <p:graphicFrame>
+        <p:nvGraphicFramePr>
+          <p:cNvPr id="35" name="对象 -2147482496"/>
+          <p:cNvGraphicFramePr>
+            <a:graphicFrameLocks noChangeAspect="1"/>
+          </p:cNvGraphicFramePr>
+          <p:nvPr/>
+        </p:nvGraphicFramePr>
+        <p:xfrm>
+          <a:off x="184785" y="763270"/>
+          <a:ext cx="152400" cy="190500"/>
+        </p:xfrm>
+        <a:graphic>
+          <a:graphicData uri="http://schemas.openxmlformats.org/presentationml/2006/ole">
+            <mc:AlternateContent xmlns:mc="http://schemas.openxmlformats.org/markup-compatibility/2006">
+              <mc:Choice xmlns:v="urn:schemas-microsoft-com:vml" Requires="v">
+                <p:oleObj spid="_x0000_s36" name="" r:id="rId6" imgW="152400" imgH="190500" progId="DSEquations">
+                  <p:embed/>
+                </p:oleObj>
+              </mc:Choice>
+              <mc:Fallback>
+                <p:oleObj name="" r:id="rId6" imgW="152400" imgH="190500" progId="DSEquations">
+                  <p:embed/>
+                  <p:pic>
+                    <p:nvPicPr>
+                      <p:cNvPr id="0" name="图片 3075"/>
+                      <p:cNvPicPr/>
+                      <p:nvPr/>
+                    </p:nvPicPr>
+                    <p:blipFill>
+                      <a:blip r:embed="rId7"/>
+                      <a:stretch>
+                        <a:fillRect/>
+                      </a:stretch>
+                    </p:blipFill>
+                    <p:spPr>
+                      <a:xfrm>
+                        <a:off x="184785" y="763270"/>
+                        <a:ext cx="152400" cy="190500"/>
+                      </a:xfrm>
+                      <a:prstGeom prst="rect">
+                        <a:avLst/>
+                      </a:prstGeom>
+                      <a:noFill/>
+                      <a:ln w="38100">
+                        <a:noFill/>
+                        <a:miter/>
+                      </a:ln>
+                    </p:spPr>
+                  </p:pic>
+                </p:oleObj>
+              </mc:Fallback>
+            </mc:AlternateContent>
+          </a:graphicData>
+        </a:graphic>
+      </p:graphicFrame>
+      <p:graphicFrame>
+        <p:nvGraphicFramePr>
+          <p:cNvPr id="37" name="对象 -2147482496"/>
+          <p:cNvGraphicFramePr>
+            <a:graphicFrameLocks noChangeAspect="1"/>
+          </p:cNvGraphicFramePr>
+          <p:nvPr/>
+        </p:nvGraphicFramePr>
+        <p:xfrm>
+          <a:off x="1970723" y="1390015"/>
+          <a:ext cx="127000" cy="152400"/>
+        </p:xfrm>
+        <a:graphic>
+          <a:graphicData uri="http://schemas.openxmlformats.org/presentationml/2006/ole">
+            <mc:AlternateContent xmlns:mc="http://schemas.openxmlformats.org/markup-compatibility/2006">
+              <mc:Choice xmlns:v="urn:schemas-microsoft-com:vml" Requires="v">
+                <p:oleObj spid="_x0000_s38" name="" r:id="rId8" imgW="127000" imgH="152400" progId="DSEquations">
+                  <p:embed/>
+                </p:oleObj>
+              </mc:Choice>
+              <mc:Fallback>
+                <p:oleObj name="" r:id="rId8" imgW="127000" imgH="152400" progId="DSEquations">
+                  <p:embed/>
+                  <p:pic>
+                    <p:nvPicPr>
+                      <p:cNvPr id="0" name="图片 3075"/>
+                      <p:cNvPicPr/>
+                      <p:nvPr/>
+                    </p:nvPicPr>
+                    <p:blipFill>
+                      <a:blip r:embed="rId9"/>
+                      <a:stretch>
+                        <a:fillRect/>
+                      </a:stretch>
+                    </p:blipFill>
+                    <p:spPr>
+                      <a:xfrm>
+                        <a:off x="1970723" y="1390015"/>
+                        <a:ext cx="127000" cy="152400"/>
+                      </a:xfrm>
+                      <a:prstGeom prst="rect">
+                        <a:avLst/>
+                      </a:prstGeom>
+                      <a:noFill/>
+                      <a:ln w="38100">
+                        <a:noFill/>
+                        <a:miter/>
+                      </a:ln>
+                    </p:spPr>
+                  </p:pic>
+                </p:oleObj>
+              </mc:Fallback>
+            </mc:AlternateContent>
+          </a:graphicData>
+        </a:graphic>
+      </p:graphicFrame>
+      <p:cxnSp>
+        <p:nvCxnSpPr>
+          <p:cNvPr id="19" name="直接箭头连接符 18"/>
+          <p:cNvCxnSpPr/>
+          <p:nvPr/>
+        </p:nvCxnSpPr>
+        <p:spPr>
+          <a:xfrm>
+            <a:off x="1357291" y="1188871"/>
+            <a:ext cx="426720" cy="222885"/>
+          </a:xfrm>
+          <a:prstGeom prst="straightConnector1">
+            <a:avLst/>
+          </a:prstGeom>
+          <a:ln w="12700" cap="rnd" cmpd="sng">
+            <a:solidFill>
+              <a:srgbClr val="F97C3D"/>
+            </a:solidFill>
+            <a:prstDash val="sysDot"/>
+            <a:miter lim="800000"/>
+            <a:tailEnd type="none"/>
+          </a:ln>
+        </p:spPr>
+        <p:style>
+          <a:lnRef idx="2">
+            <a:schemeClr val="accent1"/>
+          </a:lnRef>
+          <a:fillRef idx="0">
+            <a:srgbClr val="FFFFFF"/>
+          </a:fillRef>
+          <a:effectRef idx="0">
+            <a:srgbClr val="FFFFFF"/>
+          </a:effectRef>
+          <a:fontRef idx="minor">
+            <a:schemeClr val="tx1"/>
+          </a:fontRef>
+        </p:style>
+      </p:cxnSp>
+      <p:graphicFrame>
+        <p:nvGraphicFramePr>
+          <p:cNvPr id="39" name="对象 -2147482496"/>
+          <p:cNvGraphicFramePr>
+            <a:graphicFrameLocks noChangeAspect="1"/>
+          </p:cNvGraphicFramePr>
+          <p:nvPr/>
+        </p:nvGraphicFramePr>
+        <p:xfrm>
+          <a:off x="1886292" y="1120973"/>
+          <a:ext cx="407670" cy="190500"/>
+        </p:xfrm>
+        <a:graphic>
+          <a:graphicData uri="http://schemas.openxmlformats.org/presentationml/2006/ole">
+            <mc:AlternateContent xmlns:mc="http://schemas.openxmlformats.org/markup-compatibility/2006">
+              <mc:Choice xmlns:v="urn:schemas-microsoft-com:vml" Requires="v">
+                <p:oleObj spid="_x0000_s40" name="" r:id="rId10" imgW="405765" imgH="190500" progId="DSEquations">
+                  <p:embed/>
+                </p:oleObj>
+              </mc:Choice>
+              <mc:Fallback>
+                <p:oleObj name="" r:id="rId10" imgW="405765" imgH="190500" progId="DSEquations">
+                  <p:embed/>
+                  <p:pic>
+                    <p:nvPicPr>
+                      <p:cNvPr id="0" name="图片 3075"/>
+                      <p:cNvPicPr/>
+                      <p:nvPr/>
+                    </p:nvPicPr>
+                    <p:blipFill>
+                      <a:blip r:embed="rId11"/>
+                      <a:stretch>
+                        <a:fillRect/>
+                      </a:stretch>
+                    </p:blipFill>
+                    <p:spPr>
+                      <a:xfrm>
+                        <a:off x="1886292" y="1120973"/>
+                        <a:ext cx="407670" cy="190500"/>
+                      </a:xfrm>
+                      <a:prstGeom prst="rect">
+                        <a:avLst/>
+                      </a:prstGeom>
+                      <a:noFill/>
+                      <a:ln w="38100">
+                        <a:noFill/>
+                        <a:miter/>
+                      </a:ln>
+                    </p:spPr>
+                  </p:pic>
+                </p:oleObj>
+              </mc:Fallback>
+            </mc:AlternateContent>
+          </a:graphicData>
+        </a:graphic>
+      </p:graphicFrame>
+      <p:graphicFrame>
+        <p:nvGraphicFramePr>
+          <p:cNvPr id="43" name="对象 -2147482496"/>
+          <p:cNvGraphicFramePr>
+            <a:graphicFrameLocks noChangeAspect="1"/>
+          </p:cNvGraphicFramePr>
+          <p:nvPr/>
+        </p:nvGraphicFramePr>
+        <p:xfrm>
+          <a:off x="376870" y="1520270"/>
+          <a:ext cx="345440" cy="190500"/>
+        </p:xfrm>
+        <a:graphic>
+          <a:graphicData uri="http://schemas.openxmlformats.org/presentationml/2006/ole">
+            <mc:AlternateContent xmlns:mc="http://schemas.openxmlformats.org/markup-compatibility/2006">
+              <mc:Choice xmlns:v="urn:schemas-microsoft-com:vml" Requires="v">
+                <p:oleObj spid="_x0000_s44" name="" r:id="rId12" imgW="342900" imgH="190500" progId="DSEquations">
+                  <p:embed/>
+                </p:oleObj>
+              </mc:Choice>
+              <mc:Fallback>
+                <p:oleObj name="" r:id="rId12" imgW="342900" imgH="190500" progId="DSEquations">
+                  <p:embed/>
+                  <p:pic>
+                    <p:nvPicPr>
+                      <p:cNvPr id="0" name="图片 3075"/>
+                      <p:cNvPicPr/>
+                      <p:nvPr/>
+                    </p:nvPicPr>
+                    <p:blipFill>
+                      <a:blip r:embed="rId13"/>
+                      <a:stretch>
+                        <a:fillRect/>
+                      </a:stretch>
+                    </p:blipFill>
+                    <p:spPr>
+                      <a:xfrm>
+                        <a:off x="376870" y="1520270"/>
+                        <a:ext cx="345440" cy="190500"/>
+                      </a:xfrm>
+                      <a:prstGeom prst="rect">
+                        <a:avLst/>
+                      </a:prstGeom>
+                      <a:noFill/>
+                      <a:ln w="38100">
+                        <a:noFill/>
+                        <a:miter/>
+                      </a:ln>
+                    </p:spPr>
+                  </p:pic>
+                </p:oleObj>
+              </mc:Fallback>
+            </mc:AlternateContent>
+          </a:graphicData>
+        </a:graphic>
+      </p:graphicFrame>
+      <p:graphicFrame>
+        <p:nvGraphicFramePr>
+          <p:cNvPr id="45" name="对象 -2147482496"/>
+          <p:cNvGraphicFramePr>
+            <a:graphicFrameLocks noChangeAspect="1"/>
+          </p:cNvGraphicFramePr>
+          <p:nvPr/>
+        </p:nvGraphicFramePr>
+        <p:xfrm>
+          <a:off x="1313686" y="2345938"/>
+          <a:ext cx="381000" cy="190500"/>
+        </p:xfrm>
+        <a:graphic>
+          <a:graphicData uri="http://schemas.openxmlformats.org/presentationml/2006/ole">
+            <mc:AlternateContent xmlns:mc="http://schemas.openxmlformats.org/markup-compatibility/2006">
+              <mc:Choice xmlns:v="urn:schemas-microsoft-com:vml" Requires="v">
+                <p:oleObj spid="_x0000_s46" name="" r:id="rId14" imgW="381000" imgH="190500" progId="DSEquations">
+                  <p:embed/>
+                </p:oleObj>
+              </mc:Choice>
+              <mc:Fallback>
+                <p:oleObj name="" r:id="rId14" imgW="381000" imgH="190500" progId="DSEquations">
+                  <p:embed/>
+                  <p:pic>
+                    <p:nvPicPr>
+                      <p:cNvPr id="0" name="图片 3075"/>
+                      <p:cNvPicPr/>
+                      <p:nvPr/>
+                    </p:nvPicPr>
+                    <p:blipFill>
+                      <a:blip r:embed="rId15"/>
+                      <a:stretch>
+                        <a:fillRect/>
+                      </a:stretch>
+                    </p:blipFill>
+                    <p:spPr>
+                      <a:xfrm>
+                        <a:off x="1313686" y="2345938"/>
+                        <a:ext cx="381000" cy="190500"/>
+                      </a:xfrm>
+                      <a:prstGeom prst="rect">
+                        <a:avLst/>
+                      </a:prstGeom>
+                      <a:noFill/>
+                      <a:ln w="38100">
+                        <a:noFill/>
+                        <a:miter/>
+                      </a:ln>
+                    </p:spPr>
+                  </p:pic>
+                </p:oleObj>
+              </mc:Fallback>
+            </mc:AlternateContent>
+          </a:graphicData>
+        </a:graphic>
+      </p:graphicFrame>
+      <p:cxnSp>
+        <p:nvCxnSpPr>
+          <p:cNvPr id="20" name="直接箭头连接符 19"/>
+          <p:cNvCxnSpPr/>
+          <p:nvPr/>
+        </p:nvCxnSpPr>
+        <p:spPr>
+          <a:xfrm flipH="1">
+            <a:off x="310811" y="1188871"/>
+            <a:ext cx="1043940" cy="68580"/>
+          </a:xfrm>
+          <a:prstGeom prst="straightConnector1">
+            <a:avLst/>
+          </a:prstGeom>
+          <a:ln w="12700" cap="rnd" cmpd="sng">
+            <a:solidFill>
+              <a:srgbClr val="FF7E3F"/>
+            </a:solidFill>
+            <a:prstDash val="sysDot"/>
+            <a:miter lim="800000"/>
+            <a:tailEnd type="none"/>
+          </a:ln>
+        </p:spPr>
+        <p:style>
+          <a:lnRef idx="2">
+            <a:schemeClr val="accent1"/>
+          </a:lnRef>
+          <a:fillRef idx="0">
+            <a:srgbClr val="FFFFFF"/>
+          </a:fillRef>
+          <a:effectRef idx="0">
+            <a:srgbClr val="FFFFFF"/>
+          </a:effectRef>
+          <a:fontRef idx="minor">
+            <a:schemeClr val="tx1"/>
+          </a:fontRef>
+        </p:style>
+      </p:cxnSp>
+      <p:graphicFrame>
+        <p:nvGraphicFramePr>
+          <p:cNvPr id="21" name="对象 -2147482496"/>
+          <p:cNvGraphicFramePr>
+            <a:graphicFrameLocks noChangeAspect="1"/>
+          </p:cNvGraphicFramePr>
+          <p:nvPr/>
+        </p:nvGraphicFramePr>
+        <p:xfrm>
+          <a:off x="1766277" y="1423233"/>
+          <a:ext cx="191770" cy="190500"/>
+        </p:xfrm>
+        <a:graphic>
+          <a:graphicData uri="http://schemas.openxmlformats.org/presentationml/2006/ole">
+            <mc:AlternateContent xmlns:mc="http://schemas.openxmlformats.org/markup-compatibility/2006">
+              <mc:Choice xmlns:v="urn:schemas-microsoft-com:vml" Requires="v">
+                <p:oleObj spid="_x0000_s22" name="" r:id="rId16" imgW="190500" imgH="190500" progId="DSEquations">
+                  <p:embed/>
+                </p:oleObj>
+              </mc:Choice>
+              <mc:Fallback>
+                <p:oleObj name="" r:id="rId16" imgW="190500" imgH="190500" progId="DSEquations">
+                  <p:embed/>
+                  <p:pic>
+                    <p:nvPicPr>
+                      <p:cNvPr id="0" name="图片 3075"/>
+                      <p:cNvPicPr/>
+                      <p:nvPr/>
+                    </p:nvPicPr>
+                    <p:blipFill>
+                      <a:blip r:embed="rId17"/>
+                      <a:stretch>
+                        <a:fillRect/>
+                      </a:stretch>
+                    </p:blipFill>
+                    <p:spPr>
+                      <a:xfrm>
+                        <a:off x="1766277" y="1423233"/>
+                        <a:ext cx="191770" cy="190500"/>
+                      </a:xfrm>
+                      <a:prstGeom prst="rect">
+                        <a:avLst/>
+                      </a:prstGeom>
+                      <a:noFill/>
+                      <a:ln w="38100">
+                        <a:noFill/>
+                        <a:miter/>
+                      </a:ln>
+                    </p:spPr>
+                  </p:pic>
+                </p:oleObj>
+              </mc:Fallback>
+            </mc:AlternateContent>
+          </a:graphicData>
+        </a:graphic>
+      </p:graphicFrame>
+      <p:cxnSp>
+        <p:nvCxnSpPr>
+          <p:cNvPr id="25" name="直接箭头连接符 24"/>
+          <p:cNvCxnSpPr/>
+          <p:nvPr/>
+        </p:nvCxnSpPr>
+        <p:spPr>
+          <a:xfrm flipH="1">
+            <a:off x="1212511" y="1188871"/>
+            <a:ext cx="142240" cy="1080770"/>
+          </a:xfrm>
+          <a:prstGeom prst="straightConnector1">
+            <a:avLst/>
+          </a:prstGeom>
+          <a:ln w="12700" cap="rnd" cmpd="sng">
+            <a:solidFill>
+              <a:srgbClr val="FF7E3F"/>
+            </a:solidFill>
+            <a:prstDash val="sysDot"/>
+            <a:miter lim="800000"/>
+            <a:tailEnd type="none"/>
+          </a:ln>
+        </p:spPr>
+        <p:style>
+          <a:lnRef idx="2">
+            <a:schemeClr val="accent1"/>
+          </a:lnRef>
+          <a:fillRef idx="0">
+            <a:srgbClr val="FFFFFF"/>
+          </a:fillRef>
+          <a:effectRef idx="0">
+            <a:srgbClr val="FFFFFF"/>
+          </a:effectRef>
+          <a:fontRef idx="minor">
+            <a:schemeClr val="tx1"/>
+          </a:fontRef>
+        </p:style>
+      </p:cxnSp>
+      <p:sp>
+        <p:nvSpPr>
+          <p:cNvPr id="30" name="任意多边形 29"/>
+          <p:cNvSpPr/>
+          <p:nvPr/>
+        </p:nvSpPr>
+        <p:spPr>
+          <a:xfrm>
+            <a:off x="1767205" y="1376680"/>
+            <a:ext cx="227330" cy="43180"/>
+          </a:xfrm>
+          <a:custGeom>
+            <a:avLst/>
+            <a:gdLst>
+              <a:gd name="connisteX0" fmla="*/ 227590 w 227590"/>
+              <a:gd name="connsiteY0" fmla="*/ 0 h 42902"/>
+              <a:gd name="connisteX1" fmla="*/ 18675 w 227590"/>
+              <a:gd name="connsiteY1" fmla="*/ 39370 h 42902"/>
+              <a:gd name="connisteX2" fmla="*/ 21215 w 227590"/>
+              <a:gd name="connsiteY2" fmla="*/ 39370 h 42902"/>
+            </a:gdLst>
+            <a:ahLst/>
+            <a:cxnLst>
+              <a:cxn ang="0">
+                <a:pos x="connisteX0" y="connsiteY0"/>
+              </a:cxn>
+              <a:cxn ang="0">
+                <a:pos x="connisteX1" y="connsiteY1"/>
+              </a:cxn>
+              <a:cxn ang="0">
+                <a:pos x="connisteX2" y="connsiteY2"/>
+              </a:cxn>
+            </a:cxnLst>
+            <a:rect l="l" t="t" r="r" b="b"/>
+            <a:pathLst>
+              <a:path w="227591" h="42902">
+                <a:moveTo>
+                  <a:pt x="227591" y="0"/>
+                </a:moveTo>
+                <a:cubicBezTo>
+                  <a:pt x="185681" y="7620"/>
+                  <a:pt x="59951" y="31750"/>
+                  <a:pt x="18676" y="39370"/>
+                </a:cubicBezTo>
+                <a:cubicBezTo>
+                  <a:pt x="-22599" y="46990"/>
+                  <a:pt x="16771" y="40005"/>
+                  <a:pt x="21216" y="39370"/>
+                </a:cubicBezTo>
+              </a:path>
+            </a:pathLst>
+          </a:custGeom>
+          <a:noFill/>
+          <a:ln w="6350">
+            <a:solidFill>
+              <a:srgbClr val="00FF00"/>
+            </a:solidFill>
+            <a:tailEnd type="triangle" w="sm" len="sm"/>
+          </a:ln>
+        </p:spPr>
+        <p:style>
+          <a:lnRef idx="2">
+            <a:schemeClr val="accent1">
+              <a:lumMod val="75000"/>
+            </a:schemeClr>
+          </a:lnRef>
+          <a:fillRef idx="1">
+            <a:schemeClr val="accent1"/>
+          </a:fillRef>
+          <a:effectRef idx="0">
+            <a:srgbClr val="FFFFFF"/>
+          </a:effectRef>
+          <a:fontRef idx="minor">
+            <a:schemeClr val="lt1"/>
+          </a:fontRef>
+        </p:style>
+        <p:txBody>
+          <a:bodyPr rtlCol="0" anchor="ctr"/>
+          <a:p>
+            <a:pPr algn="ctr"/>
+            <a:endParaRPr lang="zh-CN" altLang="en-US"/>
+          </a:p>
+        </p:txBody>
+      </p:sp>
+      <p:sp>
+        <p:nvSpPr>
+          <p:cNvPr id="31" name="任意多边形 30"/>
+          <p:cNvSpPr/>
+          <p:nvPr/>
+        </p:nvSpPr>
+        <p:spPr>
+          <a:xfrm>
+            <a:off x="317500" y="1255395"/>
+            <a:ext cx="401955" cy="134620"/>
+          </a:xfrm>
+          <a:custGeom>
+            <a:avLst/>
+            <a:gdLst>
+              <a:gd name="connisteX0" fmla="*/ 401955 w 401955"/>
+              <a:gd name="connsiteY0" fmla="*/ 134620 h 134620"/>
+              <a:gd name="connisteX1" fmla="*/ 210820 w 401955"/>
+              <a:gd name="connsiteY1" fmla="*/ 92710 h 134620"/>
+              <a:gd name="connisteX2" fmla="*/ 73660 w 401955"/>
+              <a:gd name="connsiteY2" fmla="*/ 36830 h 134620"/>
+              <a:gd name="connisteX3" fmla="*/ 0 w 401955"/>
+              <a:gd name="connsiteY3" fmla="*/ 0 h 134620"/>
+            </a:gdLst>
+            <a:ahLst/>
+            <a:cxnLst>
+              <a:cxn ang="0">
+                <a:pos x="connisteX0" y="connsiteY0"/>
+              </a:cxn>
+              <a:cxn ang="0">
+                <a:pos x="connisteX1" y="connsiteY1"/>
+              </a:cxn>
+              <a:cxn ang="0">
+                <a:pos x="connisteX2" y="connsiteY2"/>
+              </a:cxn>
+              <a:cxn ang="0">
+                <a:pos x="connisteX3" y="connsiteY3"/>
+              </a:cxn>
+            </a:cxnLst>
+            <a:rect l="l" t="t" r="r" b="b"/>
+            <a:pathLst>
+              <a:path w="401955" h="134620">
+                <a:moveTo>
+                  <a:pt x="401955" y="134620"/>
+                </a:moveTo>
+                <a:cubicBezTo>
+                  <a:pt x="366395" y="127635"/>
+                  <a:pt x="276225" y="112395"/>
+                  <a:pt x="210820" y="92710"/>
+                </a:cubicBezTo>
+                <a:cubicBezTo>
+                  <a:pt x="145415" y="73025"/>
+                  <a:pt x="115570" y="55245"/>
+                  <a:pt x="73660" y="36830"/>
+                </a:cubicBezTo>
+                <a:cubicBezTo>
+                  <a:pt x="31750" y="18415"/>
+                  <a:pt x="12065" y="6350"/>
+                  <a:pt x="0" y="0"/>
+                </a:cubicBezTo>
+              </a:path>
+            </a:pathLst>
+          </a:custGeom>
+          <a:noFill/>
+          <a:ln w="6350">
+            <a:solidFill>
+              <a:srgbClr val="00FF00"/>
+            </a:solidFill>
+            <a:tailEnd type="triangle" w="sm" len="sm"/>
+          </a:ln>
+        </p:spPr>
+        <p:style>
+          <a:lnRef idx="2">
+            <a:schemeClr val="accent1">
+              <a:lumMod val="75000"/>
+            </a:schemeClr>
+          </a:lnRef>
+          <a:fillRef idx="1">
+            <a:schemeClr val="accent1"/>
+          </a:fillRef>
+          <a:effectRef idx="0">
+            <a:srgbClr val="FFFFFF"/>
+          </a:effectRef>
+          <a:fontRef idx="minor">
+            <a:schemeClr val="lt1"/>
+          </a:fontRef>
+        </p:style>
+        <p:txBody>
+          <a:bodyPr rtlCol="0" anchor="ctr"/>
+          <a:p>
+            <a:pPr algn="ctr"/>
+            <a:endParaRPr lang="zh-CN" altLang="en-US"/>
+          </a:p>
+        </p:txBody>
+      </p:sp>
+      <p:graphicFrame>
+        <p:nvGraphicFramePr>
+          <p:cNvPr id="32" name="对象 -2147482496"/>
+          <p:cNvGraphicFramePr>
+            <a:graphicFrameLocks noChangeAspect="1"/>
+          </p:cNvGraphicFramePr>
+          <p:nvPr/>
+        </p:nvGraphicFramePr>
+        <p:xfrm>
+          <a:off x="468313" y="1233805"/>
+          <a:ext cx="127000" cy="152400"/>
+        </p:xfrm>
+        <a:graphic>
+          <a:graphicData uri="http://schemas.openxmlformats.org/presentationml/2006/ole">
+            <mc:AlternateContent xmlns:mc="http://schemas.openxmlformats.org/markup-compatibility/2006">
+              <mc:Choice xmlns:v="urn:schemas-microsoft-com:vml" Requires="v">
+                <p:oleObj spid="_x0000_s41" name="" r:id="rId18" imgW="127000" imgH="152400" progId="DSEquations">
+                  <p:embed/>
+                </p:oleObj>
+              </mc:Choice>
+              <mc:Fallback>
+                <p:oleObj name="" r:id="rId18" imgW="127000" imgH="152400" progId="DSEquations">
+                  <p:embed/>
+                  <p:pic>
+                    <p:nvPicPr>
+                      <p:cNvPr id="0" name="图片 3075"/>
+                      <p:cNvPicPr/>
+                      <p:nvPr/>
+                    </p:nvPicPr>
+                    <p:blipFill>
+                      <a:blip r:embed="rId9"/>
+                      <a:stretch>
+                        <a:fillRect/>
+                      </a:stretch>
+                    </p:blipFill>
+                    <p:spPr>
+                      <a:xfrm>
+                        <a:off x="468313" y="1233805"/>
+                        <a:ext cx="127000" cy="152400"/>
+                      </a:xfrm>
+                      <a:prstGeom prst="rect">
+                        <a:avLst/>
+                      </a:prstGeom>
+                      <a:noFill/>
+                      <a:ln w="38100">
+                        <a:noFill/>
+                        <a:miter/>
+                      </a:ln>
+                    </p:spPr>
+                  </p:pic>
+                </p:oleObj>
+              </mc:Fallback>
+            </mc:AlternateContent>
+          </a:graphicData>
+        </a:graphic>
+      </p:graphicFrame>
+      <p:graphicFrame>
+        <p:nvGraphicFramePr>
+          <p:cNvPr id="42" name="对象 -2147482496"/>
+          <p:cNvGraphicFramePr>
+            <a:graphicFrameLocks noChangeAspect="1"/>
+          </p:cNvGraphicFramePr>
+          <p:nvPr/>
+        </p:nvGraphicFramePr>
+        <p:xfrm>
+          <a:off x="676275" y="2139950"/>
+          <a:ext cx="177165" cy="190500"/>
+        </p:xfrm>
+        <a:graphic>
+          <a:graphicData uri="http://schemas.openxmlformats.org/presentationml/2006/ole">
+            <mc:AlternateContent xmlns:mc="http://schemas.openxmlformats.org/markup-compatibility/2006">
+              <mc:Choice xmlns:v="urn:schemas-microsoft-com:vml" Requires="v">
+                <p:oleObj spid="_x0000_s47" name="" r:id="rId19" imgW="177165" imgH="190500" progId="DSEquations">
+                  <p:embed/>
+                </p:oleObj>
+              </mc:Choice>
+              <mc:Fallback>
+                <p:oleObj name="" r:id="rId19" imgW="177165" imgH="190500" progId="DSEquations">
+                  <p:embed/>
+                  <p:pic>
+                    <p:nvPicPr>
+                      <p:cNvPr id="0" name="图片 3075"/>
+                      <p:cNvPicPr/>
+                      <p:nvPr/>
+                    </p:nvPicPr>
+                    <p:blipFill>
+                      <a:blip r:embed="rId20"/>
+                      <a:stretch>
+                        <a:fillRect/>
+                      </a:stretch>
+                    </p:blipFill>
+                    <p:spPr>
+                      <a:xfrm>
+                        <a:off x="676275" y="2139950"/>
+                        <a:ext cx="177165" cy="190500"/>
+                      </a:xfrm>
+                      <a:prstGeom prst="rect">
+                        <a:avLst/>
+                      </a:prstGeom>
+                      <a:noFill/>
+                      <a:ln w="38100">
+                        <a:noFill/>
+                        <a:miter/>
+                      </a:ln>
+                    </p:spPr>
+                  </p:pic>
+                </p:oleObj>
+              </mc:Fallback>
+            </mc:AlternateContent>
+          </a:graphicData>
+        </a:graphic>
+      </p:graphicFrame>
+      <p:graphicFrame>
+        <p:nvGraphicFramePr>
+          <p:cNvPr id="48" name="对象 -2147482496"/>
+          <p:cNvGraphicFramePr>
+            <a:graphicFrameLocks noChangeAspect="1"/>
+          </p:cNvGraphicFramePr>
+          <p:nvPr/>
+        </p:nvGraphicFramePr>
+        <p:xfrm>
+          <a:off x="917893" y="2085975"/>
+          <a:ext cx="114300" cy="152400"/>
+        </p:xfrm>
+        <a:graphic>
+          <a:graphicData uri="http://schemas.openxmlformats.org/presentationml/2006/ole">
+            <mc:AlternateContent xmlns:mc="http://schemas.openxmlformats.org/markup-compatibility/2006">
+              <mc:Choice xmlns:v="urn:schemas-microsoft-com:vml" Requires="v">
+                <p:oleObj spid="_x0000_s50" name="" r:id="rId21" imgW="114300" imgH="152400" progId="DSEquations">
+                  <p:embed/>
+                </p:oleObj>
+              </mc:Choice>
+              <mc:Fallback>
+                <p:oleObj name="" r:id="rId21" imgW="114300" imgH="152400" progId="DSEquations">
+                  <p:embed/>
+                  <p:pic>
+                    <p:nvPicPr>
+                      <p:cNvPr id="0" name="图片 3075"/>
+                      <p:cNvPicPr/>
+                      <p:nvPr/>
+                    </p:nvPicPr>
+                    <p:blipFill>
+                      <a:blip r:embed="rId22"/>
+                      <a:stretch>
+                        <a:fillRect/>
+                      </a:stretch>
+                    </p:blipFill>
+                    <p:spPr>
+                      <a:xfrm>
+                        <a:off x="917893" y="2085975"/>
+                        <a:ext cx="114300" cy="152400"/>
+                      </a:xfrm>
+                      <a:prstGeom prst="rect">
+                        <a:avLst/>
+                      </a:prstGeom>
+                      <a:noFill/>
+                      <a:ln w="38100">
+                        <a:noFill/>
+                        <a:miter/>
+                      </a:ln>
+                    </p:spPr>
+                  </p:pic>
+                </p:oleObj>
+              </mc:Fallback>
+            </mc:AlternateContent>
+          </a:graphicData>
+        </a:graphic>
+      </p:graphicFrame>
+      <p:graphicFrame>
+        <p:nvGraphicFramePr>
+          <p:cNvPr id="51" name="对象 -2147482496"/>
+          <p:cNvGraphicFramePr>
+            <a:graphicFrameLocks noChangeAspect="1"/>
+          </p:cNvGraphicFramePr>
+          <p:nvPr/>
+        </p:nvGraphicFramePr>
+        <p:xfrm>
+          <a:off x="1211898" y="2330450"/>
+          <a:ext cx="114300" cy="165100"/>
+        </p:xfrm>
+        <a:graphic>
+          <a:graphicData uri="http://schemas.openxmlformats.org/presentationml/2006/ole">
+            <mc:AlternateContent xmlns:mc="http://schemas.openxmlformats.org/markup-compatibility/2006">
+              <mc:Choice xmlns:v="urn:schemas-microsoft-com:vml" Requires="v">
+                <p:oleObj spid="_x0000_s52" name="" r:id="rId23" imgW="114300" imgH="165100" progId="DSEquations">
+                  <p:embed/>
+                </p:oleObj>
+              </mc:Choice>
+              <mc:Fallback>
+                <p:oleObj name="" r:id="rId23" imgW="114300" imgH="165100" progId="DSEquations">
+                  <p:embed/>
+                  <p:pic>
+                    <p:nvPicPr>
+                      <p:cNvPr id="0" name="图片 3075"/>
+                      <p:cNvPicPr/>
+                      <p:nvPr/>
+                    </p:nvPicPr>
+                    <p:blipFill>
+                      <a:blip r:embed="rId24"/>
+                      <a:stretch>
+                        <a:fillRect/>
+                      </a:stretch>
+                    </p:blipFill>
+                    <p:spPr>
+                      <a:xfrm>
+                        <a:off x="1211898" y="2330450"/>
+                        <a:ext cx="114300" cy="165100"/>
+                      </a:xfrm>
+                      <a:prstGeom prst="rect">
+                        <a:avLst/>
+                      </a:prstGeom>
+                      <a:noFill/>
+                      <a:ln w="38100">
+                        <a:noFill/>
+                        <a:miter/>
+                      </a:ln>
+                    </p:spPr>
+                  </p:pic>
+                </p:oleObj>
+              </mc:Fallback>
+            </mc:AlternateContent>
+          </a:graphicData>
+        </a:graphic>
+      </p:graphicFrame>
+      <p:graphicFrame>
+        <p:nvGraphicFramePr>
+          <p:cNvPr id="55" name="对象 -2147482496"/>
+          <p:cNvGraphicFramePr>
+            <a:graphicFrameLocks noChangeAspect="1"/>
+          </p:cNvGraphicFramePr>
+          <p:nvPr/>
+        </p:nvGraphicFramePr>
+        <p:xfrm>
+          <a:off x="305753" y="1043305"/>
+          <a:ext cx="114300" cy="152400"/>
+        </p:xfrm>
+        <a:graphic>
+          <a:graphicData uri="http://schemas.openxmlformats.org/presentationml/2006/ole">
+            <mc:AlternateContent xmlns:mc="http://schemas.openxmlformats.org/markup-compatibility/2006">
+              <mc:Choice xmlns:v="urn:schemas-microsoft-com:vml" Requires="v">
+                <p:oleObj spid="_x0000_s56" name="" r:id="rId25" imgW="114300" imgH="152400" progId="DSEquations">
+                  <p:embed/>
+                </p:oleObj>
+              </mc:Choice>
+              <mc:Fallback>
+                <p:oleObj name="" r:id="rId25" imgW="114300" imgH="152400" progId="DSEquations">
+                  <p:embed/>
+                  <p:pic>
+                    <p:nvPicPr>
+                      <p:cNvPr id="0" name="图片 3075"/>
+                      <p:cNvPicPr/>
+                      <p:nvPr/>
+                    </p:nvPicPr>
+                    <p:blipFill>
+                      <a:blip r:embed="rId22"/>
+                      <a:stretch>
+                        <a:fillRect/>
+                      </a:stretch>
+                    </p:blipFill>
+                    <p:spPr>
+                      <a:xfrm>
+                        <a:off x="305753" y="1043305"/>
+                        <a:ext cx="114300" cy="152400"/>
+                      </a:xfrm>
+                      <a:prstGeom prst="rect">
+                        <a:avLst/>
+                      </a:prstGeom>
+                      <a:noFill/>
+                      <a:ln w="38100">
+                        <a:noFill/>
+                        <a:miter/>
+                      </a:ln>
+                    </p:spPr>
+                  </p:pic>
+                </p:oleObj>
+              </mc:Fallback>
+            </mc:AlternateContent>
+          </a:graphicData>
+        </a:graphic>
+      </p:graphicFrame>
+      <p:sp>
+        <p:nvSpPr>
+          <p:cNvPr id="60" name="任意多边形 59"/>
+          <p:cNvSpPr/>
+          <p:nvPr/>
+        </p:nvSpPr>
+        <p:spPr>
+          <a:xfrm>
+            <a:off x="837565" y="2136775"/>
+            <a:ext cx="367665" cy="130175"/>
+          </a:xfrm>
+          <a:custGeom>
+            <a:avLst/>
+            <a:gdLst>
+              <a:gd name="connisteX0" fmla="*/ 367665 w 367665"/>
+              <a:gd name="connsiteY0" fmla="*/ 130175 h 130175"/>
+              <a:gd name="connisteX1" fmla="*/ 237490 w 367665"/>
+              <a:gd name="connsiteY1" fmla="*/ 105410 h 130175"/>
+              <a:gd name="connisteX2" fmla="*/ 129540 w 367665"/>
+              <a:gd name="connsiteY2" fmla="*/ 71120 h 130175"/>
+              <a:gd name="connisteX3" fmla="*/ 46355 w 367665"/>
+              <a:gd name="connsiteY3" fmla="*/ 27305 h 130175"/>
+              <a:gd name="connisteX4" fmla="*/ 0 w 367665"/>
+              <a:gd name="connsiteY4" fmla="*/ 0 h 130175"/>
+            </a:gdLst>
+            <a:ahLst/>
+            <a:cxnLst>
+              <a:cxn ang="0">
+                <a:pos x="connisteX0" y="connsiteY0"/>
+              </a:cxn>
+              <a:cxn ang="0">
+                <a:pos x="connisteX1" y="connsiteY1"/>
+              </a:cxn>
+              <a:cxn ang="0">
+                <a:pos x="connisteX2" y="connsiteY2"/>
+              </a:cxn>
+              <a:cxn ang="0">
+                <a:pos x="connisteX3" y="connsiteY3"/>
+              </a:cxn>
+              <a:cxn ang="0">
+                <a:pos x="connisteX4" y="connsiteY4"/>
+              </a:cxn>
+            </a:cxnLst>
+            <a:rect l="l" t="t" r="r" b="b"/>
+            <a:pathLst>
+              <a:path w="367665" h="130175">
+                <a:moveTo>
+                  <a:pt x="367665" y="130175"/>
+                </a:moveTo>
+                <a:cubicBezTo>
+                  <a:pt x="343535" y="125730"/>
+                  <a:pt x="285115" y="117475"/>
+                  <a:pt x="237490" y="105410"/>
+                </a:cubicBezTo>
+                <a:cubicBezTo>
+                  <a:pt x="189865" y="93345"/>
+                  <a:pt x="167640" y="86995"/>
+                  <a:pt x="129540" y="71120"/>
+                </a:cubicBezTo>
+                <a:cubicBezTo>
+                  <a:pt x="91440" y="55245"/>
+                  <a:pt x="72390" y="41275"/>
+                  <a:pt x="46355" y="27305"/>
+                </a:cubicBezTo>
+                <a:cubicBezTo>
+                  <a:pt x="20320" y="13335"/>
+                  <a:pt x="7620" y="4445"/>
+                  <a:pt x="0" y="0"/>
+                </a:cubicBezTo>
+              </a:path>
+            </a:pathLst>
+          </a:custGeom>
+          <a:noFill/>
+          <a:ln w="6350">
+            <a:solidFill>
+              <a:srgbClr val="FF00FF"/>
+            </a:solidFill>
+            <a:tailEnd type="triangle" w="sm" len="sm"/>
+          </a:ln>
+        </p:spPr>
+        <p:style>
+          <a:lnRef idx="2">
+            <a:schemeClr val="accent1">
+              <a:lumMod val="75000"/>
+            </a:schemeClr>
+          </a:lnRef>
+          <a:fillRef idx="1">
+            <a:schemeClr val="accent1"/>
+          </a:fillRef>
+          <a:effectRef idx="0">
+            <a:srgbClr val="FFFFFF"/>
+          </a:effectRef>
+          <a:fontRef idx="minor">
+            <a:schemeClr val="lt1"/>
+          </a:fontRef>
+        </p:style>
+        <p:txBody>
+          <a:bodyPr rtlCol="0" anchor="ctr"/>
+          <a:p>
+            <a:pPr algn="ctr"/>
+            <a:endParaRPr lang="zh-CN" altLang="en-US"/>
+          </a:p>
+        </p:txBody>
+      </p:sp>
+      <p:sp>
+        <p:nvSpPr>
+          <p:cNvPr id="61" name="任意多边形 60"/>
+          <p:cNvSpPr/>
+          <p:nvPr/>
+        </p:nvSpPr>
+        <p:spPr>
+          <a:xfrm>
+            <a:off x="310515" y="941070"/>
+            <a:ext cx="21590" cy="311150"/>
+          </a:xfrm>
+          <a:custGeom>
+            <a:avLst/>
+            <a:gdLst>
+              <a:gd name="connisteX0" fmla="*/ 2836 w 21886"/>
+              <a:gd name="connsiteY0" fmla="*/ 311150 h 311150"/>
+              <a:gd name="connisteX1" fmla="*/ 296 w 21886"/>
+              <a:gd name="connsiteY1" fmla="*/ 198120 h 311150"/>
+              <a:gd name="connisteX2" fmla="*/ 9821 w 21886"/>
+              <a:gd name="connsiteY2" fmla="*/ 75565 h 311150"/>
+              <a:gd name="connisteX3" fmla="*/ 21886 w 21886"/>
+              <a:gd name="connsiteY3" fmla="*/ 0 h 311150"/>
+            </a:gdLst>
+            <a:ahLst/>
+            <a:cxnLst>
+              <a:cxn ang="0">
+                <a:pos x="connisteX0" y="connsiteY0"/>
+              </a:cxn>
+              <a:cxn ang="0">
+                <a:pos x="connisteX1" y="connsiteY1"/>
+              </a:cxn>
+              <a:cxn ang="0">
+                <a:pos x="connisteX2" y="connsiteY2"/>
+              </a:cxn>
+              <a:cxn ang="0">
+                <a:pos x="connisteX3" y="connsiteY3"/>
+              </a:cxn>
+            </a:cxnLst>
+            <a:rect l="l" t="t" r="r" b="b"/>
+            <a:pathLst>
+              <a:path w="21887" h="311150">
+                <a:moveTo>
+                  <a:pt x="2837" y="311150"/>
+                </a:moveTo>
+                <a:cubicBezTo>
+                  <a:pt x="2202" y="290830"/>
+                  <a:pt x="-973" y="245110"/>
+                  <a:pt x="297" y="198120"/>
+                </a:cubicBezTo>
+                <a:cubicBezTo>
+                  <a:pt x="1567" y="151130"/>
+                  <a:pt x="5377" y="114935"/>
+                  <a:pt x="9822" y="75565"/>
+                </a:cubicBezTo>
+                <a:cubicBezTo>
+                  <a:pt x="14267" y="36195"/>
+                  <a:pt x="19347" y="12700"/>
+                  <a:pt x="21887" y="0"/>
+                </a:cubicBezTo>
+              </a:path>
+            </a:pathLst>
+          </a:custGeom>
+          <a:noFill/>
+          <a:ln w="6350">
+            <a:solidFill>
+              <a:srgbClr val="FF00FF"/>
+            </a:solidFill>
+            <a:tailEnd type="triangle" w="sm" len="sm"/>
+          </a:ln>
+        </p:spPr>
+        <p:style>
+          <a:lnRef idx="2">
+            <a:schemeClr val="accent1">
+              <a:lumMod val="75000"/>
+            </a:schemeClr>
+          </a:lnRef>
+          <a:fillRef idx="1">
+            <a:schemeClr val="accent1"/>
+          </a:fillRef>
+          <a:effectRef idx="0">
+            <a:srgbClr val="FFFFFF"/>
+          </a:effectRef>
+          <a:fontRef idx="minor">
+            <a:schemeClr val="lt1"/>
+          </a:fontRef>
+        </p:style>
+        <p:txBody>
+          <a:bodyPr rtlCol="0" anchor="ctr"/>
+          <a:p>
+            <a:pPr algn="ctr"/>
+            <a:endParaRPr lang="zh-CN" altLang="en-US"/>
+          </a:p>
+        </p:txBody>
+      </p:sp>
+      <p:graphicFrame>
+        <p:nvGraphicFramePr>
+          <p:cNvPr id="62" name="对象 -2147482496"/>
+          <p:cNvGraphicFramePr>
+            <a:graphicFrameLocks noChangeAspect="1"/>
+          </p:cNvGraphicFramePr>
+          <p:nvPr/>
+        </p:nvGraphicFramePr>
+        <p:xfrm>
+          <a:off x="1669098" y="1396365"/>
+          <a:ext cx="114300" cy="165100"/>
+        </p:xfrm>
+        <a:graphic>
+          <a:graphicData uri="http://schemas.openxmlformats.org/presentationml/2006/ole">
+            <mc:AlternateContent xmlns:mc="http://schemas.openxmlformats.org/markup-compatibility/2006">
+              <mc:Choice xmlns:v="urn:schemas-microsoft-com:vml" Requires="v">
+                <p:oleObj spid="_x0000_s63" name="" r:id="rId26" imgW="114300" imgH="165100" progId="DSEquations">
+                  <p:embed/>
+                </p:oleObj>
+              </mc:Choice>
+              <mc:Fallback>
+                <p:oleObj name="" r:id="rId26" imgW="114300" imgH="165100" progId="DSEquations">
+                  <p:embed/>
+                  <p:pic>
+                    <p:nvPicPr>
+                      <p:cNvPr id="0" name="图片 3075"/>
+                      <p:cNvPicPr/>
+                      <p:nvPr/>
+                    </p:nvPicPr>
+                    <p:blipFill>
+                      <a:blip r:embed="rId27"/>
+                      <a:stretch>
+                        <a:fillRect/>
+                      </a:stretch>
+                    </p:blipFill>
+                    <p:spPr>
+                      <a:xfrm>
+                        <a:off x="1669098" y="1396365"/>
+                        <a:ext cx="114300" cy="165100"/>
+                      </a:xfrm>
+                      <a:prstGeom prst="rect">
+                        <a:avLst/>
+                      </a:prstGeom>
+                      <a:noFill/>
+                      <a:ln w="38100">
+                        <a:noFill/>
+                        <a:miter/>
+                      </a:ln>
+                    </p:spPr>
+                  </p:pic>
+                </p:oleObj>
+              </mc:Fallback>
+            </mc:AlternateContent>
+          </a:graphicData>
+        </a:graphic>
+      </p:graphicFrame>
+      <p:sp>
+        <p:nvSpPr>
+          <p:cNvPr id="64" name="任意多边形 63"/>
+          <p:cNvSpPr/>
+          <p:nvPr/>
+        </p:nvSpPr>
+        <p:spPr>
+          <a:xfrm>
+            <a:off x="1761490" y="1414145"/>
+            <a:ext cx="22225" cy="203835"/>
+          </a:xfrm>
+          <a:custGeom>
+            <a:avLst/>
+            <a:gdLst>
+              <a:gd name="connisteX0" fmla="*/ 22225 w 22225"/>
+              <a:gd name="connsiteY0" fmla="*/ 0 h 203840"/>
+              <a:gd name="connisteX1" fmla="*/ 12065 w 22225"/>
+              <a:gd name="connsiteY1" fmla="*/ 100330 h 203840"/>
+              <a:gd name="connisteX2" fmla="*/ 2540 w 22225"/>
+              <a:gd name="connsiteY2" fmla="*/ 196215 h 203840"/>
+              <a:gd name="connisteX3" fmla="*/ 0 w 22225"/>
+              <a:gd name="connsiteY3" fmla="*/ 191135 h 203840"/>
+            </a:gdLst>
+            <a:ahLst/>
+            <a:cxnLst>
+              <a:cxn ang="0">
+                <a:pos x="connisteX0" y="connsiteY0"/>
+              </a:cxn>
+              <a:cxn ang="0">
+                <a:pos x="connisteX1" y="connsiteY1"/>
+              </a:cxn>
+              <a:cxn ang="0">
+                <a:pos x="connisteX2" y="connsiteY2"/>
+              </a:cxn>
+              <a:cxn ang="0">
+                <a:pos x="connisteX3" y="connsiteY3"/>
+              </a:cxn>
+            </a:cxnLst>
+            <a:rect l="l" t="t" r="r" b="b"/>
+            <a:pathLst>
+              <a:path w="22225" h="203840">
+                <a:moveTo>
+                  <a:pt x="22225" y="0"/>
+                </a:moveTo>
+                <a:cubicBezTo>
+                  <a:pt x="20320" y="18415"/>
+                  <a:pt x="15875" y="60960"/>
+                  <a:pt x="12065" y="100330"/>
+                </a:cubicBezTo>
+                <a:cubicBezTo>
+                  <a:pt x="8255" y="139700"/>
+                  <a:pt x="5080" y="177800"/>
+                  <a:pt x="2540" y="196215"/>
+                </a:cubicBezTo>
+                <a:cubicBezTo>
+                  <a:pt x="0" y="214630"/>
+                  <a:pt x="0" y="194310"/>
+                  <a:pt x="0" y="191135"/>
+                </a:cubicBezTo>
+              </a:path>
+            </a:pathLst>
+          </a:custGeom>
+          <a:noFill/>
+          <a:ln w="6350">
+            <a:solidFill>
+              <a:srgbClr val="0000FF"/>
+            </a:solidFill>
+            <a:tailEnd type="triangle" w="sm" len="sm"/>
+          </a:ln>
+        </p:spPr>
+        <p:style>
+          <a:lnRef idx="2">
+            <a:schemeClr val="accent1">
+              <a:lumMod val="75000"/>
+            </a:schemeClr>
+          </a:lnRef>
+          <a:fillRef idx="1">
+            <a:schemeClr val="accent1"/>
+          </a:fillRef>
+          <a:effectRef idx="0">
+            <a:srgbClr val="FFFFFF"/>
+          </a:effectRef>
+          <a:fontRef idx="minor">
+            <a:schemeClr val="lt1"/>
+          </a:fontRef>
+        </p:style>
+        <p:txBody>
+          <a:bodyPr rtlCol="0" anchor="ctr"/>
+          <a:p>
+            <a:pPr algn="ctr"/>
+            <a:endParaRPr lang="zh-CN" altLang="en-US"/>
+          </a:p>
+        </p:txBody>
+      </p:sp>
+      <p:sp>
+        <p:nvSpPr>
+          <p:cNvPr id="65" name="任意多边形 64"/>
+          <p:cNvSpPr/>
+          <p:nvPr/>
+        </p:nvSpPr>
+        <p:spPr>
+          <a:xfrm>
+            <a:off x="1207135" y="2272030"/>
+            <a:ext cx="147320" cy="67310"/>
+          </a:xfrm>
+          <a:custGeom>
+            <a:avLst/>
+            <a:gdLst>
+              <a:gd name="connisteX0" fmla="*/ 147320 w 147320"/>
+              <a:gd name="connsiteY0" fmla="*/ 66040 h 67004"/>
+              <a:gd name="connisteX1" fmla="*/ 88265 w 147320"/>
+              <a:gd name="connsiteY1" fmla="*/ 58420 h 67004"/>
+              <a:gd name="connisteX2" fmla="*/ 0 w 147320"/>
+              <a:gd name="connsiteY2" fmla="*/ 0 h 67004"/>
+            </a:gdLst>
+            <a:ahLst/>
+            <a:cxnLst>
+              <a:cxn ang="0">
+                <a:pos x="connisteX0" y="connsiteY0"/>
+              </a:cxn>
+              <a:cxn ang="0">
+                <a:pos x="connisteX1" y="connsiteY1"/>
+              </a:cxn>
+              <a:cxn ang="0">
+                <a:pos x="connisteX2" y="connsiteY2"/>
+              </a:cxn>
+            </a:cxnLst>
+            <a:rect l="l" t="t" r="r" b="b"/>
+            <a:pathLst>
+              <a:path w="147320" h="67005">
+                <a:moveTo>
+                  <a:pt x="147320" y="66040"/>
+                </a:moveTo>
+                <a:cubicBezTo>
+                  <a:pt x="137160" y="65405"/>
+                  <a:pt x="117475" y="71755"/>
+                  <a:pt x="88265" y="58420"/>
+                </a:cubicBezTo>
+                <a:cubicBezTo>
+                  <a:pt x="59055" y="45085"/>
+                  <a:pt x="16510" y="11430"/>
+                  <a:pt x="0" y="0"/>
+                </a:cubicBezTo>
+              </a:path>
+            </a:pathLst>
+          </a:custGeom>
+          <a:noFill/>
+          <a:ln w="6350">
+            <a:solidFill>
+              <a:srgbClr val="0000FF"/>
+            </a:solidFill>
+            <a:tailEnd type="triangle" w="sm" len="sm"/>
+          </a:ln>
+        </p:spPr>
+        <p:style>
+          <a:lnRef idx="2">
+            <a:schemeClr val="accent1">
+              <a:lumMod val="75000"/>
+            </a:schemeClr>
+          </a:lnRef>
+          <a:fillRef idx="1">
+            <a:schemeClr val="accent1"/>
+          </a:fillRef>
+          <a:effectRef idx="0">
+            <a:srgbClr val="FFFFFF"/>
+          </a:effectRef>
+          <a:fontRef idx="minor">
+            <a:schemeClr val="lt1"/>
+          </a:fontRef>
+        </p:style>
+        <p:txBody>
+          <a:bodyPr rtlCol="0" anchor="ctr"/>
+          <a:p>
+            <a:pPr algn="ctr"/>
+            <a:endParaRPr lang="zh-CN" altLang="en-US"/>
+          </a:p>
+        </p:txBody>
+      </p:sp>
+      <p:graphicFrame>
+        <p:nvGraphicFramePr>
+          <p:cNvPr id="5" name="对象 -2147482496"/>
+          <p:cNvGraphicFramePr>
+            <a:graphicFrameLocks noChangeAspect="1"/>
+          </p:cNvGraphicFramePr>
+          <p:nvPr/>
+        </p:nvGraphicFramePr>
+        <p:xfrm>
+          <a:off x="147027" y="1190188"/>
+          <a:ext cx="153670" cy="190500"/>
+        </p:xfrm>
+        <a:graphic>
+          <a:graphicData uri="http://schemas.openxmlformats.org/presentationml/2006/ole">
+            <mc:AlternateContent xmlns:mc="http://schemas.openxmlformats.org/markup-compatibility/2006">
+              <mc:Choice xmlns:v="urn:schemas-microsoft-com:vml" Requires="v">
+                <p:oleObj spid="_x0000_s7" name="" r:id="rId28" imgW="152400" imgH="190500" progId="DSEquations">
+                  <p:embed/>
+                </p:oleObj>
+              </mc:Choice>
+              <mc:Fallback>
+                <p:oleObj name="" r:id="rId28" imgW="152400" imgH="190500" progId="DSEquations">
+                  <p:embed/>
+                  <p:pic>
+                    <p:nvPicPr>
+                      <p:cNvPr id="0" name="图片 3075"/>
+                      <p:cNvPicPr/>
+                      <p:nvPr/>
+                    </p:nvPicPr>
+                    <p:blipFill>
+                      <a:blip r:embed="rId29"/>
+                      <a:stretch>
+                        <a:fillRect/>
+                      </a:stretch>
+                    </p:blipFill>
+                    <p:spPr>
+                      <a:xfrm>
+                        <a:off x="147027" y="1190188"/>
+                        <a:ext cx="153670" cy="190500"/>
+                      </a:xfrm>
+                      <a:prstGeom prst="rect">
+                        <a:avLst/>
+                      </a:prstGeom>
+                      <a:noFill/>
+                      <a:ln w="38100">
+                        <a:noFill/>
+                        <a:miter/>
+                      </a:ln>
+                    </p:spPr>
+                  </p:pic>
+                </p:oleObj>
+              </mc:Fallback>
+            </mc:AlternateContent>
+          </a:graphicData>
+        </a:graphic>
+      </p:graphicFrame>
+      <p:graphicFrame>
+        <p:nvGraphicFramePr>
+          <p:cNvPr id="8" name="对象 -2147482496"/>
+          <p:cNvGraphicFramePr>
+            <a:graphicFrameLocks noChangeAspect="1"/>
+          </p:cNvGraphicFramePr>
+          <p:nvPr/>
+        </p:nvGraphicFramePr>
+        <p:xfrm>
+          <a:off x="1049680" y="2267148"/>
+          <a:ext cx="178435" cy="190500"/>
+        </p:xfrm>
+        <a:graphic>
+          <a:graphicData uri="http://schemas.openxmlformats.org/presentationml/2006/ole">
+            <mc:AlternateContent xmlns:mc="http://schemas.openxmlformats.org/markup-compatibility/2006">
+              <mc:Choice xmlns:v="urn:schemas-microsoft-com:vml" Requires="v">
+                <p:oleObj spid="_x0000_s9" name="" r:id="rId30" imgW="177165" imgH="190500" progId="DSEquations">
+                  <p:embed/>
+                </p:oleObj>
+              </mc:Choice>
+              <mc:Fallback>
+                <p:oleObj name="" r:id="rId30" imgW="177165" imgH="190500" progId="DSEquations">
+                  <p:embed/>
+                  <p:pic>
+                    <p:nvPicPr>
+                      <p:cNvPr id="0" name="图片 3075"/>
+                      <p:cNvPicPr/>
+                      <p:nvPr/>
+                    </p:nvPicPr>
+                    <p:blipFill>
+                      <a:blip r:embed="rId31"/>
+                      <a:stretch>
+                        <a:fillRect/>
+                      </a:stretch>
+                    </p:blipFill>
+                    <p:spPr>
+                      <a:xfrm>
+                        <a:off x="1049680" y="2267148"/>
+                        <a:ext cx="178435" cy="190500"/>
+                      </a:xfrm>
+                      <a:prstGeom prst="rect">
+                        <a:avLst/>
+                      </a:prstGeom>
+                      <a:noFill/>
+                      <a:ln w="38100">
+                        <a:noFill/>
+                        <a:miter/>
+                      </a:ln>
+                    </p:spPr>
+                  </p:pic>
+                </p:oleObj>
+              </mc:Fallback>
+            </mc:AlternateContent>
+          </a:graphicData>
+        </a:graphic>
+      </p:graphicFrame>
     </p:spTree>
     <p:custDataLst>
-      <p:tags r:id="rId1"/>
+      <p:tags r:id="rId32"/>
+    </p:custDataLst>
+  </p:cSld>
+  <p:clrMapOvr>
+    <a:masterClrMapping/>
+  </p:clrMapOvr>
+</p:sld>
+</file>
+
+<file path=ppt/slides/slide6.xml><?xml version="1.0" encoding="utf-8"?>
+<p:sld xmlns:a="http://schemas.openxmlformats.org/drawingml/2006/main" xmlns:r="http://schemas.openxmlformats.org/officeDocument/2006/relationships" xmlns:p="http://schemas.openxmlformats.org/presentationml/2006/main">
+  <p:cSld>
+    <p:spTree>
+      <p:nvGrpSpPr>
+        <p:cNvPr id="1" name=""/>
+        <p:cNvGrpSpPr/>
+        <p:nvPr/>
+      </p:nvGrpSpPr>
+      <p:grpSpPr/>
+      <p:pic>
+        <p:nvPicPr>
+          <p:cNvPr id="4" name="图片 3"/>
+          <p:cNvPicPr>
+            <a:picLocks noChangeAspect="1"/>
+          </p:cNvPicPr>
+          <p:nvPr/>
+        </p:nvPicPr>
+        <p:blipFill>
+          <a:blip r:embed="rId1"/>
+          <a:stretch>
+            <a:fillRect/>
+          </a:stretch>
+        </p:blipFill>
+        <p:spPr>
+          <a:xfrm>
+            <a:off x="384810" y="71120"/>
+            <a:ext cx="2086610" cy="2448560"/>
+          </a:xfrm>
+          <a:prstGeom prst="rect">
+            <a:avLst/>
+          </a:prstGeom>
+        </p:spPr>
+      </p:pic>
+      <p:graphicFrame>
+        <p:nvGraphicFramePr>
+          <p:cNvPr id="35" name="对象 -2147482496"/>
+          <p:cNvGraphicFramePr>
+            <a:graphicFrameLocks noChangeAspect="1"/>
+          </p:cNvGraphicFramePr>
+          <p:nvPr/>
+        </p:nvGraphicFramePr>
+        <p:xfrm>
+          <a:off x="1611313" y="817880"/>
+          <a:ext cx="88265" cy="139700"/>
+        </p:xfrm>
+        <a:graphic>
+          <a:graphicData uri="http://schemas.openxmlformats.org/presentationml/2006/ole">
+            <mc:AlternateContent xmlns:mc="http://schemas.openxmlformats.org/markup-compatibility/2006">
+              <mc:Choice xmlns:v="urn:schemas-microsoft-com:vml" Requires="v">
+                <p:oleObj spid="_x0000_s36" name="" r:id="rId2" imgW="88265" imgH="139700" progId="DSEquations">
+                  <p:embed/>
+                </p:oleObj>
+              </mc:Choice>
+              <mc:Fallback>
+                <p:oleObj name="" r:id="rId2" imgW="88265" imgH="139700" progId="DSEquations">
+                  <p:embed/>
+                  <p:pic>
+                    <p:nvPicPr>
+                      <p:cNvPr id="0" name="图片 3075"/>
+                      <p:cNvPicPr/>
+                      <p:nvPr/>
+                    </p:nvPicPr>
+                    <p:blipFill>
+                      <a:blip r:embed="rId3"/>
+                      <a:stretch>
+                        <a:fillRect/>
+                      </a:stretch>
+                    </p:blipFill>
+                    <p:spPr>
+                      <a:xfrm>
+                        <a:off x="1611313" y="817880"/>
+                        <a:ext cx="88265" cy="139700"/>
+                      </a:xfrm>
+                      <a:prstGeom prst="rect">
+                        <a:avLst/>
+                      </a:prstGeom>
+                      <a:noFill/>
+                      <a:ln w="38100">
+                        <a:noFill/>
+                        <a:miter/>
+                      </a:ln>
+                    </p:spPr>
+                  </p:pic>
+                </p:oleObj>
+              </mc:Fallback>
+            </mc:AlternateContent>
+          </a:graphicData>
+        </a:graphic>
+      </p:graphicFrame>
+      <p:graphicFrame>
+        <p:nvGraphicFramePr>
+          <p:cNvPr id="5" name="对象 -2147482496"/>
+          <p:cNvGraphicFramePr>
+            <a:graphicFrameLocks noChangeAspect="1"/>
+          </p:cNvGraphicFramePr>
+          <p:nvPr/>
+        </p:nvGraphicFramePr>
+        <p:xfrm>
+          <a:off x="516890" y="1008380"/>
+          <a:ext cx="114300" cy="139700"/>
+        </p:xfrm>
+        <a:graphic>
+          <a:graphicData uri="http://schemas.openxmlformats.org/presentationml/2006/ole">
+            <mc:AlternateContent xmlns:mc="http://schemas.openxmlformats.org/markup-compatibility/2006">
+              <mc:Choice xmlns:v="urn:schemas-microsoft-com:vml" Requires="v">
+                <p:oleObj spid="_x0000_s6" name="" r:id="rId4" imgW="114300" imgH="139700" progId="DSEquations">
+                  <p:embed/>
+                </p:oleObj>
+              </mc:Choice>
+              <mc:Fallback>
+                <p:oleObj name="" r:id="rId4" imgW="114300" imgH="139700" progId="DSEquations">
+                  <p:embed/>
+                  <p:pic>
+                    <p:nvPicPr>
+                      <p:cNvPr id="0" name="图片 3075"/>
+                      <p:cNvPicPr/>
+                      <p:nvPr/>
+                    </p:nvPicPr>
+                    <p:blipFill>
+                      <a:blip r:embed="rId5"/>
+                      <a:stretch>
+                        <a:fillRect/>
+                      </a:stretch>
+                    </p:blipFill>
+                    <p:spPr>
+                      <a:xfrm>
+                        <a:off x="516890" y="1008380"/>
+                        <a:ext cx="114300" cy="139700"/>
+                      </a:xfrm>
+                      <a:prstGeom prst="rect">
+                        <a:avLst/>
+                      </a:prstGeom>
+                      <a:noFill/>
+                      <a:ln w="38100">
+                        <a:noFill/>
+                        <a:miter/>
+                      </a:ln>
+                    </p:spPr>
+                  </p:pic>
+                </p:oleObj>
+              </mc:Fallback>
+            </mc:AlternateContent>
+          </a:graphicData>
+        </a:graphic>
+      </p:graphicFrame>
+      <p:graphicFrame>
+        <p:nvGraphicFramePr>
+          <p:cNvPr id="7" name="对象 -2147482496"/>
+          <p:cNvGraphicFramePr>
+            <a:graphicFrameLocks noChangeAspect="1"/>
+          </p:cNvGraphicFramePr>
+          <p:nvPr/>
+        </p:nvGraphicFramePr>
+        <p:xfrm>
+          <a:off x="748030" y="1940560"/>
+          <a:ext cx="101600" cy="152400"/>
+        </p:xfrm>
+        <a:graphic>
+          <a:graphicData uri="http://schemas.openxmlformats.org/presentationml/2006/ole">
+            <mc:AlternateContent xmlns:mc="http://schemas.openxmlformats.org/markup-compatibility/2006">
+              <mc:Choice xmlns:v="urn:schemas-microsoft-com:vml" Requires="v">
+                <p:oleObj spid="_x0000_s8" name="" r:id="rId6" imgW="101600" imgH="152400" progId="DSEquations">
+                  <p:embed/>
+                </p:oleObj>
+              </mc:Choice>
+              <mc:Fallback>
+                <p:oleObj name="" r:id="rId6" imgW="101600" imgH="152400" progId="DSEquations">
+                  <p:embed/>
+                  <p:pic>
+                    <p:nvPicPr>
+                      <p:cNvPr id="0" name="图片 3075"/>
+                      <p:cNvPicPr/>
+                      <p:nvPr/>
+                    </p:nvPicPr>
+                    <p:blipFill>
+                      <a:blip r:embed="rId7"/>
+                      <a:stretch>
+                        <a:fillRect/>
+                      </a:stretch>
+                    </p:blipFill>
+                    <p:spPr>
+                      <a:xfrm>
+                        <a:off x="748030" y="1940560"/>
+                        <a:ext cx="101600" cy="152400"/>
+                      </a:xfrm>
+                      <a:prstGeom prst="rect">
+                        <a:avLst/>
+                      </a:prstGeom>
+                      <a:noFill/>
+                      <a:ln w="38100">
+                        <a:noFill/>
+                        <a:miter/>
+                      </a:ln>
+                    </p:spPr>
+                  </p:pic>
+                </p:oleObj>
+              </mc:Fallback>
+            </mc:AlternateContent>
+          </a:graphicData>
+        </a:graphic>
+      </p:graphicFrame>
+      <p:graphicFrame>
+        <p:nvGraphicFramePr>
+          <p:cNvPr id="9" name="对象 -2147482496"/>
+          <p:cNvGraphicFramePr>
+            <a:graphicFrameLocks noChangeAspect="1"/>
+          </p:cNvGraphicFramePr>
+          <p:nvPr/>
+        </p:nvGraphicFramePr>
+        <p:xfrm>
+          <a:off x="1680210" y="1800860"/>
+          <a:ext cx="114300" cy="139700"/>
+        </p:xfrm>
+        <a:graphic>
+          <a:graphicData uri="http://schemas.openxmlformats.org/presentationml/2006/ole">
+            <mc:AlternateContent xmlns:mc="http://schemas.openxmlformats.org/markup-compatibility/2006">
+              <mc:Choice xmlns:v="urn:schemas-microsoft-com:vml" Requires="v">
+                <p:oleObj spid="_x0000_s10" name="" r:id="rId8" imgW="114300" imgH="139700" progId="DSEquations">
+                  <p:embed/>
+                </p:oleObj>
+              </mc:Choice>
+              <mc:Fallback>
+                <p:oleObj name="" r:id="rId8" imgW="114300" imgH="139700" progId="DSEquations">
+                  <p:embed/>
+                  <p:pic>
+                    <p:nvPicPr>
+                      <p:cNvPr id="0" name="图片 3075"/>
+                      <p:cNvPicPr/>
+                      <p:nvPr/>
+                    </p:nvPicPr>
+                    <p:blipFill>
+                      <a:blip r:embed="rId9"/>
+                      <a:stretch>
+                        <a:fillRect/>
+                      </a:stretch>
+                    </p:blipFill>
+                    <p:spPr>
+                      <a:xfrm>
+                        <a:off x="1680210" y="1800860"/>
+                        <a:ext cx="114300" cy="139700"/>
+                      </a:xfrm>
+                      <a:prstGeom prst="rect">
+                        <a:avLst/>
+                      </a:prstGeom>
+                      <a:noFill/>
+                      <a:ln w="38100">
+                        <a:noFill/>
+                        <a:miter/>
+                      </a:ln>
+                    </p:spPr>
+                  </p:pic>
+                </p:oleObj>
+              </mc:Fallback>
+            </mc:AlternateContent>
+          </a:graphicData>
+        </a:graphic>
+      </p:graphicFrame>
+      <p:cxnSp>
+        <p:nvCxnSpPr>
+          <p:cNvPr id="12" name="直接连接符 11"/>
+          <p:cNvCxnSpPr/>
+          <p:nvPr/>
+        </p:nvCxnSpPr>
+        <p:spPr>
+          <a:xfrm flipV="1">
+            <a:off x="1223010" y="1073150"/>
+            <a:ext cx="448310" cy="519430"/>
+          </a:xfrm>
+          <a:prstGeom prst="line">
+            <a:avLst/>
+          </a:prstGeom>
+          <a:ln w="6350">
+            <a:solidFill>
+              <a:srgbClr val="00FF00"/>
+            </a:solidFill>
+            <a:prstDash val="sysDash"/>
+          </a:ln>
+        </p:spPr>
+        <p:style>
+          <a:lnRef idx="2">
+            <a:schemeClr val="accent1"/>
+          </a:lnRef>
+          <a:fillRef idx="0">
+            <a:srgbClr val="FFFFFF"/>
+          </a:fillRef>
+          <a:effectRef idx="0">
+            <a:srgbClr val="FFFFFF"/>
+          </a:effectRef>
+          <a:fontRef idx="minor">
+            <a:schemeClr val="tx1"/>
+          </a:fontRef>
+        </p:style>
+      </p:cxnSp>
+      <p:cxnSp>
+        <p:nvCxnSpPr>
+          <p:cNvPr id="13" name="直接连接符 12"/>
+          <p:cNvCxnSpPr/>
+          <p:nvPr/>
+        </p:nvCxnSpPr>
+        <p:spPr>
+          <a:xfrm flipV="1">
+            <a:off x="879475" y="891540"/>
+            <a:ext cx="448310" cy="519430"/>
+          </a:xfrm>
+          <a:prstGeom prst="line">
+            <a:avLst/>
+          </a:prstGeom>
+          <a:ln w="6350">
+            <a:solidFill>
+              <a:srgbClr val="00FF00"/>
+            </a:solidFill>
+            <a:prstDash val="sysDash"/>
+          </a:ln>
+        </p:spPr>
+        <p:style>
+          <a:lnRef idx="2">
+            <a:schemeClr val="accent1"/>
+          </a:lnRef>
+          <a:fillRef idx="0">
+            <a:srgbClr val="FFFFFF"/>
+          </a:fillRef>
+          <a:effectRef idx="0">
+            <a:srgbClr val="FFFFFF"/>
+          </a:effectRef>
+          <a:fontRef idx="minor">
+            <a:schemeClr val="tx1"/>
+          </a:fontRef>
+        </p:style>
+      </p:cxnSp>
+      <p:cxnSp>
+        <p:nvCxnSpPr>
+          <p:cNvPr id="14" name="直接连接符 13"/>
+          <p:cNvCxnSpPr/>
+          <p:nvPr/>
+        </p:nvCxnSpPr>
+        <p:spPr>
+          <a:xfrm flipH="1" flipV="1">
+            <a:off x="1129665" y="1136650"/>
+            <a:ext cx="288925" cy="218440"/>
+          </a:xfrm>
+          <a:prstGeom prst="line">
+            <a:avLst/>
+          </a:prstGeom>
+          <a:ln w="6350">
+            <a:solidFill>
+              <a:srgbClr val="00FF00"/>
+            </a:solidFill>
+            <a:prstDash val="solid"/>
+            <a:tailEnd type="triangle" w="sm" len="sm"/>
+          </a:ln>
+        </p:spPr>
+        <p:style>
+          <a:lnRef idx="2">
+            <a:schemeClr val="accent1"/>
+          </a:lnRef>
+          <a:fillRef idx="0">
+            <a:srgbClr val="FFFFFF"/>
+          </a:fillRef>
+          <a:effectRef idx="0">
+            <a:srgbClr val="FFFFFF"/>
+          </a:effectRef>
+          <a:fontRef idx="minor">
+            <a:schemeClr val="tx1"/>
+          </a:fontRef>
+        </p:style>
+      </p:cxnSp>
+      <p:cxnSp>
+        <p:nvCxnSpPr>
+          <p:cNvPr id="15" name="直接箭头连接符 14"/>
+          <p:cNvCxnSpPr/>
+          <p:nvPr/>
+        </p:nvCxnSpPr>
+        <p:spPr>
+          <a:xfrm flipH="1" flipV="1">
+            <a:off x="1784350" y="313055"/>
+            <a:ext cx="281305" cy="193675"/>
+          </a:xfrm>
+          <a:prstGeom prst="straightConnector1">
+            <a:avLst/>
+          </a:prstGeom>
+          <a:ln w="12700">
+            <a:solidFill>
+              <a:srgbClr val="FF0000"/>
+            </a:solidFill>
+            <a:tailEnd type="triangle"/>
+          </a:ln>
+        </p:spPr>
+        <p:style>
+          <a:lnRef idx="2">
+            <a:schemeClr val="accent1"/>
+          </a:lnRef>
+          <a:fillRef idx="0">
+            <a:srgbClr val="FFFFFF"/>
+          </a:fillRef>
+          <a:effectRef idx="0">
+            <a:srgbClr val="FFFFFF"/>
+          </a:effectRef>
+          <a:fontRef idx="minor">
+            <a:schemeClr val="tx1"/>
+          </a:fontRef>
+        </p:style>
+      </p:cxnSp>
+      <p:cxnSp>
+        <p:nvCxnSpPr>
+          <p:cNvPr id="16" name="直接箭头连接符 15"/>
+          <p:cNvCxnSpPr/>
+          <p:nvPr/>
+        </p:nvCxnSpPr>
+        <p:spPr>
+          <a:xfrm flipV="1">
+            <a:off x="2061210" y="242570"/>
+            <a:ext cx="184150" cy="269240"/>
+          </a:xfrm>
+          <a:prstGeom prst="straightConnector1">
+            <a:avLst/>
+          </a:prstGeom>
+          <a:ln w="12700">
+            <a:solidFill>
+              <a:srgbClr val="FF0000"/>
+            </a:solidFill>
+            <a:tailEnd type="triangle"/>
+          </a:ln>
+        </p:spPr>
+        <p:style>
+          <a:lnRef idx="2">
+            <a:schemeClr val="accent1"/>
+          </a:lnRef>
+          <a:fillRef idx="0">
+            <a:srgbClr val="FFFFFF"/>
+          </a:fillRef>
+          <a:effectRef idx="0">
+            <a:srgbClr val="FFFFFF"/>
+          </a:effectRef>
+          <a:fontRef idx="minor">
+            <a:schemeClr val="tx1"/>
+          </a:fontRef>
+        </p:style>
+      </p:cxnSp>
+      <p:graphicFrame>
+        <p:nvGraphicFramePr>
+          <p:cNvPr id="18" name="对象 -2147482496"/>
+          <p:cNvGraphicFramePr>
+            <a:graphicFrameLocks noChangeAspect="1"/>
+          </p:cNvGraphicFramePr>
+          <p:nvPr/>
+        </p:nvGraphicFramePr>
+        <p:xfrm>
+          <a:off x="2179638" y="97790"/>
+          <a:ext cx="203200" cy="190500"/>
+        </p:xfrm>
+        <a:graphic>
+          <a:graphicData uri="http://schemas.openxmlformats.org/presentationml/2006/ole">
+            <mc:AlternateContent xmlns:mc="http://schemas.openxmlformats.org/markup-compatibility/2006">
+              <mc:Choice xmlns:v="urn:schemas-microsoft-com:vml" Requires="v">
+                <p:oleObj spid="_x0000_s3076" name="" r:id="rId10" imgW="203200" imgH="190500" progId="DSEquations">
+                  <p:embed/>
+                </p:oleObj>
+              </mc:Choice>
+              <mc:Fallback>
+                <p:oleObj name="" r:id="rId10" imgW="203200" imgH="190500" progId="DSEquations">
+                  <p:embed/>
+                  <p:pic>
+                    <p:nvPicPr>
+                      <p:cNvPr id="0" name="图片 3075"/>
+                      <p:cNvPicPr/>
+                      <p:nvPr/>
+                    </p:nvPicPr>
+                    <p:blipFill>
+                      <a:blip r:embed="rId11"/>
+                      <a:stretch>
+                        <a:fillRect/>
+                      </a:stretch>
+                    </p:blipFill>
+                    <p:spPr>
+                      <a:xfrm>
+                        <a:off x="2179638" y="97790"/>
+                        <a:ext cx="203200" cy="190500"/>
+                      </a:xfrm>
+                      <a:prstGeom prst="rect">
+                        <a:avLst/>
+                      </a:prstGeom>
+                      <a:noFill/>
+                      <a:ln w="38100">
+                        <a:noFill/>
+                        <a:miter/>
+                      </a:ln>
+                    </p:spPr>
+                  </p:pic>
+                </p:oleObj>
+              </mc:Fallback>
+            </mc:AlternateContent>
+          </a:graphicData>
+        </a:graphic>
+      </p:graphicFrame>
+      <p:graphicFrame>
+        <p:nvGraphicFramePr>
+          <p:cNvPr id="19" name="对象 -2147482496"/>
+          <p:cNvGraphicFramePr>
+            <a:graphicFrameLocks noChangeAspect="1"/>
+          </p:cNvGraphicFramePr>
+          <p:nvPr/>
+        </p:nvGraphicFramePr>
+        <p:xfrm>
+          <a:off x="1631315" y="266065"/>
+          <a:ext cx="152400" cy="190500"/>
+        </p:xfrm>
+        <a:graphic>
+          <a:graphicData uri="http://schemas.openxmlformats.org/presentationml/2006/ole">
+            <mc:AlternateContent xmlns:mc="http://schemas.openxmlformats.org/markup-compatibility/2006">
+              <mc:Choice xmlns:v="urn:schemas-microsoft-com:vml" Requires="v">
+                <p:oleObj spid="_x0000_s20" name="" r:id="rId12" imgW="152400" imgH="190500" progId="DSEquations">
+                  <p:embed/>
+                </p:oleObj>
+              </mc:Choice>
+              <mc:Fallback>
+                <p:oleObj name="" r:id="rId12" imgW="152400" imgH="190500" progId="DSEquations">
+                  <p:embed/>
+                  <p:pic>
+                    <p:nvPicPr>
+                      <p:cNvPr id="0" name="图片 3075"/>
+                      <p:cNvPicPr/>
+                      <p:nvPr/>
+                    </p:nvPicPr>
+                    <p:blipFill>
+                      <a:blip r:embed="rId13"/>
+                      <a:stretch>
+                        <a:fillRect/>
+                      </a:stretch>
+                    </p:blipFill>
+                    <p:spPr>
+                      <a:xfrm>
+                        <a:off x="1631315" y="266065"/>
+                        <a:ext cx="152400" cy="190500"/>
+                      </a:xfrm>
+                      <a:prstGeom prst="rect">
+                        <a:avLst/>
+                      </a:prstGeom>
+                      <a:noFill/>
+                      <a:ln w="38100">
+                        <a:noFill/>
+                        <a:miter/>
+                      </a:ln>
+                    </p:spPr>
+                  </p:pic>
+                </p:oleObj>
+              </mc:Fallback>
+            </mc:AlternateContent>
+          </a:graphicData>
+        </a:graphic>
+      </p:graphicFrame>
+      <p:graphicFrame>
+        <p:nvGraphicFramePr>
+          <p:cNvPr id="39" name="对象 -2147482496"/>
+          <p:cNvGraphicFramePr>
+            <a:graphicFrameLocks noChangeAspect="1"/>
+          </p:cNvGraphicFramePr>
+          <p:nvPr/>
+        </p:nvGraphicFramePr>
+        <p:xfrm>
+          <a:off x="1259523" y="1023620"/>
+          <a:ext cx="139700" cy="190500"/>
+        </p:xfrm>
+        <a:graphic>
+          <a:graphicData uri="http://schemas.openxmlformats.org/presentationml/2006/ole">
+            <mc:AlternateContent xmlns:mc="http://schemas.openxmlformats.org/markup-compatibility/2006">
+              <mc:Choice xmlns:v="urn:schemas-microsoft-com:vml" Requires="v">
+                <p:oleObj spid="_x0000_s40" name="" r:id="rId14" imgW="139700" imgH="190500" progId="DSEquations">
+                  <p:embed/>
+                </p:oleObj>
+              </mc:Choice>
+              <mc:Fallback>
+                <p:oleObj name="" r:id="rId14" imgW="139700" imgH="190500" progId="DSEquations">
+                  <p:embed/>
+                  <p:pic>
+                    <p:nvPicPr>
+                      <p:cNvPr id="0" name="图片 3075"/>
+                      <p:cNvPicPr/>
+                      <p:nvPr/>
+                    </p:nvPicPr>
+                    <p:blipFill>
+                      <a:blip r:embed="rId15"/>
+                      <a:stretch>
+                        <a:fillRect/>
+                      </a:stretch>
+                    </p:blipFill>
+                    <p:spPr>
+                      <a:xfrm>
+                        <a:off x="1259523" y="1023620"/>
+                        <a:ext cx="139700" cy="190500"/>
+                      </a:xfrm>
+                      <a:prstGeom prst="rect">
+                        <a:avLst/>
+                      </a:prstGeom>
+                      <a:noFill/>
+                      <a:ln w="38100">
+                        <a:noFill/>
+                        <a:miter/>
+                      </a:ln>
+                    </p:spPr>
+                  </p:pic>
+                </p:oleObj>
+              </mc:Fallback>
+            </mc:AlternateContent>
+          </a:graphicData>
+        </a:graphic>
+      </p:graphicFrame>
+    </p:spTree>
+    <p:custDataLst>
+      <p:tags r:id="rId16"/>
     </p:custDataLst>
   </p:cSld>
   <p:clrMapOvr>
@@ -7671,6 +10991,22 @@
 </p:tagLst>
 </file>
 
+<file path=ppt/tags/tag67.xml><?xml version="1.0" encoding="utf-8"?>
+<p:tagLst xmlns:p="http://schemas.openxmlformats.org/presentationml/2006/main">
+  <p:tag name="KSO_WM_BEAUTIFY_FLAG" val="#wm#"/>
+  <p:tag name="KSO_WM_TEMPLATE_CATEGORY" val="custom"/>
+  <p:tag name="KSO_WM_TEMPLATE_INDEX" val="20205081"/>
+</p:tagLst>
+</file>
+
+<file path=ppt/tags/tag68.xml><?xml version="1.0" encoding="utf-8"?>
+<p:tagLst xmlns:p="http://schemas.openxmlformats.org/presentationml/2006/main">
+  <p:tag name="KSO_WM_BEAUTIFY_FLAG" val="#wm#"/>
+  <p:tag name="KSO_WM_TEMPLATE_CATEGORY" val="custom"/>
+  <p:tag name="KSO_WM_TEMPLATE_INDEX" val="20205081"/>
+</p:tagLst>
+</file>
+
 <file path=ppt/tags/tag7.xml><?xml version="1.0" encoding="utf-8"?>
 <p:tagLst xmlns:p="http://schemas.openxmlformats.org/presentationml/2006/main">
   <p:tag name="KSO_WM_UNIT_HIGHLIGHT" val="0"/>

--- a/Fig/坐标系.pptx
+++ b/Fig/坐标系.pptx
@@ -5,12 +5,10 @@
     <p:sldMasterId id="2147483648" r:id="rId1"/>
   </p:sldMasterIdLst>
   <p:sldIdLst>
-    <p:sldId id="256" r:id="rId3"/>
-    <p:sldId id="257" r:id="rId4"/>
-    <p:sldId id="258" r:id="rId5"/>
-    <p:sldId id="259" r:id="rId6"/>
-    <p:sldId id="260" r:id="rId7"/>
-    <p:sldId id="261" r:id="rId8"/>
+    <p:sldId id="257" r:id="rId3"/>
+    <p:sldId id="258" r:id="rId4"/>
+    <p:sldId id="259" r:id="rId5"/>
+    <p:sldId id="260" r:id="rId6"/>
   </p:sldIdLst>
   <p:sldSz cx="2519680" cy="2519680"/>
   <p:notesSz cx="6858000" cy="9144000"/>
@@ -3076,965 +3074,6 @@
         <p:cNvGrpSpPr/>
         <p:nvPr/>
       </p:nvGrpSpPr>
-      <p:grpSpPr>
-        <a:xfrm>
-          <a:off x="0" y="0"/>
-          <a:ext cx="0" cy="0"/>
-          <a:chOff x="0" y="0"/>
-          <a:chExt cx="0" cy="0"/>
-        </a:xfrm>
-      </p:grpSpPr>
-      <p:pic>
-        <p:nvPicPr>
-          <p:cNvPr id="4" name="图片 3"/>
-          <p:cNvPicPr>
-            <a:picLocks noChangeAspect="1"/>
-          </p:cNvPicPr>
-          <p:nvPr/>
-        </p:nvPicPr>
-        <p:blipFill>
-          <a:blip r:embed="rId1"/>
-          <a:stretch>
-            <a:fillRect/>
-          </a:stretch>
-        </p:blipFill>
-        <p:spPr>
-          <a:xfrm>
-            <a:off x="-1604849" y="-1221173"/>
-            <a:ext cx="4707020" cy="4605384"/>
-          </a:xfrm>
-          <a:prstGeom prst="rect">
-            <a:avLst/>
-          </a:prstGeom>
-        </p:spPr>
-      </p:pic>
-      <p:cxnSp>
-        <p:nvCxnSpPr>
-          <p:cNvPr id="5" name="直接箭头连接符 4"/>
-          <p:cNvCxnSpPr/>
-          <p:nvPr/>
-        </p:nvCxnSpPr>
-        <p:spPr>
-          <a:xfrm flipH="1">
-            <a:off x="1173626" y="-392839"/>
-            <a:ext cx="940134" cy="25409"/>
-          </a:xfrm>
-          <a:prstGeom prst="straightConnector1">
-            <a:avLst/>
-          </a:prstGeom>
-          <a:ln w="31750" cap="rnd">
-            <a:solidFill>
-              <a:schemeClr val="accent1"/>
-            </a:solidFill>
-            <a:round/>
-            <a:tailEnd type="arrow" w="med" len="med"/>
-          </a:ln>
-        </p:spPr>
-        <p:style>
-          <a:lnRef idx="0">
-            <a:srgbClr val="FFFFFF"/>
-          </a:lnRef>
-          <a:fillRef idx="0">
-            <a:srgbClr val="FFFFFF"/>
-          </a:fillRef>
-          <a:effectRef idx="0">
-            <a:srgbClr val="FFFFFF"/>
-          </a:effectRef>
-          <a:fontRef idx="minor">
-            <a:schemeClr val="tx1"/>
-          </a:fontRef>
-        </p:style>
-      </p:cxnSp>
-      <p:cxnSp>
-        <p:nvCxnSpPr>
-          <p:cNvPr id="6" name="直接箭头连接符 5"/>
-          <p:cNvCxnSpPr/>
-          <p:nvPr/>
-        </p:nvCxnSpPr>
-        <p:spPr>
-          <a:xfrm>
-            <a:off x="-802560" y="355456"/>
-            <a:ext cx="1208834" cy="25409"/>
-          </a:xfrm>
-          <a:prstGeom prst="straightConnector1">
-            <a:avLst/>
-          </a:prstGeom>
-          <a:ln w="31750" cap="rnd">
-            <a:solidFill>
-              <a:schemeClr val="accent1"/>
-            </a:solidFill>
-            <a:round/>
-            <a:tailEnd type="arrow" w="med" len="med"/>
-          </a:ln>
-        </p:spPr>
-        <p:style>
-          <a:lnRef idx="0">
-            <a:srgbClr val="FFFFFF"/>
-          </a:lnRef>
-          <a:fillRef idx="0">
-            <a:srgbClr val="FFFFFF"/>
-          </a:fillRef>
-          <a:effectRef idx="0">
-            <a:srgbClr val="FFFFFF"/>
-          </a:effectRef>
-          <a:fontRef idx="minor">
-            <a:schemeClr val="tx1"/>
-          </a:fontRef>
-        </p:style>
-      </p:cxnSp>
-      <p:cxnSp>
-        <p:nvCxnSpPr>
-          <p:cNvPr id="7" name="直接箭头连接符 6"/>
-          <p:cNvCxnSpPr/>
-          <p:nvPr/>
-        </p:nvCxnSpPr>
-        <p:spPr>
-          <a:xfrm flipH="1">
-            <a:off x="1039594" y="547294"/>
-            <a:ext cx="978247" cy="370972"/>
-          </a:xfrm>
-          <a:prstGeom prst="straightConnector1">
-            <a:avLst/>
-          </a:prstGeom>
-          <a:ln w="31750" cap="rnd">
-            <a:solidFill>
-              <a:schemeClr val="accent1"/>
-            </a:solidFill>
-            <a:round/>
-            <a:tailEnd type="arrow" w="med" len="med"/>
-          </a:ln>
-        </p:spPr>
-        <p:style>
-          <a:lnRef idx="0">
-            <a:srgbClr val="FFFFFF"/>
-          </a:lnRef>
-          <a:fillRef idx="0">
-            <a:srgbClr val="FFFFFF"/>
-          </a:fillRef>
-          <a:effectRef idx="0">
-            <a:srgbClr val="FFFFFF"/>
-          </a:effectRef>
-          <a:fontRef idx="minor">
-            <a:schemeClr val="tx1"/>
-          </a:fontRef>
-        </p:style>
-      </p:cxnSp>
-      <p:cxnSp>
-        <p:nvCxnSpPr>
-          <p:cNvPr id="8" name="直接箭头连接符 7"/>
-          <p:cNvCxnSpPr/>
-          <p:nvPr/>
-        </p:nvCxnSpPr>
-        <p:spPr>
-          <a:xfrm flipV="1">
-            <a:off x="-1083329" y="1314646"/>
-            <a:ext cx="1170085" cy="12705"/>
-          </a:xfrm>
-          <a:prstGeom prst="straightConnector1">
-            <a:avLst/>
-          </a:prstGeom>
-          <a:ln w="31750" cap="rnd">
-            <a:solidFill>
-              <a:schemeClr val="accent1"/>
-            </a:solidFill>
-            <a:round/>
-            <a:tailEnd type="arrow" w="med" len="med"/>
-          </a:ln>
-        </p:spPr>
-        <p:style>
-          <a:lnRef idx="0">
-            <a:srgbClr val="FFFFFF"/>
-          </a:lnRef>
-          <a:fillRef idx="0">
-            <a:srgbClr val="FFFFFF"/>
-          </a:fillRef>
-          <a:effectRef idx="0">
-            <a:srgbClr val="FFFFFF"/>
-          </a:effectRef>
-          <a:fontRef idx="minor">
-            <a:schemeClr val="tx1"/>
-          </a:fontRef>
-        </p:style>
-      </p:cxnSp>
-      <p:cxnSp>
-        <p:nvCxnSpPr>
-          <p:cNvPr id="9" name="直接箭头连接符 8"/>
-          <p:cNvCxnSpPr/>
-          <p:nvPr/>
-        </p:nvCxnSpPr>
-        <p:spPr>
-          <a:xfrm flipH="1">
-            <a:off x="1487428" y="2071200"/>
-            <a:ext cx="1290778" cy="21598"/>
-          </a:xfrm>
-          <a:prstGeom prst="straightConnector1">
-            <a:avLst/>
-          </a:prstGeom>
-          <a:ln w="31750" cap="rnd">
-            <a:solidFill>
-              <a:schemeClr val="accent1"/>
-            </a:solidFill>
-            <a:round/>
-            <a:tailEnd type="arrow" w="med" len="med"/>
-          </a:ln>
-        </p:spPr>
-        <p:style>
-          <a:lnRef idx="0">
-            <a:srgbClr val="FFFFFF"/>
-          </a:lnRef>
-          <a:fillRef idx="0">
-            <a:srgbClr val="FFFFFF"/>
-          </a:fillRef>
-          <a:effectRef idx="0">
-            <a:srgbClr val="FFFFFF"/>
-          </a:effectRef>
-          <a:fontRef idx="minor">
-            <a:schemeClr val="tx1"/>
-          </a:fontRef>
-        </p:style>
-      </p:cxnSp>
-      <p:cxnSp>
-        <p:nvCxnSpPr>
-          <p:cNvPr id="10" name="直接箭头连接符 9"/>
-          <p:cNvCxnSpPr/>
-          <p:nvPr/>
-        </p:nvCxnSpPr>
-        <p:spPr>
-          <a:xfrm flipH="1">
-            <a:off x="1977822" y="1371817"/>
-            <a:ext cx="995398" cy="35573"/>
-          </a:xfrm>
-          <a:prstGeom prst="straightConnector1">
-            <a:avLst/>
-          </a:prstGeom>
-          <a:ln w="28575" cmpd="sng">
-            <a:solidFill>
-              <a:schemeClr val="accent1">
-                <a:shade val="50000"/>
-              </a:schemeClr>
-            </a:solidFill>
-            <a:prstDash val="solid"/>
-            <a:tailEnd type="arrow"/>
-          </a:ln>
-        </p:spPr>
-        <p:style>
-          <a:lnRef idx="2">
-            <a:schemeClr val="accent1"/>
-          </a:lnRef>
-          <a:fillRef idx="0">
-            <a:srgbClr val="FFFFFF"/>
-          </a:fillRef>
-          <a:effectRef idx="0">
-            <a:srgbClr val="FFFFFF"/>
-          </a:effectRef>
-          <a:fontRef idx="minor">
-            <a:schemeClr val="tx1"/>
-          </a:fontRef>
-        </p:style>
-      </p:cxnSp>
-      <p:cxnSp>
-        <p:nvCxnSpPr>
-          <p:cNvPr id="11" name="直接箭头连接符 10"/>
-          <p:cNvCxnSpPr/>
-          <p:nvPr/>
-        </p:nvCxnSpPr>
-        <p:spPr>
-          <a:xfrm flipV="1">
-            <a:off x="-1548949" y="2539996"/>
-            <a:ext cx="893762" cy="223599"/>
-          </a:xfrm>
-          <a:prstGeom prst="straightConnector1">
-            <a:avLst/>
-          </a:prstGeom>
-          <a:ln w="28575" cmpd="sng">
-            <a:solidFill>
-              <a:schemeClr val="accent1">
-                <a:shade val="50000"/>
-              </a:schemeClr>
-            </a:solidFill>
-            <a:prstDash val="solid"/>
-            <a:tailEnd type="arrow"/>
-          </a:ln>
-        </p:spPr>
-        <p:style>
-          <a:lnRef idx="2">
-            <a:schemeClr val="accent1"/>
-          </a:lnRef>
-          <a:fillRef idx="0">
-            <a:srgbClr val="FFFFFF"/>
-          </a:fillRef>
-          <a:effectRef idx="0">
-            <a:srgbClr val="FFFFFF"/>
-          </a:effectRef>
-          <a:fontRef idx="minor">
-            <a:schemeClr val="tx1"/>
-          </a:fontRef>
-        </p:style>
-      </p:cxnSp>
-      <p:cxnSp>
-        <p:nvCxnSpPr>
-          <p:cNvPr id="12" name="直接箭头连接符 11"/>
-          <p:cNvCxnSpPr/>
-          <p:nvPr/>
-        </p:nvCxnSpPr>
-        <p:spPr>
-          <a:xfrm flipH="1" flipV="1">
-            <a:off x="1718014" y="2763595"/>
-            <a:ext cx="1478805" cy="14610"/>
-          </a:xfrm>
-          <a:prstGeom prst="straightConnector1">
-            <a:avLst/>
-          </a:prstGeom>
-          <a:ln w="28575" cmpd="sng">
-            <a:solidFill>
-              <a:schemeClr val="accent1">
-                <a:shade val="50000"/>
-              </a:schemeClr>
-            </a:solidFill>
-            <a:prstDash val="solid"/>
-            <a:tailEnd type="arrow"/>
-          </a:ln>
-        </p:spPr>
-        <p:style>
-          <a:lnRef idx="2">
-            <a:schemeClr val="accent1"/>
-          </a:lnRef>
-          <a:fillRef idx="0">
-            <a:srgbClr val="FFFFFF"/>
-          </a:fillRef>
-          <a:effectRef idx="0">
-            <a:srgbClr val="FFFFFF"/>
-          </a:effectRef>
-          <a:fontRef idx="minor">
-            <a:schemeClr val="tx1"/>
-          </a:fontRef>
-        </p:style>
-      </p:cxnSp>
-      <p:sp>
-        <p:nvSpPr>
-          <p:cNvPr id="13" name="文本框 12"/>
-          <p:cNvSpPr txBox="1"/>
-          <p:nvPr/>
-        </p:nvSpPr>
-        <p:spPr>
-          <a:xfrm>
-            <a:off x="2186811" y="-626602"/>
-            <a:ext cx="1441962" cy="368300"/>
-          </a:xfrm>
-          <a:prstGeom prst="rect">
-            <a:avLst/>
-          </a:prstGeom>
-          <a:solidFill>
-            <a:schemeClr val="accent6"/>
-          </a:solidFill>
-        </p:spPr>
-        <p:txBody>
-          <a:bodyPr wrap="square" rtlCol="0">
-            <a:spAutoFit/>
-            <a:scene3d>
-              <a:camera prst="orthographicFront"/>
-              <a:lightRig rig="threePt" dir="t"/>
-            </a:scene3d>
-          </a:bodyPr>
-          <a:p>
-            <a:r>
-              <a:rPr lang="zh-CN" altLang="en-US">
-                <a:solidFill>
-                  <a:schemeClr val="bg1"/>
-                </a:solidFill>
-                <a:effectLst>
-                  <a:outerShdw blurRad="38100" dist="25400" dir="5400000" algn="ctr" rotWithShape="0">
-                    <a:srgbClr val="6E747A">
-                      <a:alpha val="43000"/>
-                    </a:srgbClr>
-                  </a:outerShdw>
-                </a:effectLst>
-              </a:rPr>
-              <a:t>上部电子仓</a:t>
-            </a:r>
-            <a:endParaRPr lang="zh-CN" altLang="en-US">
-              <a:solidFill>
-                <a:schemeClr val="bg1"/>
-              </a:solidFill>
-              <a:effectLst>
-                <a:outerShdw blurRad="38100" dist="25400" dir="5400000" algn="ctr" rotWithShape="0">
-                  <a:srgbClr val="6E747A">
-                    <a:alpha val="43000"/>
-                  </a:srgbClr>
-                </a:outerShdw>
-              </a:effectLst>
-            </a:endParaRPr>
-          </a:p>
-        </p:txBody>
-      </p:sp>
-      <p:sp>
-        <p:nvSpPr>
-          <p:cNvPr id="14" name="文本框 13"/>
-          <p:cNvSpPr txBox="1"/>
-          <p:nvPr/>
-        </p:nvSpPr>
-        <p:spPr>
-          <a:xfrm>
-            <a:off x="-1494320" y="178863"/>
-            <a:ext cx="691760" cy="368300"/>
-          </a:xfrm>
-          <a:prstGeom prst="rect">
-            <a:avLst/>
-          </a:prstGeom>
-          <a:solidFill>
-            <a:schemeClr val="accent6"/>
-          </a:solidFill>
-        </p:spPr>
-        <p:txBody>
-          <a:bodyPr wrap="square" rtlCol="0">
-            <a:spAutoFit/>
-            <a:scene3d>
-              <a:camera prst="orthographicFront"/>
-              <a:lightRig rig="threePt" dir="t"/>
-            </a:scene3d>
-          </a:bodyPr>
-          <a:p>
-            <a:r>
-              <a:rPr lang="zh-CN" altLang="en-US">
-                <a:solidFill>
-                  <a:schemeClr val="bg1"/>
-                </a:solidFill>
-                <a:effectLst>
-                  <a:outerShdw blurRad="38100" dist="25400" dir="5400000" algn="ctr" rotWithShape="0">
-                    <a:srgbClr val="6E747A">
-                      <a:alpha val="43000"/>
-                    </a:srgbClr>
-                  </a:outerShdw>
-                </a:effectLst>
-              </a:rPr>
-              <a:t>电池</a:t>
-            </a:r>
-            <a:endParaRPr lang="zh-CN" altLang="en-US">
-              <a:solidFill>
-                <a:schemeClr val="bg1"/>
-              </a:solidFill>
-              <a:effectLst>
-                <a:outerShdw blurRad="38100" dist="25400" dir="5400000" algn="ctr" rotWithShape="0">
-                  <a:srgbClr val="6E747A">
-                    <a:alpha val="43000"/>
-                  </a:srgbClr>
-                </a:outerShdw>
-              </a:effectLst>
-            </a:endParaRPr>
-          </a:p>
-        </p:txBody>
-      </p:sp>
-      <p:sp>
-        <p:nvSpPr>
-          <p:cNvPr id="15" name="文本框 14"/>
-          <p:cNvSpPr txBox="1"/>
-          <p:nvPr/>
-        </p:nvSpPr>
-        <p:spPr>
-          <a:xfrm>
-            <a:off x="2068659" y="339575"/>
-            <a:ext cx="1441962" cy="368300"/>
-          </a:xfrm>
-          <a:prstGeom prst="rect">
-            <a:avLst/>
-          </a:prstGeom>
-          <a:solidFill>
-            <a:schemeClr val="accent6"/>
-          </a:solidFill>
-        </p:spPr>
-        <p:txBody>
-          <a:bodyPr wrap="square" rtlCol="0">
-            <a:spAutoFit/>
-            <a:scene3d>
-              <a:camera prst="orthographicFront"/>
-              <a:lightRig rig="threePt" dir="t"/>
-            </a:scene3d>
-          </a:bodyPr>
-          <a:p>
-            <a:r>
-              <a:rPr lang="zh-CN" altLang="en-US">
-                <a:solidFill>
-                  <a:schemeClr val="bg1"/>
-                </a:solidFill>
-                <a:effectLst>
-                  <a:outerShdw blurRad="38100" dist="25400" dir="5400000" algn="ctr" rotWithShape="0">
-                    <a:srgbClr val="6E747A">
-                      <a:alpha val="43000"/>
-                    </a:srgbClr>
-                  </a:outerShdw>
-                </a:effectLst>
-              </a:rPr>
-              <a:t>电调、电机</a:t>
-            </a:r>
-            <a:endParaRPr lang="zh-CN" altLang="en-US">
-              <a:solidFill>
-                <a:schemeClr val="bg1"/>
-              </a:solidFill>
-              <a:effectLst>
-                <a:outerShdw blurRad="38100" dist="25400" dir="5400000" algn="ctr" rotWithShape="0">
-                  <a:srgbClr val="6E747A">
-                    <a:alpha val="43000"/>
-                  </a:srgbClr>
-                </a:outerShdw>
-              </a:effectLst>
-            </a:endParaRPr>
-          </a:p>
-        </p:txBody>
-      </p:sp>
-      <p:cxnSp>
-        <p:nvCxnSpPr>
-          <p:cNvPr id="16" name="直接箭头连接符 15"/>
-          <p:cNvCxnSpPr/>
-          <p:nvPr/>
-        </p:nvCxnSpPr>
-        <p:spPr>
-          <a:xfrm flipV="1">
-            <a:off x="-438576" y="2525386"/>
-            <a:ext cx="1117997" cy="1031606"/>
-          </a:xfrm>
-          <a:prstGeom prst="straightConnector1">
-            <a:avLst/>
-          </a:prstGeom>
-          <a:ln w="28575" cmpd="sng">
-            <a:solidFill>
-              <a:schemeClr val="accent1">
-                <a:shade val="50000"/>
-              </a:schemeClr>
-            </a:solidFill>
-            <a:prstDash val="solid"/>
-            <a:tailEnd type="arrow"/>
-          </a:ln>
-        </p:spPr>
-        <p:style>
-          <a:lnRef idx="2">
-            <a:schemeClr val="accent1"/>
-          </a:lnRef>
-          <a:fillRef idx="0">
-            <a:srgbClr val="FFFFFF"/>
-          </a:fillRef>
-          <a:effectRef idx="0">
-            <a:srgbClr val="FFFFFF"/>
-          </a:effectRef>
-          <a:fontRef idx="minor">
-            <a:schemeClr val="tx1"/>
-          </a:fontRef>
-        </p:style>
-      </p:cxnSp>
-      <p:sp>
-        <p:nvSpPr>
-          <p:cNvPr id="17" name="文本框 16"/>
-          <p:cNvSpPr txBox="1"/>
-          <p:nvPr/>
-        </p:nvSpPr>
-        <p:spPr>
-          <a:xfrm>
-            <a:off x="-1977727" y="1136783"/>
-            <a:ext cx="894397" cy="368300"/>
-          </a:xfrm>
-          <a:prstGeom prst="rect">
-            <a:avLst/>
-          </a:prstGeom>
-          <a:solidFill>
-            <a:schemeClr val="accent6"/>
-          </a:solidFill>
-        </p:spPr>
-        <p:txBody>
-          <a:bodyPr wrap="square" rtlCol="0">
-            <a:spAutoFit/>
-            <a:scene3d>
-              <a:camera prst="orthographicFront"/>
-              <a:lightRig rig="threePt" dir="t"/>
-            </a:scene3d>
-          </a:bodyPr>
-          <a:p>
-            <a:r>
-              <a:rPr lang="zh-CN" altLang="en-US">
-                <a:solidFill>
-                  <a:schemeClr val="bg1"/>
-                </a:solidFill>
-                <a:effectLst>
-                  <a:outerShdw blurRad="38100" dist="25400" dir="5400000" algn="ctr" rotWithShape="0">
-                    <a:srgbClr val="6E747A">
-                      <a:alpha val="43000"/>
-                    </a:srgbClr>
-                  </a:outerShdw>
-                </a:effectLst>
-              </a:rPr>
-              <a:t>螺旋桨</a:t>
-            </a:r>
-            <a:endParaRPr lang="zh-CN" altLang="en-US">
-              <a:solidFill>
-                <a:schemeClr val="bg1"/>
-              </a:solidFill>
-              <a:effectLst>
-                <a:outerShdw blurRad="38100" dist="25400" dir="5400000" algn="ctr" rotWithShape="0">
-                  <a:srgbClr val="6E747A">
-                    <a:alpha val="43000"/>
-                  </a:srgbClr>
-                </a:outerShdw>
-              </a:effectLst>
-            </a:endParaRPr>
-          </a:p>
-        </p:txBody>
-      </p:sp>
-      <p:sp>
-        <p:nvSpPr>
-          <p:cNvPr id="18" name="文本框 17"/>
-          <p:cNvSpPr txBox="1"/>
-          <p:nvPr/>
-        </p:nvSpPr>
-        <p:spPr>
-          <a:xfrm>
-            <a:off x="2973220" y="1136783"/>
-            <a:ext cx="887410" cy="368300"/>
-          </a:xfrm>
-          <a:prstGeom prst="rect">
-            <a:avLst/>
-          </a:prstGeom>
-          <a:solidFill>
-            <a:schemeClr val="accent6"/>
-          </a:solidFill>
-        </p:spPr>
-        <p:txBody>
-          <a:bodyPr wrap="square" rtlCol="0">
-            <a:spAutoFit/>
-            <a:scene3d>
-              <a:camera prst="orthographicFront"/>
-              <a:lightRig rig="threePt" dir="t"/>
-            </a:scene3d>
-          </a:bodyPr>
-          <a:p>
-            <a:r>
-              <a:rPr lang="zh-CN" altLang="en-US">
-                <a:solidFill>
-                  <a:schemeClr val="bg1"/>
-                </a:solidFill>
-                <a:effectLst>
-                  <a:outerShdw blurRad="38100" dist="25400" dir="5400000" algn="ctr" rotWithShape="0">
-                    <a:srgbClr val="6E747A">
-                      <a:alpha val="43000"/>
-                    </a:srgbClr>
-                  </a:outerShdw>
-                </a:effectLst>
-              </a:rPr>
-              <a:t>涵道体</a:t>
-            </a:r>
-            <a:endParaRPr lang="zh-CN" altLang="en-US">
-              <a:solidFill>
-                <a:schemeClr val="bg1"/>
-              </a:solidFill>
-              <a:effectLst>
-                <a:outerShdw blurRad="38100" dist="25400" dir="5400000" algn="ctr" rotWithShape="0">
-                  <a:srgbClr val="6E747A">
-                    <a:alpha val="43000"/>
-                  </a:srgbClr>
-                </a:outerShdw>
-              </a:effectLst>
-            </a:endParaRPr>
-          </a:p>
-        </p:txBody>
-      </p:sp>
-      <p:sp>
-        <p:nvSpPr>
-          <p:cNvPr id="19" name="文本框 18"/>
-          <p:cNvSpPr txBox="1"/>
-          <p:nvPr/>
-        </p:nvSpPr>
-        <p:spPr>
-          <a:xfrm>
-            <a:off x="2778206" y="1900959"/>
-            <a:ext cx="901385" cy="368300"/>
-          </a:xfrm>
-          <a:prstGeom prst="rect">
-            <a:avLst/>
-          </a:prstGeom>
-          <a:solidFill>
-            <a:schemeClr val="accent6"/>
-          </a:solidFill>
-        </p:spPr>
-        <p:txBody>
-          <a:bodyPr wrap="square" rtlCol="0">
-            <a:spAutoFit/>
-            <a:scene3d>
-              <a:camera prst="orthographicFront"/>
-              <a:lightRig rig="threePt" dir="t"/>
-            </a:scene3d>
-          </a:bodyPr>
-          <a:p>
-            <a:r>
-              <a:rPr lang="zh-CN" altLang="en-US">
-                <a:solidFill>
-                  <a:schemeClr val="bg1"/>
-                </a:solidFill>
-                <a:effectLst>
-                  <a:outerShdw blurRad="38100" dist="25400" dir="5400000" algn="ctr" rotWithShape="0">
-                    <a:srgbClr val="6E747A">
-                      <a:alpha val="43000"/>
-                    </a:srgbClr>
-                  </a:outerShdw>
-                </a:effectLst>
-              </a:rPr>
-              <a:t>固定片</a:t>
-            </a:r>
-            <a:endParaRPr lang="zh-CN" altLang="en-US">
-              <a:solidFill>
-                <a:schemeClr val="bg1"/>
-              </a:solidFill>
-              <a:effectLst>
-                <a:outerShdw blurRad="38100" dist="25400" dir="5400000" algn="ctr" rotWithShape="0">
-                  <a:srgbClr val="6E747A">
-                    <a:alpha val="43000"/>
-                  </a:srgbClr>
-                </a:outerShdw>
-              </a:effectLst>
-            </a:endParaRPr>
-          </a:p>
-        </p:txBody>
-      </p:sp>
-      <p:sp>
-        <p:nvSpPr>
-          <p:cNvPr id="20" name="文本框 19"/>
-          <p:cNvSpPr txBox="1"/>
-          <p:nvPr/>
-        </p:nvSpPr>
-        <p:spPr>
-          <a:xfrm>
-            <a:off x="-2457957" y="2587003"/>
-            <a:ext cx="909007" cy="368300"/>
-          </a:xfrm>
-          <a:prstGeom prst="rect">
-            <a:avLst/>
-          </a:prstGeom>
-          <a:solidFill>
-            <a:schemeClr val="accent6"/>
-          </a:solidFill>
-        </p:spPr>
-        <p:txBody>
-          <a:bodyPr wrap="square" rtlCol="0">
-            <a:spAutoFit/>
-            <a:scene3d>
-              <a:camera prst="orthographicFront"/>
-              <a:lightRig rig="threePt" dir="t"/>
-            </a:scene3d>
-          </a:bodyPr>
-          <a:p>
-            <a:r>
-              <a:rPr lang="zh-CN" altLang="en-US">
-                <a:solidFill>
-                  <a:schemeClr val="bg1"/>
-                </a:solidFill>
-                <a:effectLst>
-                  <a:outerShdw blurRad="38100" dist="25400" dir="5400000" algn="ctr" rotWithShape="0">
-                    <a:srgbClr val="6E747A">
-                      <a:alpha val="43000"/>
-                    </a:srgbClr>
-                  </a:outerShdw>
-                </a:effectLst>
-              </a:rPr>
-              <a:t>起降架</a:t>
-            </a:r>
-            <a:endParaRPr lang="en-US" altLang="zh-CN">
-              <a:solidFill>
-                <a:schemeClr val="bg1"/>
-              </a:solidFill>
-              <a:effectLst>
-                <a:outerShdw blurRad="38100" dist="25400" dir="5400000" algn="ctr" rotWithShape="0">
-                  <a:srgbClr val="6E747A">
-                    <a:alpha val="43000"/>
-                  </a:srgbClr>
-                </a:outerShdw>
-              </a:effectLst>
-            </a:endParaRPr>
-          </a:p>
-        </p:txBody>
-      </p:sp>
-      <p:sp>
-        <p:nvSpPr>
-          <p:cNvPr id="21" name="文本框 20"/>
-          <p:cNvSpPr txBox="1"/>
-          <p:nvPr/>
-        </p:nvSpPr>
-        <p:spPr>
-          <a:xfrm>
-            <a:off x="-1143676" y="3556992"/>
-            <a:ext cx="1441962" cy="368300"/>
-          </a:xfrm>
-          <a:prstGeom prst="rect">
-            <a:avLst/>
-          </a:prstGeom>
-          <a:solidFill>
-            <a:schemeClr val="accent6"/>
-          </a:solidFill>
-        </p:spPr>
-        <p:txBody>
-          <a:bodyPr wrap="square" rtlCol="0">
-            <a:spAutoFit/>
-            <a:scene3d>
-              <a:camera prst="orthographicFront"/>
-              <a:lightRig rig="threePt" dir="t"/>
-            </a:scene3d>
-          </a:bodyPr>
-          <a:p>
-            <a:r>
-              <a:rPr lang="zh-CN" altLang="en-US">
-                <a:solidFill>
-                  <a:schemeClr val="bg1"/>
-                </a:solidFill>
-                <a:effectLst>
-                  <a:outerShdw blurRad="38100" dist="25400" dir="5400000" algn="ctr" rotWithShape="0">
-                    <a:srgbClr val="6E747A">
-                      <a:alpha val="43000"/>
-                    </a:srgbClr>
-                  </a:outerShdw>
-                </a:effectLst>
-              </a:rPr>
-              <a:t>下部电子仓</a:t>
-            </a:r>
-            <a:endParaRPr lang="zh-CN" altLang="en-US">
-              <a:solidFill>
-                <a:schemeClr val="bg1"/>
-              </a:solidFill>
-              <a:effectLst>
-                <a:outerShdw blurRad="38100" dist="25400" dir="5400000" algn="ctr" rotWithShape="0">
-                  <a:srgbClr val="6E747A">
-                    <a:alpha val="43000"/>
-                  </a:srgbClr>
-                </a:outerShdw>
-              </a:effectLst>
-            </a:endParaRPr>
-          </a:p>
-        </p:txBody>
-      </p:sp>
-      <p:sp>
-        <p:nvSpPr>
-          <p:cNvPr id="22" name="文本框 21"/>
-          <p:cNvSpPr txBox="1"/>
-          <p:nvPr/>
-        </p:nvSpPr>
-        <p:spPr>
-          <a:xfrm>
-            <a:off x="3196819" y="2587003"/>
-            <a:ext cx="1131972" cy="368300"/>
-          </a:xfrm>
-          <a:prstGeom prst="rect">
-            <a:avLst/>
-          </a:prstGeom>
-          <a:solidFill>
-            <a:schemeClr val="accent6"/>
-          </a:solidFill>
-        </p:spPr>
-        <p:txBody>
-          <a:bodyPr wrap="square" rtlCol="0">
-            <a:spAutoFit/>
-            <a:scene3d>
-              <a:camera prst="orthographicFront"/>
-              <a:lightRig rig="threePt" dir="t"/>
-            </a:scene3d>
-          </a:bodyPr>
-          <a:p>
-            <a:r>
-              <a:rPr lang="zh-CN" altLang="en-US">
-                <a:solidFill>
-                  <a:schemeClr val="bg1"/>
-                </a:solidFill>
-                <a:effectLst>
-                  <a:outerShdw blurRad="38100" dist="25400" dir="5400000" algn="ctr" rotWithShape="0">
-                    <a:srgbClr val="6E747A">
-                      <a:alpha val="43000"/>
-                    </a:srgbClr>
-                  </a:outerShdw>
-                </a:effectLst>
-              </a:rPr>
-              <a:t>控制舵面</a:t>
-            </a:r>
-            <a:endParaRPr lang="zh-CN" altLang="en-US">
-              <a:solidFill>
-                <a:schemeClr val="bg1"/>
-              </a:solidFill>
-              <a:effectLst>
-                <a:outerShdw blurRad="38100" dist="25400" dir="5400000" algn="ctr" rotWithShape="0">
-                  <a:srgbClr val="6E747A">
-                    <a:alpha val="43000"/>
-                  </a:srgbClr>
-                </a:outerShdw>
-              </a:effectLst>
-            </a:endParaRPr>
-          </a:p>
-        </p:txBody>
-      </p:sp>
-      <p:graphicFrame>
-        <p:nvGraphicFramePr>
-          <p:cNvPr id="2" name="对象 1">
-            <a:hlinkClick r:id="" action="ppaction://ole?verb="/>
-          </p:cNvPr>
-          <p:cNvGraphicFramePr>
-            <a:graphicFrameLocks noChangeAspect="1"/>
-          </p:cNvGraphicFramePr>
-          <p:nvPr/>
-        </p:nvGraphicFramePr>
-        <p:xfrm>
-          <a:off x="4328155" y="178863"/>
-          <a:ext cx="415437" cy="392569"/>
-        </p:xfrm>
-        <a:graphic>
-          <a:graphicData uri="http://schemas.openxmlformats.org/presentationml/2006/ole">
-            <mc:AlternateContent xmlns:mc="http://schemas.openxmlformats.org/markup-compatibility/2006">
-              <mc:Choice xmlns:v="urn:schemas-microsoft-com:vml" Requires="v">
-                <p:oleObj spid="_x0000_s1025" name="" r:id="rId2" imgW="228600" imgH="215900" progId="Equation.KSEE3">
-                  <p:embed/>
-                </p:oleObj>
-              </mc:Choice>
-              <mc:Fallback>
-                <p:oleObj name="" r:id="rId2" imgW="228600" imgH="215900" progId="Equation.KSEE3">
-                  <p:embed/>
-                  <p:pic>
-                    <p:nvPicPr>
-                      <p:cNvPr id="0" name="图片 1024"/>
-                      <p:cNvPicPr/>
-                      <p:nvPr/>
-                    </p:nvPicPr>
-                    <p:blipFill>
-                      <a:blip r:embed="rId3"/>
-                      <a:stretch>
-                        <a:fillRect/>
-                      </a:stretch>
-                    </p:blipFill>
-                    <p:spPr>
-                      <a:xfrm>
-                        <a:off x="4328155" y="178863"/>
-                        <a:ext cx="415437" cy="392569"/>
-                      </a:xfrm>
-                      <a:prstGeom prst="rect">
-                        <a:avLst/>
-                      </a:prstGeom>
-                    </p:spPr>
-                  </p:pic>
-                </p:oleObj>
-              </mc:Fallback>
-            </mc:AlternateContent>
-          </a:graphicData>
-        </a:graphic>
-      </p:graphicFrame>
-    </p:spTree>
-    <p:custDataLst>
-      <p:tags r:id="rId4"/>
-    </p:custDataLst>
-  </p:cSld>
-  <p:clrMapOvr>
-    <a:masterClrMapping/>
-  </p:clrMapOvr>
-</p:sld>
-</file>
-
-<file path=ppt/slides/slide2.xml><?xml version="1.0" encoding="utf-8"?>
-<p:sld xmlns:a="http://schemas.openxmlformats.org/drawingml/2006/main" xmlns:r="http://schemas.openxmlformats.org/officeDocument/2006/relationships" xmlns:p="http://schemas.openxmlformats.org/presentationml/2006/main">
-  <p:cSld>
-    <p:spTree>
-      <p:nvGrpSpPr>
-        <p:cNvPr id="1" name=""/>
-        <p:cNvGrpSpPr/>
-        <p:nvPr/>
-      </p:nvGrpSpPr>
       <p:grpSpPr/>
       <p:pic>
         <p:nvPicPr>
@@ -4843,7 +3882,7 @@
 </p:sld>
 </file>
 
-<file path=ppt/slides/slide3.xml><?xml version="1.0" encoding="utf-8"?>
+<file path=ppt/slides/slide2.xml><?xml version="1.0" encoding="utf-8"?>
 <p:sld xmlns:a="http://schemas.openxmlformats.org/drawingml/2006/main" xmlns:r="http://schemas.openxmlformats.org/officeDocument/2006/relationships" xmlns:p="http://schemas.openxmlformats.org/presentationml/2006/main">
   <p:cSld>
     <p:spTree>
@@ -6799,7 +5838,7 @@
 </p:sld>
 </file>
 
-<file path=ppt/slides/slide4.xml><?xml version="1.0" encoding="utf-8"?>
+<file path=ppt/slides/slide3.xml><?xml version="1.0" encoding="utf-8"?>
 <p:sld xmlns:a="http://schemas.openxmlformats.org/drawingml/2006/main" xmlns:r="http://schemas.openxmlformats.org/officeDocument/2006/relationships" xmlns:p="http://schemas.openxmlformats.org/presentationml/2006/main">
   <p:cSld>
     <p:spTree>
@@ -7143,118 +6182,6 @@
       </p:graphicFrame>
       <p:graphicFrame>
         <p:nvGraphicFramePr>
-          <p:cNvPr id="33" name="对象 -2147482496"/>
-          <p:cNvGraphicFramePr>
-            <a:graphicFrameLocks noChangeAspect="1"/>
-          </p:cNvGraphicFramePr>
-          <p:nvPr/>
-        </p:nvGraphicFramePr>
-        <p:xfrm>
-          <a:off x="1817370" y="835660"/>
-          <a:ext cx="203200" cy="190500"/>
-        </p:xfrm>
-        <a:graphic>
-          <a:graphicData uri="http://schemas.openxmlformats.org/presentationml/2006/ole">
-            <mc:AlternateContent xmlns:mc="http://schemas.openxmlformats.org/markup-compatibility/2006">
-              <mc:Choice xmlns:v="urn:schemas-microsoft-com:vml" Requires="v">
-                <p:oleObj spid="_x0000_s34" name="" r:id="rId4" imgW="203200" imgH="190500" progId="DSEquations">
-                  <p:embed/>
-                </p:oleObj>
-              </mc:Choice>
-              <mc:Fallback>
-                <p:oleObj name="" r:id="rId4" imgW="203200" imgH="190500" progId="DSEquations">
-                  <p:embed/>
-                  <p:pic>
-                    <p:nvPicPr>
-                      <p:cNvPr id="0" name="图片 3075"/>
-                      <p:cNvPicPr/>
-                      <p:nvPr/>
-                    </p:nvPicPr>
-                    <p:blipFill>
-                      <a:blip r:embed="rId5"/>
-                      <a:stretch>
-                        <a:fillRect/>
-                      </a:stretch>
-                    </p:blipFill>
-                    <p:spPr>
-                      <a:xfrm>
-                        <a:off x="1817370" y="835660"/>
-                        <a:ext cx="203200" cy="190500"/>
-                      </a:xfrm>
-                      <a:prstGeom prst="rect">
-                        <a:avLst/>
-                      </a:prstGeom>
-                      <a:noFill/>
-                      <a:ln w="38100">
-                        <a:noFill/>
-                        <a:miter/>
-                      </a:ln>
-                    </p:spPr>
-                  </p:pic>
-                </p:oleObj>
-              </mc:Fallback>
-            </mc:AlternateContent>
-          </a:graphicData>
-        </a:graphic>
-      </p:graphicFrame>
-      <p:graphicFrame>
-        <p:nvGraphicFramePr>
-          <p:cNvPr id="35" name="对象 -2147482496"/>
-          <p:cNvGraphicFramePr>
-            <a:graphicFrameLocks noChangeAspect="1"/>
-          </p:cNvGraphicFramePr>
-          <p:nvPr/>
-        </p:nvGraphicFramePr>
-        <p:xfrm>
-          <a:off x="228600" y="1003935"/>
-          <a:ext cx="152400" cy="190500"/>
-        </p:xfrm>
-        <a:graphic>
-          <a:graphicData uri="http://schemas.openxmlformats.org/presentationml/2006/ole">
-            <mc:AlternateContent xmlns:mc="http://schemas.openxmlformats.org/markup-compatibility/2006">
-              <mc:Choice xmlns:v="urn:schemas-microsoft-com:vml" Requires="v">
-                <p:oleObj spid="_x0000_s36" name="" r:id="rId6" imgW="152400" imgH="190500" progId="DSEquations">
-                  <p:embed/>
-                </p:oleObj>
-              </mc:Choice>
-              <mc:Fallback>
-                <p:oleObj name="" r:id="rId6" imgW="152400" imgH="190500" progId="DSEquations">
-                  <p:embed/>
-                  <p:pic>
-                    <p:nvPicPr>
-                      <p:cNvPr id="0" name="图片 3075"/>
-                      <p:cNvPicPr/>
-                      <p:nvPr/>
-                    </p:nvPicPr>
-                    <p:blipFill>
-                      <a:blip r:embed="rId7"/>
-                      <a:stretch>
-                        <a:fillRect/>
-                      </a:stretch>
-                    </p:blipFill>
-                    <p:spPr>
-                      <a:xfrm>
-                        <a:off x="228600" y="1003935"/>
-                        <a:ext cx="152400" cy="190500"/>
-                      </a:xfrm>
-                      <a:prstGeom prst="rect">
-                        <a:avLst/>
-                      </a:prstGeom>
-                      <a:noFill/>
-                      <a:ln w="38100">
-                        <a:noFill/>
-                        <a:miter/>
-                      </a:ln>
-                    </p:spPr>
-                  </p:pic>
-                </p:oleObj>
-              </mc:Fallback>
-            </mc:AlternateContent>
-          </a:graphicData>
-        </a:graphic>
-      </p:graphicFrame>
-      <p:graphicFrame>
-        <p:nvGraphicFramePr>
           <p:cNvPr id="37" name="对象 -2147482496"/>
           <p:cNvGraphicFramePr>
             <a:graphicFrameLocks noChangeAspect="1"/>
@@ -7269,12 +6196,12 @@
           <a:graphicData uri="http://schemas.openxmlformats.org/presentationml/2006/ole">
             <mc:AlternateContent xmlns:mc="http://schemas.openxmlformats.org/markup-compatibility/2006">
               <mc:Choice xmlns:v="urn:schemas-microsoft-com:vml" Requires="v">
-                <p:oleObj spid="_x0000_s38" name="" r:id="rId8" imgW="177165" imgH="190500" progId="DSEquations">
+                <p:oleObj spid="_x0000_s38" name="" r:id="rId4" imgW="177165" imgH="190500" progId="DSEquations">
                   <p:embed/>
                 </p:oleObj>
               </mc:Choice>
               <mc:Fallback>
-                <p:oleObj name="" r:id="rId8" imgW="177165" imgH="190500" progId="DSEquations">
+                <p:oleObj name="" r:id="rId4" imgW="177165" imgH="190500" progId="DSEquations">
                   <p:embed/>
                   <p:pic>
                     <p:nvPicPr>
@@ -7283,7 +6210,7 @@
                       <p:nvPr/>
                     </p:nvPicPr>
                     <p:blipFill>
-                      <a:blip r:embed="rId9"/>
+                      <a:blip r:embed="rId5"/>
                       <a:stretch>
                         <a:fillRect/>
                       </a:stretch>
@@ -7318,19 +6245,19 @@
           <p:nvPr/>
         </p:nvGraphicFramePr>
         <p:xfrm>
-          <a:off x="2069807" y="1740733"/>
-          <a:ext cx="407670" cy="190500"/>
+          <a:off x="2062822" y="1740733"/>
+          <a:ext cx="421640" cy="190500"/>
         </p:xfrm>
         <a:graphic>
           <a:graphicData uri="http://schemas.openxmlformats.org/presentationml/2006/ole">
             <mc:AlternateContent xmlns:mc="http://schemas.openxmlformats.org/markup-compatibility/2006">
               <mc:Choice xmlns:v="urn:schemas-microsoft-com:vml" Requires="v">
-                <p:oleObj spid="_x0000_s40" name="" r:id="rId10" imgW="405765" imgH="190500" progId="DSEquations">
+                <p:oleObj spid="_x0000_s40" name="" r:id="rId6" imgW="419100" imgH="190500" progId="DSEquations">
                   <p:embed/>
                 </p:oleObj>
               </mc:Choice>
               <mc:Fallback>
-                <p:oleObj name="" r:id="rId10" imgW="405765" imgH="190500" progId="DSEquations">
+                <p:oleObj name="" r:id="rId6" imgW="419100" imgH="190500" progId="DSEquations">
                   <p:embed/>
                   <p:pic>
                     <p:nvPicPr>
@@ -7339,15 +6266,15 @@
                       <p:nvPr/>
                     </p:nvPicPr>
                     <p:blipFill>
-                      <a:blip r:embed="rId11"/>
+                      <a:blip r:embed="rId7"/>
                       <a:stretch>
                         <a:fillRect/>
                       </a:stretch>
                     </p:blipFill>
                     <p:spPr>
                       <a:xfrm>
-                        <a:off x="2069807" y="1740733"/>
-                        <a:ext cx="407670" cy="190500"/>
+                        <a:off x="2062822" y="1740733"/>
+                        <a:ext cx="421640" cy="190500"/>
                       </a:xfrm>
                       <a:prstGeom prst="rect">
                         <a:avLst/>
@@ -7367,118 +6294,6 @@
       </p:graphicFrame>
       <p:graphicFrame>
         <p:nvGraphicFramePr>
-          <p:cNvPr id="43" name="对象 -2147482496"/>
-          <p:cNvGraphicFramePr>
-            <a:graphicFrameLocks noChangeAspect="1"/>
-          </p:cNvGraphicFramePr>
-          <p:nvPr/>
-        </p:nvGraphicFramePr>
-        <p:xfrm>
-          <a:off x="831212" y="2284175"/>
-          <a:ext cx="344805" cy="190500"/>
-        </p:xfrm>
-        <a:graphic>
-          <a:graphicData uri="http://schemas.openxmlformats.org/presentationml/2006/ole">
-            <mc:AlternateContent xmlns:mc="http://schemas.openxmlformats.org/markup-compatibility/2006">
-              <mc:Choice xmlns:v="urn:schemas-microsoft-com:vml" Requires="v">
-                <p:oleObj spid="_x0000_s44" name="" r:id="rId12" imgW="342900" imgH="190500" progId="DSEquations">
-                  <p:embed/>
-                </p:oleObj>
-              </mc:Choice>
-              <mc:Fallback>
-                <p:oleObj name="" r:id="rId12" imgW="342900" imgH="190500" progId="DSEquations">
-                  <p:embed/>
-                  <p:pic>
-                    <p:nvPicPr>
-                      <p:cNvPr id="0" name="图片 3075"/>
-                      <p:cNvPicPr/>
-                      <p:nvPr/>
-                    </p:nvPicPr>
-                    <p:blipFill>
-                      <a:blip r:embed="rId13"/>
-                      <a:stretch>
-                        <a:fillRect/>
-                      </a:stretch>
-                    </p:blipFill>
-                    <p:spPr>
-                      <a:xfrm>
-                        <a:off x="831212" y="2284175"/>
-                        <a:ext cx="344805" cy="190500"/>
-                      </a:xfrm>
-                      <a:prstGeom prst="rect">
-                        <a:avLst/>
-                      </a:prstGeom>
-                      <a:noFill/>
-                      <a:ln w="38100">
-                        <a:noFill/>
-                        <a:miter/>
-                      </a:ln>
-                    </p:spPr>
-                  </p:pic>
-                </p:oleObj>
-              </mc:Fallback>
-            </mc:AlternateContent>
-          </a:graphicData>
-        </a:graphic>
-      </p:graphicFrame>
-      <p:graphicFrame>
-        <p:nvGraphicFramePr>
-          <p:cNvPr id="45" name="对象 -2147482496"/>
-          <p:cNvGraphicFramePr>
-            <a:graphicFrameLocks noChangeAspect="1"/>
-          </p:cNvGraphicFramePr>
-          <p:nvPr/>
-        </p:nvGraphicFramePr>
-        <p:xfrm>
-          <a:off x="1623566" y="2316728"/>
-          <a:ext cx="381000" cy="190500"/>
-        </p:xfrm>
-        <a:graphic>
-          <a:graphicData uri="http://schemas.openxmlformats.org/presentationml/2006/ole">
-            <mc:AlternateContent xmlns:mc="http://schemas.openxmlformats.org/markup-compatibility/2006">
-              <mc:Choice xmlns:v="urn:schemas-microsoft-com:vml" Requires="v">
-                <p:oleObj spid="_x0000_s46" name="" r:id="rId14" imgW="381000" imgH="190500" progId="DSEquations">
-                  <p:embed/>
-                </p:oleObj>
-              </mc:Choice>
-              <mc:Fallback>
-                <p:oleObj name="" r:id="rId14" imgW="381000" imgH="190500" progId="DSEquations">
-                  <p:embed/>
-                  <p:pic>
-                    <p:nvPicPr>
-                      <p:cNvPr id="0" name="图片 3075"/>
-                      <p:cNvPicPr/>
-                      <p:nvPr/>
-                    </p:nvPicPr>
-                    <p:blipFill>
-                      <a:blip r:embed="rId15"/>
-                      <a:stretch>
-                        <a:fillRect/>
-                      </a:stretch>
-                    </p:blipFill>
-                    <p:spPr>
-                      <a:xfrm>
-                        <a:off x="1623566" y="2316728"/>
-                        <a:ext cx="381000" cy="190500"/>
-                      </a:xfrm>
-                      <a:prstGeom prst="rect">
-                        <a:avLst/>
-                      </a:prstGeom>
-                      <a:noFill/>
-                      <a:ln w="38100">
-                        <a:noFill/>
-                        <a:miter/>
-                      </a:ln>
-                    </p:spPr>
-                  </p:pic>
-                </p:oleObj>
-              </mc:Fallback>
-            </mc:AlternateContent>
-          </a:graphicData>
-        </a:graphic>
-      </p:graphicFrame>
-      <p:graphicFrame>
-        <p:nvGraphicFramePr>
           <p:cNvPr id="47" name="对象 -2147482496"/>
           <p:cNvGraphicFramePr>
             <a:graphicFrameLocks noChangeAspect="1"/>
@@ -7493,12 +6308,12 @@
           <a:graphicData uri="http://schemas.openxmlformats.org/presentationml/2006/ole">
             <mc:AlternateContent xmlns:mc="http://schemas.openxmlformats.org/markup-compatibility/2006">
               <mc:Choice xmlns:v="urn:schemas-microsoft-com:vml" Requires="v">
-                <p:oleObj spid="_x0000_s48" name="" r:id="rId16" imgW="177165" imgH="190500" progId="DSEquations">
+                <p:oleObj spid="_x0000_s48" name="" r:id="rId8" imgW="177165" imgH="190500" progId="DSEquations">
                   <p:embed/>
                 </p:oleObj>
               </mc:Choice>
               <mc:Fallback>
-                <p:oleObj name="" r:id="rId16" imgW="177165" imgH="190500" progId="DSEquations">
+                <p:oleObj name="" r:id="rId8" imgW="177165" imgH="190500" progId="DSEquations">
                   <p:embed/>
                   <p:pic>
                     <p:nvPicPr>
@@ -7507,7 +6322,7 @@
                       <p:nvPr/>
                     </p:nvPicPr>
                     <p:blipFill>
-                      <a:blip r:embed="rId17"/>
+                      <a:blip r:embed="rId9"/>
                       <a:stretch>
                         <a:fillRect/>
                       </a:stretch>
@@ -7542,19 +6357,243 @@
           <p:nvPr/>
         </p:nvGraphicFramePr>
         <p:xfrm>
-          <a:off x="1139093" y="1174178"/>
-          <a:ext cx="190500" cy="215900"/>
+          <a:off x="1164493" y="1183703"/>
+          <a:ext cx="190500" cy="152400"/>
         </p:xfrm>
         <a:graphic>
           <a:graphicData uri="http://schemas.openxmlformats.org/presentationml/2006/ole">
             <mc:AlternateContent xmlns:mc="http://schemas.openxmlformats.org/markup-compatibility/2006">
               <mc:Choice xmlns:v="urn:schemas-microsoft-com:vml" Requires="v">
-                <p:oleObj spid="_x0000_s60" name="" r:id="rId18" imgW="190500" imgH="215900" progId="DSEquations">
+                <p:oleObj spid="_x0000_s60" name="" r:id="rId10" imgW="190500" imgH="152400" progId="DSEquations">
                   <p:embed/>
                 </p:oleObj>
               </mc:Choice>
               <mc:Fallback>
-                <p:oleObj name="" r:id="rId18" imgW="190500" imgH="215900" progId="DSEquations">
+                <p:oleObj name="" r:id="rId10" imgW="190500" imgH="152400" progId="DSEquations">
+                  <p:embed/>
+                  <p:pic>
+                    <p:nvPicPr>
+                      <p:cNvPr id="0" name="图片 3075"/>
+                      <p:cNvPicPr/>
+                      <p:nvPr/>
+                    </p:nvPicPr>
+                    <p:blipFill>
+                      <a:blip r:embed="rId11"/>
+                      <a:stretch>
+                        <a:fillRect/>
+                      </a:stretch>
+                    </p:blipFill>
+                    <p:spPr>
+                      <a:xfrm>
+                        <a:off x="1164493" y="1183703"/>
+                        <a:ext cx="190500" cy="152400"/>
+                      </a:xfrm>
+                      <a:prstGeom prst="rect">
+                        <a:avLst/>
+                      </a:prstGeom>
+                      <a:noFill/>
+                      <a:ln w="38100">
+                        <a:noFill/>
+                        <a:miter/>
+                      </a:ln>
+                    </p:spPr>
+                  </p:pic>
+                </p:oleObj>
+              </mc:Fallback>
+            </mc:AlternateContent>
+          </a:graphicData>
+        </a:graphic>
+      </p:graphicFrame>
+      <p:graphicFrame>
+        <p:nvGraphicFramePr>
+          <p:cNvPr id="2" name="对象 -2147482496"/>
+          <p:cNvGraphicFramePr>
+            <a:graphicFrameLocks noChangeAspect="1"/>
+          </p:cNvGraphicFramePr>
+          <p:nvPr/>
+        </p:nvGraphicFramePr>
+        <p:xfrm>
+          <a:off x="1791018" y="821690"/>
+          <a:ext cx="190500" cy="190500"/>
+        </p:xfrm>
+        <a:graphic>
+          <a:graphicData uri="http://schemas.openxmlformats.org/presentationml/2006/ole">
+            <mc:AlternateContent xmlns:mc="http://schemas.openxmlformats.org/markup-compatibility/2006">
+              <mc:Choice xmlns:v="urn:schemas-microsoft-com:vml" Requires="v">
+                <p:oleObj spid="_x0000_s3" name="" r:id="rId12" imgW="190500" imgH="190500" progId="DSEquations">
+                  <p:embed/>
+                </p:oleObj>
+              </mc:Choice>
+              <mc:Fallback>
+                <p:oleObj name="" r:id="rId12" imgW="190500" imgH="190500" progId="DSEquations">
+                  <p:embed/>
+                  <p:pic>
+                    <p:nvPicPr>
+                      <p:cNvPr id="0" name="图片 3075"/>
+                      <p:cNvPicPr/>
+                      <p:nvPr/>
+                    </p:nvPicPr>
+                    <p:blipFill>
+                      <a:blip r:embed="rId13"/>
+                      <a:stretch>
+                        <a:fillRect/>
+                      </a:stretch>
+                    </p:blipFill>
+                    <p:spPr>
+                      <a:xfrm>
+                        <a:off x="1791018" y="821690"/>
+                        <a:ext cx="190500" cy="190500"/>
+                      </a:xfrm>
+                      <a:prstGeom prst="rect">
+                        <a:avLst/>
+                      </a:prstGeom>
+                      <a:noFill/>
+                      <a:ln w="38100">
+                        <a:noFill/>
+                        <a:miter/>
+                      </a:ln>
+                    </p:spPr>
+                  </p:pic>
+                </p:oleObj>
+              </mc:Fallback>
+            </mc:AlternateContent>
+          </a:graphicData>
+        </a:graphic>
+      </p:graphicFrame>
+      <p:graphicFrame>
+        <p:nvGraphicFramePr>
+          <p:cNvPr id="5" name="对象 -2147482496"/>
+          <p:cNvGraphicFramePr>
+            <a:graphicFrameLocks noChangeAspect="1"/>
+          </p:cNvGraphicFramePr>
+          <p:nvPr/>
+        </p:nvGraphicFramePr>
+        <p:xfrm>
+          <a:off x="191453" y="1026160"/>
+          <a:ext cx="165100" cy="190500"/>
+        </p:xfrm>
+        <a:graphic>
+          <a:graphicData uri="http://schemas.openxmlformats.org/presentationml/2006/ole">
+            <mc:AlternateContent xmlns:mc="http://schemas.openxmlformats.org/markup-compatibility/2006">
+              <mc:Choice xmlns:v="urn:schemas-microsoft-com:vml" Requires="v">
+                <p:oleObj spid="_x0000_s9" name="" r:id="rId14" imgW="165100" imgH="190500" progId="DSEquations">
+                  <p:embed/>
+                </p:oleObj>
+              </mc:Choice>
+              <mc:Fallback>
+                <p:oleObj name="" r:id="rId14" imgW="165100" imgH="190500" progId="DSEquations">
+                  <p:embed/>
+                  <p:pic>
+                    <p:nvPicPr>
+                      <p:cNvPr id="0" name="图片 3075"/>
+                      <p:cNvPicPr/>
+                      <p:nvPr/>
+                    </p:nvPicPr>
+                    <p:blipFill>
+                      <a:blip r:embed="rId15"/>
+                      <a:stretch>
+                        <a:fillRect/>
+                      </a:stretch>
+                    </p:blipFill>
+                    <p:spPr>
+                      <a:xfrm>
+                        <a:off x="191453" y="1026160"/>
+                        <a:ext cx="165100" cy="190500"/>
+                      </a:xfrm>
+                      <a:prstGeom prst="rect">
+                        <a:avLst/>
+                      </a:prstGeom>
+                      <a:noFill/>
+                      <a:ln w="38100">
+                        <a:noFill/>
+                        <a:miter/>
+                      </a:ln>
+                    </p:spPr>
+                  </p:pic>
+                </p:oleObj>
+              </mc:Fallback>
+            </mc:AlternateContent>
+          </a:graphicData>
+        </a:graphic>
+      </p:graphicFrame>
+      <p:graphicFrame>
+        <p:nvGraphicFramePr>
+          <p:cNvPr id="14" name="对象 -2147482496"/>
+          <p:cNvGraphicFramePr>
+            <a:graphicFrameLocks noChangeAspect="1"/>
+          </p:cNvGraphicFramePr>
+          <p:nvPr/>
+        </p:nvGraphicFramePr>
+        <p:xfrm>
+          <a:off x="805840" y="2260798"/>
+          <a:ext cx="370205" cy="190500"/>
+        </p:xfrm>
+        <a:graphic>
+          <a:graphicData uri="http://schemas.openxmlformats.org/presentationml/2006/ole">
+            <mc:AlternateContent xmlns:mc="http://schemas.openxmlformats.org/markup-compatibility/2006">
+              <mc:Choice xmlns:v="urn:schemas-microsoft-com:vml" Requires="v">
+                <p:oleObj spid="_x0000_s15" name="" r:id="rId16" imgW="368300" imgH="190500" progId="DSEquations">
+                  <p:embed/>
+                </p:oleObj>
+              </mc:Choice>
+              <mc:Fallback>
+                <p:oleObj name="" r:id="rId16" imgW="368300" imgH="190500" progId="DSEquations">
+                  <p:embed/>
+                  <p:pic>
+                    <p:nvPicPr>
+                      <p:cNvPr id="0" name="图片 3075"/>
+                      <p:cNvPicPr/>
+                      <p:nvPr/>
+                    </p:nvPicPr>
+                    <p:blipFill>
+                      <a:blip r:embed="rId17"/>
+                      <a:stretch>
+                        <a:fillRect/>
+                      </a:stretch>
+                    </p:blipFill>
+                    <p:spPr>
+                      <a:xfrm>
+                        <a:off x="805840" y="2260798"/>
+                        <a:ext cx="370205" cy="190500"/>
+                      </a:xfrm>
+                      <a:prstGeom prst="rect">
+                        <a:avLst/>
+                      </a:prstGeom>
+                      <a:noFill/>
+                      <a:ln w="38100">
+                        <a:noFill/>
+                        <a:miter/>
+                      </a:ln>
+                    </p:spPr>
+                  </p:pic>
+                </p:oleObj>
+              </mc:Fallback>
+            </mc:AlternateContent>
+          </a:graphicData>
+        </a:graphic>
+      </p:graphicFrame>
+      <p:graphicFrame>
+        <p:nvGraphicFramePr>
+          <p:cNvPr id="16" name="对象 -2147482496"/>
+          <p:cNvGraphicFramePr>
+            <a:graphicFrameLocks noChangeAspect="1"/>
+          </p:cNvGraphicFramePr>
+          <p:nvPr/>
+        </p:nvGraphicFramePr>
+        <p:xfrm>
+          <a:off x="1640230" y="2316678"/>
+          <a:ext cx="382905" cy="190500"/>
+        </p:xfrm>
+        <a:graphic>
+          <a:graphicData uri="http://schemas.openxmlformats.org/presentationml/2006/ole">
+            <mc:AlternateContent xmlns:mc="http://schemas.openxmlformats.org/markup-compatibility/2006">
+              <mc:Choice xmlns:v="urn:schemas-microsoft-com:vml" Requires="v">
+                <p:oleObj spid="_x0000_s17" name="" r:id="rId18" imgW="381000" imgH="190500" progId="DSEquations">
+                  <p:embed/>
+                </p:oleObj>
+              </mc:Choice>
+              <mc:Fallback>
+                <p:oleObj name="" r:id="rId18" imgW="381000" imgH="190500" progId="DSEquations">
                   <p:embed/>
                   <p:pic>
                     <p:nvPicPr>
@@ -7570,8 +6609,8 @@
                     </p:blipFill>
                     <p:spPr>
                       <a:xfrm>
-                        <a:off x="1139093" y="1174178"/>
-                        <a:ext cx="190500" cy="215900"/>
+                        <a:off x="1640230" y="2316678"/>
+                        <a:ext cx="382905" cy="190500"/>
                       </a:xfrm>
                       <a:prstGeom prst="rect">
                         <a:avLst/>
@@ -7600,7 +6639,7 @@
 </p:sld>
 </file>
 
-<file path=ppt/slides/slide5.xml><?xml version="1.0" encoding="utf-8"?>
+<file path=ppt/slides/slide4.xml><?xml version="1.0" encoding="utf-8"?>
 <p:sld xmlns:a="http://schemas.openxmlformats.org/drawingml/2006/main" xmlns:r="http://schemas.openxmlformats.org/officeDocument/2006/relationships" xmlns:p="http://schemas.openxmlformats.org/presentationml/2006/main">
   <p:cSld>
     <p:spTree>
@@ -7990,7 +7029,7 @@
           <p:nvPr/>
         </p:nvGraphicFramePr>
         <p:xfrm>
-          <a:off x="1367790" y="1018540"/>
+          <a:off x="1371600" y="1037590"/>
           <a:ext cx="370840" cy="190500"/>
         </p:xfrm>
         <a:graphic>
@@ -8018,7 +7057,7 @@
                     </p:blipFill>
                     <p:spPr>
                       <a:xfrm>
-                        <a:off x="1367790" y="1018540"/>
+                        <a:off x="1371600" y="1037590"/>
                         <a:ext cx="370840" cy="190500"/>
                       </a:xfrm>
                       <a:prstGeom prst="rect">
@@ -8046,19 +7085,19 @@
           <p:nvPr/>
         </p:nvGraphicFramePr>
         <p:xfrm>
-          <a:off x="1691640" y="1613535"/>
-          <a:ext cx="203835" cy="190500"/>
+          <a:off x="1744980" y="1640205"/>
+          <a:ext cx="191135" cy="190500"/>
         </p:xfrm>
         <a:graphic>
           <a:graphicData uri="http://schemas.openxmlformats.org/presentationml/2006/ole">
             <mc:AlternateContent xmlns:mc="http://schemas.openxmlformats.org/markup-compatibility/2006">
               <mc:Choice xmlns:v="urn:schemas-microsoft-com:vml" Requires="v">
-                <p:oleObj spid="_x0000_s34" name="" r:id="rId4" imgW="203200" imgH="190500" progId="DSEquations">
+                <p:oleObj spid="_x0000_s34" name="" r:id="rId4" imgW="190500" imgH="190500" progId="DSEquations">
                   <p:embed/>
                 </p:oleObj>
               </mc:Choice>
               <mc:Fallback>
-                <p:oleObj name="" r:id="rId4" imgW="203200" imgH="190500" progId="DSEquations">
+                <p:oleObj name="" r:id="rId4" imgW="190500" imgH="190500" progId="DSEquations">
                   <p:embed/>
                   <p:pic>
                     <p:nvPicPr>
@@ -8074,8 +7113,8 @@
                     </p:blipFill>
                     <p:spPr>
                       <a:xfrm>
-                        <a:off x="1691640" y="1613535"/>
-                        <a:ext cx="203835" cy="190500"/>
+                        <a:off x="1744980" y="1640205"/>
+                        <a:ext cx="191135" cy="190500"/>
                       </a:xfrm>
                       <a:prstGeom prst="rect">
                         <a:avLst/>
@@ -8102,19 +7141,19 @@
           <p:nvPr/>
         </p:nvGraphicFramePr>
         <p:xfrm>
-          <a:off x="184785" y="763270"/>
-          <a:ext cx="152400" cy="190500"/>
+          <a:off x="178435" y="763270"/>
+          <a:ext cx="165100" cy="190500"/>
         </p:xfrm>
         <a:graphic>
           <a:graphicData uri="http://schemas.openxmlformats.org/presentationml/2006/ole">
             <mc:AlternateContent xmlns:mc="http://schemas.openxmlformats.org/markup-compatibility/2006">
               <mc:Choice xmlns:v="urn:schemas-microsoft-com:vml" Requires="v">
-                <p:oleObj spid="_x0000_s36" name="" r:id="rId6" imgW="152400" imgH="190500" progId="DSEquations">
+                <p:oleObj spid="_x0000_s36" name="" r:id="rId6" imgW="165100" imgH="190500" progId="DSEquations">
                   <p:embed/>
                 </p:oleObj>
               </mc:Choice>
               <mc:Fallback>
-                <p:oleObj name="" r:id="rId6" imgW="152400" imgH="190500" progId="DSEquations">
+                <p:oleObj name="" r:id="rId6" imgW="165100" imgH="190500" progId="DSEquations">
                   <p:embed/>
                   <p:pic>
                     <p:nvPicPr>
@@ -8130,8 +7169,8 @@
                     </p:blipFill>
                     <p:spPr>
                       <a:xfrm>
-                        <a:off x="184785" y="763270"/>
-                        <a:ext cx="152400" cy="190500"/>
+                        <a:off x="178435" y="763270"/>
+                        <a:ext cx="165100" cy="190500"/>
                       </a:xfrm>
                       <a:prstGeom prst="rect">
                         <a:avLst/>
@@ -8158,19 +7197,19 @@
           <p:nvPr/>
         </p:nvGraphicFramePr>
         <p:xfrm>
-          <a:off x="1970723" y="1390015"/>
-          <a:ext cx="127000" cy="152400"/>
+          <a:off x="1964373" y="1383665"/>
+          <a:ext cx="139700" cy="165100"/>
         </p:xfrm>
         <a:graphic>
           <a:graphicData uri="http://schemas.openxmlformats.org/presentationml/2006/ole">
             <mc:AlternateContent xmlns:mc="http://schemas.openxmlformats.org/markup-compatibility/2006">
               <mc:Choice xmlns:v="urn:schemas-microsoft-com:vml" Requires="v">
-                <p:oleObj spid="_x0000_s38" name="" r:id="rId8" imgW="127000" imgH="152400" progId="DSEquations">
+                <p:oleObj spid="_x0000_s38" name="" r:id="rId8" imgW="139700" imgH="165100" progId="DSEquations">
                   <p:embed/>
                 </p:oleObj>
               </mc:Choice>
               <mc:Fallback>
-                <p:oleObj name="" r:id="rId8" imgW="127000" imgH="152400" progId="DSEquations">
+                <p:oleObj name="" r:id="rId8" imgW="139700" imgH="165100" progId="DSEquations">
                   <p:embed/>
                   <p:pic>
                     <p:nvPicPr>
@@ -8186,8 +7225,8 @@
                     </p:blipFill>
                     <p:spPr>
                       <a:xfrm>
-                        <a:off x="1970723" y="1390015"/>
-                        <a:ext cx="127000" cy="152400"/>
+                        <a:off x="1964373" y="1383665"/>
+                        <a:ext cx="139700" cy="165100"/>
                       </a:xfrm>
                       <a:prstGeom prst="rect">
                         <a:avLst/>
@@ -8308,19 +7347,19 @@
           <p:nvPr/>
         </p:nvGraphicFramePr>
         <p:xfrm>
-          <a:off x="376870" y="1520270"/>
-          <a:ext cx="345440" cy="190500"/>
+          <a:off x="363853" y="1520270"/>
+          <a:ext cx="371475" cy="190500"/>
         </p:xfrm>
         <a:graphic>
           <a:graphicData uri="http://schemas.openxmlformats.org/presentationml/2006/ole">
             <mc:AlternateContent xmlns:mc="http://schemas.openxmlformats.org/markup-compatibility/2006">
               <mc:Choice xmlns:v="urn:schemas-microsoft-com:vml" Requires="v">
-                <p:oleObj spid="_x0000_s44" name="" r:id="rId12" imgW="342900" imgH="190500" progId="DSEquations">
+                <p:oleObj spid="_x0000_s44" name="" r:id="rId12" imgW="368300" imgH="190500" progId="DSEquations">
                   <p:embed/>
                 </p:oleObj>
               </mc:Choice>
               <mc:Fallback>
-                <p:oleObj name="" r:id="rId12" imgW="342900" imgH="190500" progId="DSEquations">
+                <p:oleObj name="" r:id="rId12" imgW="368300" imgH="190500" progId="DSEquations">
                   <p:embed/>
                   <p:pic>
                     <p:nvPicPr>
@@ -8336,8 +7375,8 @@
                     </p:blipFill>
                     <p:spPr>
                       <a:xfrm>
-                        <a:off x="376870" y="1520270"/>
-                        <a:ext cx="345440" cy="190500"/>
+                        <a:off x="363853" y="1520270"/>
+                        <a:ext cx="371475" cy="190500"/>
                       </a:xfrm>
                       <a:prstGeom prst="rect">
                         <a:avLst/>
@@ -8458,19 +7497,19 @@
           <p:nvPr/>
         </p:nvGraphicFramePr>
         <p:xfrm>
-          <a:off x="1766277" y="1423233"/>
-          <a:ext cx="191770" cy="190500"/>
+          <a:off x="1759610" y="1423233"/>
+          <a:ext cx="205105" cy="190500"/>
         </p:xfrm>
         <a:graphic>
           <a:graphicData uri="http://schemas.openxmlformats.org/presentationml/2006/ole">
             <mc:AlternateContent xmlns:mc="http://schemas.openxmlformats.org/markup-compatibility/2006">
               <mc:Choice xmlns:v="urn:schemas-microsoft-com:vml" Requires="v">
-                <p:oleObj spid="_x0000_s22" name="" r:id="rId16" imgW="190500" imgH="190500" progId="DSEquations">
+                <p:oleObj spid="_x0000_s22" name="" r:id="rId16" imgW="203200" imgH="190500" progId="DSEquations">
                   <p:embed/>
                 </p:oleObj>
               </mc:Choice>
               <mc:Fallback>
-                <p:oleObj name="" r:id="rId16" imgW="190500" imgH="190500" progId="DSEquations">
+                <p:oleObj name="" r:id="rId16" imgW="203200" imgH="190500" progId="DSEquations">
                   <p:embed/>
                   <p:pic>
                     <p:nvPicPr>
@@ -8486,8 +7525,8 @@
                     </p:blipFill>
                     <p:spPr>
                       <a:xfrm>
-                        <a:off x="1766277" y="1423233"/>
-                        <a:ext cx="191770" cy="190500"/>
+                        <a:off x="1759610" y="1423233"/>
+                        <a:ext cx="205105" cy="190500"/>
                       </a:xfrm>
                       <a:prstGeom prst="rect">
                         <a:avLst/>
@@ -8730,19 +7769,19 @@
           <p:nvPr/>
         </p:nvGraphicFramePr>
         <p:xfrm>
-          <a:off x="468313" y="1233805"/>
-          <a:ext cx="127000" cy="152400"/>
+          <a:off x="465773" y="1208405"/>
+          <a:ext cx="139700" cy="165100"/>
         </p:xfrm>
         <a:graphic>
           <a:graphicData uri="http://schemas.openxmlformats.org/presentationml/2006/ole">
             <mc:AlternateContent xmlns:mc="http://schemas.openxmlformats.org/markup-compatibility/2006">
               <mc:Choice xmlns:v="urn:schemas-microsoft-com:vml" Requires="v">
-                <p:oleObj spid="_x0000_s41" name="" r:id="rId18" imgW="127000" imgH="152400" progId="DSEquations">
+                <p:oleObj spid="_x0000_s41" name="" r:id="rId18" imgW="139700" imgH="165100" progId="DSEquations">
                   <p:embed/>
                 </p:oleObj>
               </mc:Choice>
               <mc:Fallback>
-                <p:oleObj name="" r:id="rId18" imgW="127000" imgH="152400" progId="DSEquations">
+                <p:oleObj name="" r:id="rId18" imgW="139700" imgH="165100" progId="DSEquations">
                   <p:embed/>
                   <p:pic>
                     <p:nvPicPr>
@@ -8751,15 +7790,15 @@
                       <p:nvPr/>
                     </p:nvPicPr>
                     <p:blipFill>
-                      <a:blip r:embed="rId9"/>
+                      <a:blip r:embed="rId19"/>
                       <a:stretch>
                         <a:fillRect/>
                       </a:stretch>
                     </p:blipFill>
                     <p:spPr>
                       <a:xfrm>
-                        <a:off x="468313" y="1233805"/>
-                        <a:ext cx="127000" cy="152400"/>
+                        <a:off x="465773" y="1208405"/>
+                        <a:ext cx="139700" cy="165100"/>
                       </a:xfrm>
                       <a:prstGeom prst="rect">
                         <a:avLst/>
@@ -8793,12 +7832,12 @@
           <a:graphicData uri="http://schemas.openxmlformats.org/presentationml/2006/ole">
             <mc:AlternateContent xmlns:mc="http://schemas.openxmlformats.org/markup-compatibility/2006">
               <mc:Choice xmlns:v="urn:schemas-microsoft-com:vml" Requires="v">
-                <p:oleObj spid="_x0000_s47" name="" r:id="rId19" imgW="177165" imgH="190500" progId="DSEquations">
+                <p:oleObj spid="_x0000_s47" name="" r:id="rId20" imgW="177165" imgH="190500" progId="DSEquations">
                   <p:embed/>
                 </p:oleObj>
               </mc:Choice>
               <mc:Fallback>
-                <p:oleObj name="" r:id="rId19" imgW="177165" imgH="190500" progId="DSEquations">
+                <p:oleObj name="" r:id="rId20" imgW="177165" imgH="190500" progId="DSEquations">
                   <p:embed/>
                   <p:pic>
                     <p:nvPicPr>
@@ -8807,7 +7846,7 @@
                       <p:nvPr/>
                     </p:nvPicPr>
                     <p:blipFill>
-                      <a:blip r:embed="rId20"/>
+                      <a:blip r:embed="rId21"/>
                       <a:stretch>
                         <a:fillRect/>
                       </a:stretch>
@@ -8842,19 +7881,19 @@
           <p:nvPr/>
         </p:nvGraphicFramePr>
         <p:xfrm>
-          <a:off x="917893" y="2085975"/>
-          <a:ext cx="114300" cy="152400"/>
+          <a:off x="911543" y="2085975"/>
+          <a:ext cx="127000" cy="152400"/>
         </p:xfrm>
         <a:graphic>
           <a:graphicData uri="http://schemas.openxmlformats.org/presentationml/2006/ole">
             <mc:AlternateContent xmlns:mc="http://schemas.openxmlformats.org/markup-compatibility/2006">
               <mc:Choice xmlns:v="urn:schemas-microsoft-com:vml" Requires="v">
-                <p:oleObj spid="_x0000_s50" name="" r:id="rId21" imgW="114300" imgH="152400" progId="DSEquations">
+                <p:oleObj spid="_x0000_s50" name="" r:id="rId22" imgW="127000" imgH="152400" progId="DSEquations">
                   <p:embed/>
                 </p:oleObj>
               </mc:Choice>
               <mc:Fallback>
-                <p:oleObj name="" r:id="rId21" imgW="114300" imgH="152400" progId="DSEquations">
+                <p:oleObj name="" r:id="rId22" imgW="127000" imgH="152400" progId="DSEquations">
                   <p:embed/>
                   <p:pic>
                     <p:nvPicPr>
@@ -8863,15 +7902,15 @@
                       <p:nvPr/>
                     </p:nvPicPr>
                     <p:blipFill>
-                      <a:blip r:embed="rId22"/>
+                      <a:blip r:embed="rId23"/>
                       <a:stretch>
                         <a:fillRect/>
                       </a:stretch>
                     </p:blipFill>
                     <p:spPr>
                       <a:xfrm>
-                        <a:off x="917893" y="2085975"/>
-                        <a:ext cx="114300" cy="152400"/>
+                        <a:off x="911543" y="2085975"/>
+                        <a:ext cx="127000" cy="152400"/>
                       </a:xfrm>
                       <a:prstGeom prst="rect">
                         <a:avLst/>
@@ -8898,19 +7937,19 @@
           <p:nvPr/>
         </p:nvGraphicFramePr>
         <p:xfrm>
-          <a:off x="1211898" y="2330450"/>
-          <a:ext cx="114300" cy="165100"/>
+          <a:off x="1211898" y="2343150"/>
+          <a:ext cx="114300" cy="139700"/>
         </p:xfrm>
         <a:graphic>
           <a:graphicData uri="http://schemas.openxmlformats.org/presentationml/2006/ole">
             <mc:AlternateContent xmlns:mc="http://schemas.openxmlformats.org/markup-compatibility/2006">
               <mc:Choice xmlns:v="urn:schemas-microsoft-com:vml" Requires="v">
-                <p:oleObj spid="_x0000_s52" name="" r:id="rId23" imgW="114300" imgH="165100" progId="DSEquations">
+                <p:oleObj spid="_x0000_s52" name="" r:id="rId24" imgW="114300" imgH="139700" progId="DSEquations">
                   <p:embed/>
                 </p:oleObj>
               </mc:Choice>
               <mc:Fallback>
-                <p:oleObj name="" r:id="rId23" imgW="114300" imgH="165100" progId="DSEquations">
+                <p:oleObj name="" r:id="rId24" imgW="114300" imgH="139700" progId="DSEquations">
                   <p:embed/>
                   <p:pic>
                     <p:nvPicPr>
@@ -8919,15 +7958,15 @@
                       <p:nvPr/>
                     </p:nvPicPr>
                     <p:blipFill>
-                      <a:blip r:embed="rId24"/>
+                      <a:blip r:embed="rId25"/>
                       <a:stretch>
                         <a:fillRect/>
                       </a:stretch>
                     </p:blipFill>
                     <p:spPr>
                       <a:xfrm>
-                        <a:off x="1211898" y="2330450"/>
-                        <a:ext cx="114300" cy="165100"/>
+                        <a:off x="1211898" y="2343150"/>
+                        <a:ext cx="114300" cy="139700"/>
                       </a:xfrm>
                       <a:prstGeom prst="rect">
                         <a:avLst/>
@@ -8954,19 +7993,19 @@
           <p:nvPr/>
         </p:nvGraphicFramePr>
         <p:xfrm>
-          <a:off x="305753" y="1043305"/>
-          <a:ext cx="114300" cy="152400"/>
+          <a:off x="299403" y="1043305"/>
+          <a:ext cx="127000" cy="152400"/>
         </p:xfrm>
         <a:graphic>
           <a:graphicData uri="http://schemas.openxmlformats.org/presentationml/2006/ole">
             <mc:AlternateContent xmlns:mc="http://schemas.openxmlformats.org/markup-compatibility/2006">
               <mc:Choice xmlns:v="urn:schemas-microsoft-com:vml" Requires="v">
-                <p:oleObj spid="_x0000_s56" name="" r:id="rId25" imgW="114300" imgH="152400" progId="DSEquations">
+                <p:oleObj spid="_x0000_s56" name="" r:id="rId26" imgW="127000" imgH="152400" progId="DSEquations">
                   <p:embed/>
                 </p:oleObj>
               </mc:Choice>
               <mc:Fallback>
-                <p:oleObj name="" r:id="rId25" imgW="114300" imgH="152400" progId="DSEquations">
+                <p:oleObj name="" r:id="rId26" imgW="127000" imgH="152400" progId="DSEquations">
                   <p:embed/>
                   <p:pic>
                     <p:nvPicPr>
@@ -8975,15 +8014,15 @@
                       <p:nvPr/>
                     </p:nvPicPr>
                     <p:blipFill>
-                      <a:blip r:embed="rId22"/>
+                      <a:blip r:embed="rId27"/>
                       <a:stretch>
                         <a:fillRect/>
                       </a:stretch>
                     </p:blipFill>
                     <p:spPr>
                       <a:xfrm>
-                        <a:off x="305753" y="1043305"/>
-                        <a:ext cx="114300" cy="152400"/>
+                        <a:off x="299403" y="1043305"/>
+                        <a:ext cx="127000" cy="152400"/>
                       </a:xfrm>
                       <a:prstGeom prst="rect">
                         <a:avLst/>
@@ -9208,19 +8247,19 @@
           <p:nvPr/>
         </p:nvGraphicFramePr>
         <p:xfrm>
-          <a:off x="1669098" y="1396365"/>
-          <a:ext cx="114300" cy="165100"/>
+          <a:off x="1669098" y="1409065"/>
+          <a:ext cx="114300" cy="139700"/>
         </p:xfrm>
         <a:graphic>
           <a:graphicData uri="http://schemas.openxmlformats.org/presentationml/2006/ole">
             <mc:AlternateContent xmlns:mc="http://schemas.openxmlformats.org/markup-compatibility/2006">
               <mc:Choice xmlns:v="urn:schemas-microsoft-com:vml" Requires="v">
-                <p:oleObj spid="_x0000_s63" name="" r:id="rId26" imgW="114300" imgH="165100" progId="DSEquations">
+                <p:oleObj spid="_x0000_s63" name="" r:id="rId28" imgW="114300" imgH="139700" progId="DSEquations">
                   <p:embed/>
                 </p:oleObj>
               </mc:Choice>
               <mc:Fallback>
-                <p:oleObj name="" r:id="rId26" imgW="114300" imgH="165100" progId="DSEquations">
+                <p:oleObj name="" r:id="rId28" imgW="114300" imgH="139700" progId="DSEquations">
                   <p:embed/>
                   <p:pic>
                     <p:nvPicPr>
@@ -9229,15 +8268,15 @@
                       <p:nvPr/>
                     </p:nvPicPr>
                     <p:blipFill>
-                      <a:blip r:embed="rId27"/>
+                      <a:blip r:embed="rId29"/>
                       <a:stretch>
                         <a:fillRect/>
                       </a:stretch>
                     </p:blipFill>
                     <p:spPr>
                       <a:xfrm>
-                        <a:off x="1669098" y="1396365"/>
-                        <a:ext cx="114300" cy="165100"/>
+                        <a:off x="1669098" y="1409065"/>
+                        <a:ext cx="114300" cy="139700"/>
                       </a:xfrm>
                       <a:prstGeom prst="rect">
                         <a:avLst/>
@@ -9442,19 +8481,19 @@
           <p:nvPr/>
         </p:nvGraphicFramePr>
         <p:xfrm>
-          <a:off x="147027" y="1190188"/>
-          <a:ext cx="153670" cy="190500"/>
+          <a:off x="134327" y="1209238"/>
+          <a:ext cx="179070" cy="190500"/>
         </p:xfrm>
         <a:graphic>
           <a:graphicData uri="http://schemas.openxmlformats.org/presentationml/2006/ole">
             <mc:AlternateContent xmlns:mc="http://schemas.openxmlformats.org/markup-compatibility/2006">
               <mc:Choice xmlns:v="urn:schemas-microsoft-com:vml" Requires="v">
-                <p:oleObj spid="_x0000_s7" name="" r:id="rId28" imgW="152400" imgH="190500" progId="DSEquations">
+                <p:oleObj spid="_x0000_s7" name="" r:id="rId30" imgW="177165" imgH="190500" progId="DSEquations">
                   <p:embed/>
                 </p:oleObj>
               </mc:Choice>
               <mc:Fallback>
-                <p:oleObj name="" r:id="rId28" imgW="152400" imgH="190500" progId="DSEquations">
+                <p:oleObj name="" r:id="rId30" imgW="177165" imgH="190500" progId="DSEquations">
                   <p:embed/>
                   <p:pic>
                     <p:nvPicPr>
@@ -9463,15 +8502,15 @@
                       <p:nvPr/>
                     </p:nvPicPr>
                     <p:blipFill>
-                      <a:blip r:embed="rId29"/>
+                      <a:blip r:embed="rId31"/>
                       <a:stretch>
                         <a:fillRect/>
                       </a:stretch>
                     </p:blipFill>
                     <p:spPr>
                       <a:xfrm>
-                        <a:off x="147027" y="1190188"/>
-                        <a:ext cx="153670" cy="190500"/>
+                        <a:off x="134327" y="1209238"/>
+                        <a:ext cx="179070" cy="190500"/>
                       </a:xfrm>
                       <a:prstGeom prst="rect">
                         <a:avLst/>
@@ -9505,12 +8544,12 @@
           <a:graphicData uri="http://schemas.openxmlformats.org/presentationml/2006/ole">
             <mc:AlternateContent xmlns:mc="http://schemas.openxmlformats.org/markup-compatibility/2006">
               <mc:Choice xmlns:v="urn:schemas-microsoft-com:vml" Requires="v">
-                <p:oleObj spid="_x0000_s9" name="" r:id="rId30" imgW="177165" imgH="190500" progId="DSEquations">
+                <p:oleObj spid="_x0000_s9" name="" r:id="rId32" imgW="177165" imgH="190500" progId="DSEquations">
                   <p:embed/>
                 </p:oleObj>
               </mc:Choice>
               <mc:Fallback>
-                <p:oleObj name="" r:id="rId30" imgW="177165" imgH="190500" progId="DSEquations">
+                <p:oleObj name="" r:id="rId32" imgW="177165" imgH="190500" progId="DSEquations">
                   <p:embed/>
                   <p:pic>
                     <p:nvPicPr>
@@ -9519,7 +8558,7 @@
                       <p:nvPr/>
                     </p:nvPicPr>
                     <p:blipFill>
-                      <a:blip r:embed="rId31"/>
+                      <a:blip r:embed="rId33"/>
                       <a:stretch>
                         <a:fillRect/>
                       </a:stretch>
@@ -9547,625 +8586,7 @@
       </p:graphicFrame>
     </p:spTree>
     <p:custDataLst>
-      <p:tags r:id="rId32"/>
-    </p:custDataLst>
-  </p:cSld>
-  <p:clrMapOvr>
-    <a:masterClrMapping/>
-  </p:clrMapOvr>
-</p:sld>
-</file>
-
-<file path=ppt/slides/slide6.xml><?xml version="1.0" encoding="utf-8"?>
-<p:sld xmlns:a="http://schemas.openxmlformats.org/drawingml/2006/main" xmlns:r="http://schemas.openxmlformats.org/officeDocument/2006/relationships" xmlns:p="http://schemas.openxmlformats.org/presentationml/2006/main">
-  <p:cSld>
-    <p:spTree>
-      <p:nvGrpSpPr>
-        <p:cNvPr id="1" name=""/>
-        <p:cNvGrpSpPr/>
-        <p:nvPr/>
-      </p:nvGrpSpPr>
-      <p:grpSpPr/>
-      <p:pic>
-        <p:nvPicPr>
-          <p:cNvPr id="4" name="图片 3"/>
-          <p:cNvPicPr>
-            <a:picLocks noChangeAspect="1"/>
-          </p:cNvPicPr>
-          <p:nvPr/>
-        </p:nvPicPr>
-        <p:blipFill>
-          <a:blip r:embed="rId1"/>
-          <a:stretch>
-            <a:fillRect/>
-          </a:stretch>
-        </p:blipFill>
-        <p:spPr>
-          <a:xfrm>
-            <a:off x="384810" y="71120"/>
-            <a:ext cx="2086610" cy="2448560"/>
-          </a:xfrm>
-          <a:prstGeom prst="rect">
-            <a:avLst/>
-          </a:prstGeom>
-        </p:spPr>
-      </p:pic>
-      <p:graphicFrame>
-        <p:nvGraphicFramePr>
-          <p:cNvPr id="35" name="对象 -2147482496"/>
-          <p:cNvGraphicFramePr>
-            <a:graphicFrameLocks noChangeAspect="1"/>
-          </p:cNvGraphicFramePr>
-          <p:nvPr/>
-        </p:nvGraphicFramePr>
-        <p:xfrm>
-          <a:off x="1611313" y="817880"/>
-          <a:ext cx="88265" cy="139700"/>
-        </p:xfrm>
-        <a:graphic>
-          <a:graphicData uri="http://schemas.openxmlformats.org/presentationml/2006/ole">
-            <mc:AlternateContent xmlns:mc="http://schemas.openxmlformats.org/markup-compatibility/2006">
-              <mc:Choice xmlns:v="urn:schemas-microsoft-com:vml" Requires="v">
-                <p:oleObj spid="_x0000_s36" name="" r:id="rId2" imgW="88265" imgH="139700" progId="DSEquations">
-                  <p:embed/>
-                </p:oleObj>
-              </mc:Choice>
-              <mc:Fallback>
-                <p:oleObj name="" r:id="rId2" imgW="88265" imgH="139700" progId="DSEquations">
-                  <p:embed/>
-                  <p:pic>
-                    <p:nvPicPr>
-                      <p:cNvPr id="0" name="图片 3075"/>
-                      <p:cNvPicPr/>
-                      <p:nvPr/>
-                    </p:nvPicPr>
-                    <p:blipFill>
-                      <a:blip r:embed="rId3"/>
-                      <a:stretch>
-                        <a:fillRect/>
-                      </a:stretch>
-                    </p:blipFill>
-                    <p:spPr>
-                      <a:xfrm>
-                        <a:off x="1611313" y="817880"/>
-                        <a:ext cx="88265" cy="139700"/>
-                      </a:xfrm>
-                      <a:prstGeom prst="rect">
-                        <a:avLst/>
-                      </a:prstGeom>
-                      <a:noFill/>
-                      <a:ln w="38100">
-                        <a:noFill/>
-                        <a:miter/>
-                      </a:ln>
-                    </p:spPr>
-                  </p:pic>
-                </p:oleObj>
-              </mc:Fallback>
-            </mc:AlternateContent>
-          </a:graphicData>
-        </a:graphic>
-      </p:graphicFrame>
-      <p:graphicFrame>
-        <p:nvGraphicFramePr>
-          <p:cNvPr id="5" name="对象 -2147482496"/>
-          <p:cNvGraphicFramePr>
-            <a:graphicFrameLocks noChangeAspect="1"/>
-          </p:cNvGraphicFramePr>
-          <p:nvPr/>
-        </p:nvGraphicFramePr>
-        <p:xfrm>
-          <a:off x="516890" y="1008380"/>
-          <a:ext cx="114300" cy="139700"/>
-        </p:xfrm>
-        <a:graphic>
-          <a:graphicData uri="http://schemas.openxmlformats.org/presentationml/2006/ole">
-            <mc:AlternateContent xmlns:mc="http://schemas.openxmlformats.org/markup-compatibility/2006">
-              <mc:Choice xmlns:v="urn:schemas-microsoft-com:vml" Requires="v">
-                <p:oleObj spid="_x0000_s6" name="" r:id="rId4" imgW="114300" imgH="139700" progId="DSEquations">
-                  <p:embed/>
-                </p:oleObj>
-              </mc:Choice>
-              <mc:Fallback>
-                <p:oleObj name="" r:id="rId4" imgW="114300" imgH="139700" progId="DSEquations">
-                  <p:embed/>
-                  <p:pic>
-                    <p:nvPicPr>
-                      <p:cNvPr id="0" name="图片 3075"/>
-                      <p:cNvPicPr/>
-                      <p:nvPr/>
-                    </p:nvPicPr>
-                    <p:blipFill>
-                      <a:blip r:embed="rId5"/>
-                      <a:stretch>
-                        <a:fillRect/>
-                      </a:stretch>
-                    </p:blipFill>
-                    <p:spPr>
-                      <a:xfrm>
-                        <a:off x="516890" y="1008380"/>
-                        <a:ext cx="114300" cy="139700"/>
-                      </a:xfrm>
-                      <a:prstGeom prst="rect">
-                        <a:avLst/>
-                      </a:prstGeom>
-                      <a:noFill/>
-                      <a:ln w="38100">
-                        <a:noFill/>
-                        <a:miter/>
-                      </a:ln>
-                    </p:spPr>
-                  </p:pic>
-                </p:oleObj>
-              </mc:Fallback>
-            </mc:AlternateContent>
-          </a:graphicData>
-        </a:graphic>
-      </p:graphicFrame>
-      <p:graphicFrame>
-        <p:nvGraphicFramePr>
-          <p:cNvPr id="7" name="对象 -2147482496"/>
-          <p:cNvGraphicFramePr>
-            <a:graphicFrameLocks noChangeAspect="1"/>
-          </p:cNvGraphicFramePr>
-          <p:nvPr/>
-        </p:nvGraphicFramePr>
-        <p:xfrm>
-          <a:off x="748030" y="1940560"/>
-          <a:ext cx="101600" cy="152400"/>
-        </p:xfrm>
-        <a:graphic>
-          <a:graphicData uri="http://schemas.openxmlformats.org/presentationml/2006/ole">
-            <mc:AlternateContent xmlns:mc="http://schemas.openxmlformats.org/markup-compatibility/2006">
-              <mc:Choice xmlns:v="urn:schemas-microsoft-com:vml" Requires="v">
-                <p:oleObj spid="_x0000_s8" name="" r:id="rId6" imgW="101600" imgH="152400" progId="DSEquations">
-                  <p:embed/>
-                </p:oleObj>
-              </mc:Choice>
-              <mc:Fallback>
-                <p:oleObj name="" r:id="rId6" imgW="101600" imgH="152400" progId="DSEquations">
-                  <p:embed/>
-                  <p:pic>
-                    <p:nvPicPr>
-                      <p:cNvPr id="0" name="图片 3075"/>
-                      <p:cNvPicPr/>
-                      <p:nvPr/>
-                    </p:nvPicPr>
-                    <p:blipFill>
-                      <a:blip r:embed="rId7"/>
-                      <a:stretch>
-                        <a:fillRect/>
-                      </a:stretch>
-                    </p:blipFill>
-                    <p:spPr>
-                      <a:xfrm>
-                        <a:off x="748030" y="1940560"/>
-                        <a:ext cx="101600" cy="152400"/>
-                      </a:xfrm>
-                      <a:prstGeom prst="rect">
-                        <a:avLst/>
-                      </a:prstGeom>
-                      <a:noFill/>
-                      <a:ln w="38100">
-                        <a:noFill/>
-                        <a:miter/>
-                      </a:ln>
-                    </p:spPr>
-                  </p:pic>
-                </p:oleObj>
-              </mc:Fallback>
-            </mc:AlternateContent>
-          </a:graphicData>
-        </a:graphic>
-      </p:graphicFrame>
-      <p:graphicFrame>
-        <p:nvGraphicFramePr>
-          <p:cNvPr id="9" name="对象 -2147482496"/>
-          <p:cNvGraphicFramePr>
-            <a:graphicFrameLocks noChangeAspect="1"/>
-          </p:cNvGraphicFramePr>
-          <p:nvPr/>
-        </p:nvGraphicFramePr>
-        <p:xfrm>
-          <a:off x="1680210" y="1800860"/>
-          <a:ext cx="114300" cy="139700"/>
-        </p:xfrm>
-        <a:graphic>
-          <a:graphicData uri="http://schemas.openxmlformats.org/presentationml/2006/ole">
-            <mc:AlternateContent xmlns:mc="http://schemas.openxmlformats.org/markup-compatibility/2006">
-              <mc:Choice xmlns:v="urn:schemas-microsoft-com:vml" Requires="v">
-                <p:oleObj spid="_x0000_s10" name="" r:id="rId8" imgW="114300" imgH="139700" progId="DSEquations">
-                  <p:embed/>
-                </p:oleObj>
-              </mc:Choice>
-              <mc:Fallback>
-                <p:oleObj name="" r:id="rId8" imgW="114300" imgH="139700" progId="DSEquations">
-                  <p:embed/>
-                  <p:pic>
-                    <p:nvPicPr>
-                      <p:cNvPr id="0" name="图片 3075"/>
-                      <p:cNvPicPr/>
-                      <p:nvPr/>
-                    </p:nvPicPr>
-                    <p:blipFill>
-                      <a:blip r:embed="rId9"/>
-                      <a:stretch>
-                        <a:fillRect/>
-                      </a:stretch>
-                    </p:blipFill>
-                    <p:spPr>
-                      <a:xfrm>
-                        <a:off x="1680210" y="1800860"/>
-                        <a:ext cx="114300" cy="139700"/>
-                      </a:xfrm>
-                      <a:prstGeom prst="rect">
-                        <a:avLst/>
-                      </a:prstGeom>
-                      <a:noFill/>
-                      <a:ln w="38100">
-                        <a:noFill/>
-                        <a:miter/>
-                      </a:ln>
-                    </p:spPr>
-                  </p:pic>
-                </p:oleObj>
-              </mc:Fallback>
-            </mc:AlternateContent>
-          </a:graphicData>
-        </a:graphic>
-      </p:graphicFrame>
-      <p:cxnSp>
-        <p:nvCxnSpPr>
-          <p:cNvPr id="12" name="直接连接符 11"/>
-          <p:cNvCxnSpPr/>
-          <p:nvPr/>
-        </p:nvCxnSpPr>
-        <p:spPr>
-          <a:xfrm flipV="1">
-            <a:off x="1223010" y="1073150"/>
-            <a:ext cx="448310" cy="519430"/>
-          </a:xfrm>
-          <a:prstGeom prst="line">
-            <a:avLst/>
-          </a:prstGeom>
-          <a:ln w="6350">
-            <a:solidFill>
-              <a:srgbClr val="00FF00"/>
-            </a:solidFill>
-            <a:prstDash val="sysDash"/>
-          </a:ln>
-        </p:spPr>
-        <p:style>
-          <a:lnRef idx="2">
-            <a:schemeClr val="accent1"/>
-          </a:lnRef>
-          <a:fillRef idx="0">
-            <a:srgbClr val="FFFFFF"/>
-          </a:fillRef>
-          <a:effectRef idx="0">
-            <a:srgbClr val="FFFFFF"/>
-          </a:effectRef>
-          <a:fontRef idx="minor">
-            <a:schemeClr val="tx1"/>
-          </a:fontRef>
-        </p:style>
-      </p:cxnSp>
-      <p:cxnSp>
-        <p:nvCxnSpPr>
-          <p:cNvPr id="13" name="直接连接符 12"/>
-          <p:cNvCxnSpPr/>
-          <p:nvPr/>
-        </p:nvCxnSpPr>
-        <p:spPr>
-          <a:xfrm flipV="1">
-            <a:off x="879475" y="891540"/>
-            <a:ext cx="448310" cy="519430"/>
-          </a:xfrm>
-          <a:prstGeom prst="line">
-            <a:avLst/>
-          </a:prstGeom>
-          <a:ln w="6350">
-            <a:solidFill>
-              <a:srgbClr val="00FF00"/>
-            </a:solidFill>
-            <a:prstDash val="sysDash"/>
-          </a:ln>
-        </p:spPr>
-        <p:style>
-          <a:lnRef idx="2">
-            <a:schemeClr val="accent1"/>
-          </a:lnRef>
-          <a:fillRef idx="0">
-            <a:srgbClr val="FFFFFF"/>
-          </a:fillRef>
-          <a:effectRef idx="0">
-            <a:srgbClr val="FFFFFF"/>
-          </a:effectRef>
-          <a:fontRef idx="minor">
-            <a:schemeClr val="tx1"/>
-          </a:fontRef>
-        </p:style>
-      </p:cxnSp>
-      <p:cxnSp>
-        <p:nvCxnSpPr>
-          <p:cNvPr id="14" name="直接连接符 13"/>
-          <p:cNvCxnSpPr/>
-          <p:nvPr/>
-        </p:nvCxnSpPr>
-        <p:spPr>
-          <a:xfrm flipH="1" flipV="1">
-            <a:off x="1129665" y="1136650"/>
-            <a:ext cx="288925" cy="218440"/>
-          </a:xfrm>
-          <a:prstGeom prst="line">
-            <a:avLst/>
-          </a:prstGeom>
-          <a:ln w="6350">
-            <a:solidFill>
-              <a:srgbClr val="00FF00"/>
-            </a:solidFill>
-            <a:prstDash val="solid"/>
-            <a:tailEnd type="triangle" w="sm" len="sm"/>
-          </a:ln>
-        </p:spPr>
-        <p:style>
-          <a:lnRef idx="2">
-            <a:schemeClr val="accent1"/>
-          </a:lnRef>
-          <a:fillRef idx="0">
-            <a:srgbClr val="FFFFFF"/>
-          </a:fillRef>
-          <a:effectRef idx="0">
-            <a:srgbClr val="FFFFFF"/>
-          </a:effectRef>
-          <a:fontRef idx="minor">
-            <a:schemeClr val="tx1"/>
-          </a:fontRef>
-        </p:style>
-      </p:cxnSp>
-      <p:cxnSp>
-        <p:nvCxnSpPr>
-          <p:cNvPr id="15" name="直接箭头连接符 14"/>
-          <p:cNvCxnSpPr/>
-          <p:nvPr/>
-        </p:nvCxnSpPr>
-        <p:spPr>
-          <a:xfrm flipH="1" flipV="1">
-            <a:off x="1784350" y="313055"/>
-            <a:ext cx="281305" cy="193675"/>
-          </a:xfrm>
-          <a:prstGeom prst="straightConnector1">
-            <a:avLst/>
-          </a:prstGeom>
-          <a:ln w="12700">
-            <a:solidFill>
-              <a:srgbClr val="FF0000"/>
-            </a:solidFill>
-            <a:tailEnd type="triangle"/>
-          </a:ln>
-        </p:spPr>
-        <p:style>
-          <a:lnRef idx="2">
-            <a:schemeClr val="accent1"/>
-          </a:lnRef>
-          <a:fillRef idx="0">
-            <a:srgbClr val="FFFFFF"/>
-          </a:fillRef>
-          <a:effectRef idx="0">
-            <a:srgbClr val="FFFFFF"/>
-          </a:effectRef>
-          <a:fontRef idx="minor">
-            <a:schemeClr val="tx1"/>
-          </a:fontRef>
-        </p:style>
-      </p:cxnSp>
-      <p:cxnSp>
-        <p:nvCxnSpPr>
-          <p:cNvPr id="16" name="直接箭头连接符 15"/>
-          <p:cNvCxnSpPr/>
-          <p:nvPr/>
-        </p:nvCxnSpPr>
-        <p:spPr>
-          <a:xfrm flipV="1">
-            <a:off x="2061210" y="242570"/>
-            <a:ext cx="184150" cy="269240"/>
-          </a:xfrm>
-          <a:prstGeom prst="straightConnector1">
-            <a:avLst/>
-          </a:prstGeom>
-          <a:ln w="12700">
-            <a:solidFill>
-              <a:srgbClr val="FF0000"/>
-            </a:solidFill>
-            <a:tailEnd type="triangle"/>
-          </a:ln>
-        </p:spPr>
-        <p:style>
-          <a:lnRef idx="2">
-            <a:schemeClr val="accent1"/>
-          </a:lnRef>
-          <a:fillRef idx="0">
-            <a:srgbClr val="FFFFFF"/>
-          </a:fillRef>
-          <a:effectRef idx="0">
-            <a:srgbClr val="FFFFFF"/>
-          </a:effectRef>
-          <a:fontRef idx="minor">
-            <a:schemeClr val="tx1"/>
-          </a:fontRef>
-        </p:style>
-      </p:cxnSp>
-      <p:graphicFrame>
-        <p:nvGraphicFramePr>
-          <p:cNvPr id="18" name="对象 -2147482496"/>
-          <p:cNvGraphicFramePr>
-            <a:graphicFrameLocks noChangeAspect="1"/>
-          </p:cNvGraphicFramePr>
-          <p:nvPr/>
-        </p:nvGraphicFramePr>
-        <p:xfrm>
-          <a:off x="2179638" y="97790"/>
-          <a:ext cx="203200" cy="190500"/>
-        </p:xfrm>
-        <a:graphic>
-          <a:graphicData uri="http://schemas.openxmlformats.org/presentationml/2006/ole">
-            <mc:AlternateContent xmlns:mc="http://schemas.openxmlformats.org/markup-compatibility/2006">
-              <mc:Choice xmlns:v="urn:schemas-microsoft-com:vml" Requires="v">
-                <p:oleObj spid="_x0000_s3076" name="" r:id="rId10" imgW="203200" imgH="190500" progId="DSEquations">
-                  <p:embed/>
-                </p:oleObj>
-              </mc:Choice>
-              <mc:Fallback>
-                <p:oleObj name="" r:id="rId10" imgW="203200" imgH="190500" progId="DSEquations">
-                  <p:embed/>
-                  <p:pic>
-                    <p:nvPicPr>
-                      <p:cNvPr id="0" name="图片 3075"/>
-                      <p:cNvPicPr/>
-                      <p:nvPr/>
-                    </p:nvPicPr>
-                    <p:blipFill>
-                      <a:blip r:embed="rId11"/>
-                      <a:stretch>
-                        <a:fillRect/>
-                      </a:stretch>
-                    </p:blipFill>
-                    <p:spPr>
-                      <a:xfrm>
-                        <a:off x="2179638" y="97790"/>
-                        <a:ext cx="203200" cy="190500"/>
-                      </a:xfrm>
-                      <a:prstGeom prst="rect">
-                        <a:avLst/>
-                      </a:prstGeom>
-                      <a:noFill/>
-                      <a:ln w="38100">
-                        <a:noFill/>
-                        <a:miter/>
-                      </a:ln>
-                    </p:spPr>
-                  </p:pic>
-                </p:oleObj>
-              </mc:Fallback>
-            </mc:AlternateContent>
-          </a:graphicData>
-        </a:graphic>
-      </p:graphicFrame>
-      <p:graphicFrame>
-        <p:nvGraphicFramePr>
-          <p:cNvPr id="19" name="对象 -2147482496"/>
-          <p:cNvGraphicFramePr>
-            <a:graphicFrameLocks noChangeAspect="1"/>
-          </p:cNvGraphicFramePr>
-          <p:nvPr/>
-        </p:nvGraphicFramePr>
-        <p:xfrm>
-          <a:off x="1631315" y="266065"/>
-          <a:ext cx="152400" cy="190500"/>
-        </p:xfrm>
-        <a:graphic>
-          <a:graphicData uri="http://schemas.openxmlformats.org/presentationml/2006/ole">
-            <mc:AlternateContent xmlns:mc="http://schemas.openxmlformats.org/markup-compatibility/2006">
-              <mc:Choice xmlns:v="urn:schemas-microsoft-com:vml" Requires="v">
-                <p:oleObj spid="_x0000_s20" name="" r:id="rId12" imgW="152400" imgH="190500" progId="DSEquations">
-                  <p:embed/>
-                </p:oleObj>
-              </mc:Choice>
-              <mc:Fallback>
-                <p:oleObj name="" r:id="rId12" imgW="152400" imgH="190500" progId="DSEquations">
-                  <p:embed/>
-                  <p:pic>
-                    <p:nvPicPr>
-                      <p:cNvPr id="0" name="图片 3075"/>
-                      <p:cNvPicPr/>
-                      <p:nvPr/>
-                    </p:nvPicPr>
-                    <p:blipFill>
-                      <a:blip r:embed="rId13"/>
-                      <a:stretch>
-                        <a:fillRect/>
-                      </a:stretch>
-                    </p:blipFill>
-                    <p:spPr>
-                      <a:xfrm>
-                        <a:off x="1631315" y="266065"/>
-                        <a:ext cx="152400" cy="190500"/>
-                      </a:xfrm>
-                      <a:prstGeom prst="rect">
-                        <a:avLst/>
-                      </a:prstGeom>
-                      <a:noFill/>
-                      <a:ln w="38100">
-                        <a:noFill/>
-                        <a:miter/>
-                      </a:ln>
-                    </p:spPr>
-                  </p:pic>
-                </p:oleObj>
-              </mc:Fallback>
-            </mc:AlternateContent>
-          </a:graphicData>
-        </a:graphic>
-      </p:graphicFrame>
-      <p:graphicFrame>
-        <p:nvGraphicFramePr>
-          <p:cNvPr id="39" name="对象 -2147482496"/>
-          <p:cNvGraphicFramePr>
-            <a:graphicFrameLocks noChangeAspect="1"/>
-          </p:cNvGraphicFramePr>
-          <p:nvPr/>
-        </p:nvGraphicFramePr>
-        <p:xfrm>
-          <a:off x="1259523" y="1023620"/>
-          <a:ext cx="139700" cy="190500"/>
-        </p:xfrm>
-        <a:graphic>
-          <a:graphicData uri="http://schemas.openxmlformats.org/presentationml/2006/ole">
-            <mc:AlternateContent xmlns:mc="http://schemas.openxmlformats.org/markup-compatibility/2006">
-              <mc:Choice xmlns:v="urn:schemas-microsoft-com:vml" Requires="v">
-                <p:oleObj spid="_x0000_s40" name="" r:id="rId14" imgW="139700" imgH="190500" progId="DSEquations">
-                  <p:embed/>
-                </p:oleObj>
-              </mc:Choice>
-              <mc:Fallback>
-                <p:oleObj name="" r:id="rId14" imgW="139700" imgH="190500" progId="DSEquations">
-                  <p:embed/>
-                  <p:pic>
-                    <p:nvPicPr>
-                      <p:cNvPr id="0" name="图片 3075"/>
-                      <p:cNvPicPr/>
-                      <p:nvPr/>
-                    </p:nvPicPr>
-                    <p:blipFill>
-                      <a:blip r:embed="rId15"/>
-                      <a:stretch>
-                        <a:fillRect/>
-                      </a:stretch>
-                    </p:blipFill>
-                    <p:spPr>
-                      <a:xfrm>
-                        <a:off x="1259523" y="1023620"/>
-                        <a:ext cx="139700" cy="190500"/>
-                      </a:xfrm>
-                      <a:prstGeom prst="rect">
-                        <a:avLst/>
-                      </a:prstGeom>
-                      <a:noFill/>
-                      <a:ln w="38100">
-                        <a:noFill/>
-                        <a:miter/>
-                      </a:ln>
-                    </p:spPr>
-                  </p:pic>
-                </p:oleObj>
-              </mc:Fallback>
-            </mc:AlternateContent>
-          </a:graphicData>
-        </a:graphic>
-      </p:graphicFrame>
-    </p:spTree>
-    <p:custDataLst>
-      <p:tags r:id="rId16"/>
+      <p:tags r:id="rId34"/>
     </p:custDataLst>
   </p:cSld>
   <p:clrMapOvr>
@@ -10948,22 +9369,9 @@
 
 <file path=ppt/tags/tag63.xml><?xml version="1.0" encoding="utf-8"?>
 <p:tagLst xmlns:p="http://schemas.openxmlformats.org/presentationml/2006/main">
-  <p:tag name="KSO_WM_SLIDE_ID" val="custom20205081_1"/>
-  <p:tag name="KSO_WM_TEMPLATE_SUBCATEGORY" val="19"/>
-  <p:tag name="KSO_WM_TEMPLATE_MASTER_TYPE" val="0"/>
-  <p:tag name="KSO_WM_TEMPLATE_COLOR_TYPE" val="1"/>
-  <p:tag name="KSO_WM_SLIDE_TYPE" val="title"/>
-  <p:tag name="KSO_WM_SLIDE_SUBTYPE" val="defaultBlank"/>
-  <p:tag name="KSO_WM_SLIDE_ITEM_CNT" val="0"/>
-  <p:tag name="KSO_WM_SLIDE_INDEX" val="1"/>
-  <p:tag name="KSO_WM_TAG_VERSION" val="1.0"/>
   <p:tag name="KSO_WM_BEAUTIFY_FLAG" val="#wm#"/>
   <p:tag name="KSO_WM_TEMPLATE_CATEGORY" val="custom"/>
   <p:tag name="KSO_WM_TEMPLATE_INDEX" val="20205081"/>
-  <p:tag name="KSO_WM_SLIDE_LAYOUT" val="a_b"/>
-  <p:tag name="KSO_WM_SLIDE_LAYOUT_CNT" val="1_1"/>
-  <p:tag name="KSO_WM_UNIT_SHOW_EDIT_AREA_INDICATION" val="1"/>
-  <p:tag name="KSO_WM_TEMPLATE_THUMBS_INDEX" val="1、4、7、12、13、14、15、16、17、18、20、24、25、28、33、36、40、43、44"/>
 </p:tagLst>
 </file>
 
@@ -10984,22 +9392,6 @@
 </file>
 
 <file path=ppt/tags/tag66.xml><?xml version="1.0" encoding="utf-8"?>
-<p:tagLst xmlns:p="http://schemas.openxmlformats.org/presentationml/2006/main">
-  <p:tag name="KSO_WM_BEAUTIFY_FLAG" val="#wm#"/>
-  <p:tag name="KSO_WM_TEMPLATE_CATEGORY" val="custom"/>
-  <p:tag name="KSO_WM_TEMPLATE_INDEX" val="20205081"/>
-</p:tagLst>
-</file>
-
-<file path=ppt/tags/tag67.xml><?xml version="1.0" encoding="utf-8"?>
-<p:tagLst xmlns:p="http://schemas.openxmlformats.org/presentationml/2006/main">
-  <p:tag name="KSO_WM_BEAUTIFY_FLAG" val="#wm#"/>
-  <p:tag name="KSO_WM_TEMPLATE_CATEGORY" val="custom"/>
-  <p:tag name="KSO_WM_TEMPLATE_INDEX" val="20205081"/>
-</p:tagLst>
-</file>
-
-<file path=ppt/tags/tag68.xml><?xml version="1.0" encoding="utf-8"?>
 <p:tagLst xmlns:p="http://schemas.openxmlformats.org/presentationml/2006/main">
   <p:tag name="KSO_WM_BEAUTIFY_FLAG" val="#wm#"/>
   <p:tag name="KSO_WM_TEMPLATE_CATEGORY" val="custom"/>
